--- a/Azure/15Apr2020_BFF_ApiMgt/Documentation/BackEndForFrontEnd_AzureAPIMgt.pptx
+++ b/Azure/15Apr2020_BFF_ApiMgt/Documentation/BackEndForFrontEnd_AzureAPIMgt.pptx
@@ -5,24 +5,23 @@
     <p:sldMasterId id="2147483648" r:id="rId1"/>
   </p:sldMasterIdLst>
   <p:notesMasterIdLst>
-    <p:notesMasterId r:id="rId17"/>
+    <p:notesMasterId r:id="rId16"/>
   </p:notesMasterIdLst>
   <p:sldIdLst>
     <p:sldId id="256" r:id="rId2"/>
     <p:sldId id="257" r:id="rId3"/>
     <p:sldId id="270" r:id="rId4"/>
     <p:sldId id="271" r:id="rId5"/>
-    <p:sldId id="260" r:id="rId6"/>
-    <p:sldId id="272" r:id="rId7"/>
-    <p:sldId id="263" r:id="rId8"/>
-    <p:sldId id="262" r:id="rId9"/>
+    <p:sldId id="273" r:id="rId6"/>
+    <p:sldId id="274" r:id="rId7"/>
+    <p:sldId id="272" r:id="rId8"/>
+    <p:sldId id="263" r:id="rId9"/>
     <p:sldId id="267" r:id="rId10"/>
-    <p:sldId id="266" r:id="rId11"/>
-    <p:sldId id="265" r:id="rId12"/>
-    <p:sldId id="268" r:id="rId13"/>
-    <p:sldId id="269" r:id="rId14"/>
-    <p:sldId id="259" r:id="rId15"/>
-    <p:sldId id="258" r:id="rId16"/>
+    <p:sldId id="275" r:id="rId11"/>
+    <p:sldId id="276" r:id="rId12"/>
+    <p:sldId id="277" r:id="rId13"/>
+    <p:sldId id="259" r:id="rId14"/>
+    <p:sldId id="258" r:id="rId15"/>
   </p:sldIdLst>
   <p:sldSz cx="12192000" cy="6858000"/>
   <p:notesSz cx="6858000" cy="9144000"/>
@@ -4394,7 +4393,7 @@
                 <a:latin typeface="Verdana" panose="020B0604030504040204" pitchFamily="34" charset="0"/>
                 <a:ea typeface="Verdana" panose="020B0604030504040204" pitchFamily="34" charset="0"/>
               </a:rPr>
-              <a:t>Create a gRPC service</a:t>
+              <a:t>Invoking API Gateway/BFF from Angular UI</a:t>
             </a:r>
             <a:endParaRPr lang="en-IN" b="1" dirty="0">
               <a:latin typeface="Verdana" panose="020B0604030504040204" pitchFamily="34" charset="0"/>
@@ -4542,455 +4541,6 @@
       </p:sp>
       <p:sp>
         <p:nvSpPr>
-          <p:cNvPr id="10" name="TextBox 9">
-            <a:extLst>
-              <a:ext uri="{FF2B5EF4-FFF2-40B4-BE49-F238E27FC236}">
-                <a16:creationId xmlns:a16="http://schemas.microsoft.com/office/drawing/2014/main" id="{01677BED-4C67-48F6-8772-07696F9A1F04}"/>
-              </a:ext>
-            </a:extLst>
-          </p:cNvPr>
-          <p:cNvSpPr txBox="1"/>
-          <p:nvPr/>
-        </p:nvSpPr>
-        <p:spPr>
-          <a:xfrm>
-            <a:off x="80629" y="602214"/>
-            <a:ext cx="12037390" cy="4117666"/>
-          </a:xfrm>
-          <a:prstGeom prst="rect">
-            <a:avLst/>
-          </a:prstGeom>
-          <a:noFill/>
-        </p:spPr>
-        <p:txBody>
-          <a:bodyPr wrap="square" rtlCol="0">
-            <a:spAutoFit/>
-          </a:bodyPr>
-          <a:lstStyle/>
-          <a:p>
-            <a:r>
-              <a:rPr lang="en-US" sz="1200" dirty="0">
-                <a:solidFill>
-                  <a:srgbClr val="002060"/>
-                </a:solidFill>
-                <a:latin typeface="Verdana" panose="020B0604030504040204" pitchFamily="34" charset="0"/>
-                <a:ea typeface="Verdana" panose="020B0604030504040204" pitchFamily="34" charset="0"/>
-              </a:rPr>
-              <a:t>Step 1</a:t>
-            </a:r>
-          </a:p>
-          <a:p>
-            <a:pPr>
-              <a:lnSpc>
-                <a:spcPct val="150000"/>
-              </a:lnSpc>
-            </a:pPr>
-            <a:r>
-              <a:rPr lang="en-US" sz="1200" dirty="0">
-                <a:solidFill>
-                  <a:srgbClr val="002060"/>
-                </a:solidFill>
-                <a:latin typeface="Verdana" panose="020B0604030504040204" pitchFamily="34" charset="0"/>
-                <a:ea typeface="Verdana" panose="020B0604030504040204" pitchFamily="34" charset="0"/>
-              </a:rPr>
-              <a:t>Dotnet Version Verification:</a:t>
-            </a:r>
-          </a:p>
-          <a:p>
-            <a:pPr>
-              <a:lnSpc>
-                <a:spcPct val="150000"/>
-              </a:lnSpc>
-            </a:pPr>
-            <a:r>
-              <a:rPr lang="en-US" sz="1200" dirty="0">
-                <a:solidFill>
-                  <a:srgbClr val="002060"/>
-                </a:solidFill>
-                <a:latin typeface="Verdana" panose="020B0604030504040204" pitchFamily="34" charset="0"/>
-                <a:ea typeface="Verdana" panose="020B0604030504040204" pitchFamily="34" charset="0"/>
-              </a:rPr>
-              <a:t>dotnet --list-</a:t>
-            </a:r>
-            <a:r>
-              <a:rPr lang="en-US" sz="1200" dirty="0" err="1">
-                <a:solidFill>
-                  <a:srgbClr val="002060"/>
-                </a:solidFill>
-                <a:latin typeface="Verdana" panose="020B0604030504040204" pitchFamily="34" charset="0"/>
-                <a:ea typeface="Verdana" panose="020B0604030504040204" pitchFamily="34" charset="0"/>
-              </a:rPr>
-              <a:t>sdks</a:t>
-            </a:r>
-            <a:endParaRPr lang="en-US" sz="1200" dirty="0">
-              <a:solidFill>
-                <a:srgbClr val="002060"/>
-              </a:solidFill>
-              <a:latin typeface="Verdana" panose="020B0604030504040204" pitchFamily="34" charset="0"/>
-              <a:ea typeface="Verdana" panose="020B0604030504040204" pitchFamily="34" charset="0"/>
-            </a:endParaRPr>
-          </a:p>
-          <a:p>
-            <a:pPr>
-              <a:lnSpc>
-                <a:spcPct val="150000"/>
-              </a:lnSpc>
-            </a:pPr>
-            <a:r>
-              <a:rPr lang="en-US" sz="1200" dirty="0">
-                <a:solidFill>
-                  <a:srgbClr val="002060"/>
-                </a:solidFill>
-                <a:latin typeface="Verdana" panose="020B0604030504040204" pitchFamily="34" charset="0"/>
-                <a:ea typeface="Verdana" panose="020B0604030504040204" pitchFamily="34" charset="0"/>
-              </a:rPr>
-              <a:t>dotnet --version</a:t>
-            </a:r>
-          </a:p>
-          <a:p>
-            <a:endParaRPr lang="en-US" sz="1200" dirty="0">
-              <a:solidFill>
-                <a:srgbClr val="002060"/>
-              </a:solidFill>
-              <a:latin typeface="Verdana" panose="020B0604030504040204" pitchFamily="34" charset="0"/>
-              <a:ea typeface="Verdana" panose="020B0604030504040204" pitchFamily="34" charset="0"/>
-            </a:endParaRPr>
-          </a:p>
-          <a:p>
-            <a:endParaRPr lang="en-US" sz="1200" dirty="0">
-              <a:solidFill>
-                <a:srgbClr val="002060"/>
-              </a:solidFill>
-              <a:latin typeface="Verdana" panose="020B0604030504040204" pitchFamily="34" charset="0"/>
-              <a:ea typeface="Verdana" panose="020B0604030504040204" pitchFamily="34" charset="0"/>
-            </a:endParaRPr>
-          </a:p>
-          <a:p>
-            <a:r>
-              <a:rPr lang="en-US" sz="1200" dirty="0">
-                <a:solidFill>
-                  <a:srgbClr val="002060"/>
-                </a:solidFill>
-                <a:latin typeface="Verdana" panose="020B0604030504040204" pitchFamily="34" charset="0"/>
-                <a:ea typeface="Verdana" panose="020B0604030504040204" pitchFamily="34" charset="0"/>
-              </a:rPr>
-              <a:t>Step 2</a:t>
-            </a:r>
-          </a:p>
-          <a:p>
-            <a:pPr>
-              <a:lnSpc>
-                <a:spcPct val="150000"/>
-              </a:lnSpc>
-            </a:pPr>
-            <a:r>
-              <a:rPr lang="en-US" sz="1200" dirty="0" err="1">
-                <a:solidFill>
-                  <a:srgbClr val="002060"/>
-                </a:solidFill>
-                <a:latin typeface="Verdana" panose="020B0604030504040204" pitchFamily="34" charset="0"/>
-                <a:ea typeface="Verdana" panose="020B0604030504040204" pitchFamily="34" charset="0"/>
-              </a:rPr>
-              <a:t>mkdir</a:t>
-            </a:r>
-            <a:r>
-              <a:rPr lang="en-US" sz="1200" dirty="0">
-                <a:solidFill>
-                  <a:srgbClr val="002060"/>
-                </a:solidFill>
-                <a:latin typeface="Verdana" panose="020B0604030504040204" pitchFamily="34" charset="0"/>
-                <a:ea typeface="Verdana" panose="020B0604030504040204" pitchFamily="34" charset="0"/>
-              </a:rPr>
-              <a:t> first-</a:t>
-            </a:r>
-            <a:r>
-              <a:rPr lang="en-US" sz="1200" dirty="0" err="1">
-                <a:solidFill>
-                  <a:srgbClr val="002060"/>
-                </a:solidFill>
-                <a:latin typeface="Verdana" panose="020B0604030504040204" pitchFamily="34" charset="0"/>
-                <a:ea typeface="Verdana" panose="020B0604030504040204" pitchFamily="34" charset="0"/>
-              </a:rPr>
-              <a:t>grpcdemo</a:t>
-            </a:r>
-            <a:endParaRPr lang="en-US" sz="1200" dirty="0">
-              <a:solidFill>
-                <a:srgbClr val="002060"/>
-              </a:solidFill>
-              <a:latin typeface="Verdana" panose="020B0604030504040204" pitchFamily="34" charset="0"/>
-              <a:ea typeface="Verdana" panose="020B0604030504040204" pitchFamily="34" charset="0"/>
-            </a:endParaRPr>
-          </a:p>
-          <a:p>
-            <a:pPr>
-              <a:lnSpc>
-                <a:spcPct val="150000"/>
-              </a:lnSpc>
-            </a:pPr>
-            <a:r>
-              <a:rPr lang="en-US" sz="1200" dirty="0">
-                <a:solidFill>
-                  <a:srgbClr val="002060"/>
-                </a:solidFill>
-                <a:latin typeface="Verdana" panose="020B0604030504040204" pitchFamily="34" charset="0"/>
-                <a:ea typeface="Verdana" panose="020B0604030504040204" pitchFamily="34" charset="0"/>
-              </a:rPr>
-              <a:t>cd first-</a:t>
-            </a:r>
-            <a:r>
-              <a:rPr lang="en-US" sz="1200" dirty="0" err="1">
-                <a:solidFill>
-                  <a:srgbClr val="002060"/>
-                </a:solidFill>
-                <a:latin typeface="Verdana" panose="020B0604030504040204" pitchFamily="34" charset="0"/>
-                <a:ea typeface="Verdana" panose="020B0604030504040204" pitchFamily="34" charset="0"/>
-              </a:rPr>
-              <a:t>grpcdemo</a:t>
-            </a:r>
-            <a:endParaRPr lang="en-US" sz="1200" dirty="0">
-              <a:solidFill>
-                <a:srgbClr val="002060"/>
-              </a:solidFill>
-              <a:latin typeface="Verdana" panose="020B0604030504040204" pitchFamily="34" charset="0"/>
-              <a:ea typeface="Verdana" panose="020B0604030504040204" pitchFamily="34" charset="0"/>
-            </a:endParaRPr>
-          </a:p>
-          <a:p>
-            <a:pPr>
-              <a:lnSpc>
-                <a:spcPct val="150000"/>
-              </a:lnSpc>
-            </a:pPr>
-            <a:r>
-              <a:rPr lang="en-US" sz="1200" dirty="0">
-                <a:solidFill>
-                  <a:srgbClr val="002060"/>
-                </a:solidFill>
-                <a:latin typeface="Verdana" panose="020B0604030504040204" pitchFamily="34" charset="0"/>
-                <a:ea typeface="Verdana" panose="020B0604030504040204" pitchFamily="34" charset="0"/>
-              </a:rPr>
-              <a:t>dotnet new </a:t>
-            </a:r>
-            <a:r>
-              <a:rPr lang="en-US" sz="1200" dirty="0" err="1">
-                <a:solidFill>
-                  <a:srgbClr val="002060"/>
-                </a:solidFill>
-                <a:latin typeface="Verdana" panose="020B0604030504040204" pitchFamily="34" charset="0"/>
-                <a:ea typeface="Verdana" panose="020B0604030504040204" pitchFamily="34" charset="0"/>
-              </a:rPr>
-              <a:t>grpc</a:t>
-            </a:r>
-            <a:r>
-              <a:rPr lang="en-US" sz="1200" dirty="0">
-                <a:solidFill>
-                  <a:srgbClr val="002060"/>
-                </a:solidFill>
-                <a:latin typeface="Verdana" panose="020B0604030504040204" pitchFamily="34" charset="0"/>
-                <a:ea typeface="Verdana" panose="020B0604030504040204" pitchFamily="34" charset="0"/>
-              </a:rPr>
-              <a:t> -o </a:t>
-            </a:r>
-            <a:r>
-              <a:rPr lang="en-US" sz="1200" dirty="0" err="1">
-                <a:solidFill>
-                  <a:srgbClr val="002060"/>
-                </a:solidFill>
-                <a:latin typeface="Verdana" panose="020B0604030504040204" pitchFamily="34" charset="0"/>
-                <a:ea typeface="Verdana" panose="020B0604030504040204" pitchFamily="34" charset="0"/>
-              </a:rPr>
-              <a:t>GrpcGreeter</a:t>
-            </a:r>
-            <a:r>
-              <a:rPr lang="en-US" sz="1200" dirty="0">
-                <a:solidFill>
-                  <a:srgbClr val="002060"/>
-                </a:solidFill>
-                <a:latin typeface="Verdana" panose="020B0604030504040204" pitchFamily="34" charset="0"/>
-                <a:ea typeface="Verdana" panose="020B0604030504040204" pitchFamily="34" charset="0"/>
-              </a:rPr>
-              <a:t> </a:t>
-            </a:r>
-          </a:p>
-          <a:p>
-            <a:pPr>
-              <a:lnSpc>
-                <a:spcPct val="150000"/>
-              </a:lnSpc>
-            </a:pPr>
-            <a:r>
-              <a:rPr lang="en-US" sz="1200" dirty="0">
-                <a:solidFill>
-                  <a:srgbClr val="002060"/>
-                </a:solidFill>
-                <a:latin typeface="Verdana" panose="020B0604030504040204" pitchFamily="34" charset="0"/>
-                <a:ea typeface="Verdana" panose="020B0604030504040204" pitchFamily="34" charset="0"/>
-              </a:rPr>
-              <a:t>dotnet run and verify the URL in browser</a:t>
-            </a:r>
-          </a:p>
-          <a:p>
-            <a:endParaRPr lang="en-US" sz="1200" dirty="0">
-              <a:solidFill>
-                <a:srgbClr val="002060"/>
-              </a:solidFill>
-              <a:latin typeface="Verdana" panose="020B0604030504040204" pitchFamily="34" charset="0"/>
-              <a:ea typeface="Verdana" panose="020B0604030504040204" pitchFamily="34" charset="0"/>
-            </a:endParaRPr>
-          </a:p>
-          <a:p>
-            <a:endParaRPr lang="en-US" sz="1200" dirty="0">
-              <a:solidFill>
-                <a:srgbClr val="002060"/>
-              </a:solidFill>
-              <a:latin typeface="Verdana" panose="020B0604030504040204" pitchFamily="34" charset="0"/>
-              <a:ea typeface="Verdana" panose="020B0604030504040204" pitchFamily="34" charset="0"/>
-            </a:endParaRPr>
-          </a:p>
-          <a:p>
-            <a:r>
-              <a:rPr lang="en-US" sz="1200" dirty="0">
-                <a:solidFill>
-                  <a:srgbClr val="002060"/>
-                </a:solidFill>
-                <a:latin typeface="Verdana" panose="020B0604030504040204" pitchFamily="34" charset="0"/>
-                <a:ea typeface="Verdana" panose="020B0604030504040204" pitchFamily="34" charset="0"/>
-              </a:rPr>
-              <a:t>Step 3</a:t>
-            </a:r>
-          </a:p>
-          <a:p>
-            <a:pPr>
-              <a:lnSpc>
-                <a:spcPct val="150000"/>
-              </a:lnSpc>
-            </a:pPr>
-            <a:r>
-              <a:rPr lang="en-US" sz="1200" dirty="0">
-                <a:solidFill>
-                  <a:srgbClr val="002060"/>
-                </a:solidFill>
-                <a:latin typeface="Verdana" panose="020B0604030504040204" pitchFamily="34" charset="0"/>
-                <a:ea typeface="Verdana" panose="020B0604030504040204" pitchFamily="34" charset="0"/>
-              </a:rPr>
-              <a:t>Verify the .</a:t>
-            </a:r>
-            <a:r>
-              <a:rPr lang="en-US" sz="1200" dirty="0" err="1">
-                <a:solidFill>
-                  <a:srgbClr val="002060"/>
-                </a:solidFill>
-                <a:latin typeface="Verdana" panose="020B0604030504040204" pitchFamily="34" charset="0"/>
-                <a:ea typeface="Verdana" panose="020B0604030504040204" pitchFamily="34" charset="0"/>
-              </a:rPr>
-              <a:t>csproj</a:t>
-            </a:r>
-            <a:r>
-              <a:rPr lang="en-US" sz="1200" dirty="0">
-                <a:solidFill>
-                  <a:srgbClr val="002060"/>
-                </a:solidFill>
-                <a:latin typeface="Verdana" panose="020B0604030504040204" pitchFamily="34" charset="0"/>
-                <a:ea typeface="Verdana" panose="020B0604030504040204" pitchFamily="34" charset="0"/>
-              </a:rPr>
-              <a:t> file</a:t>
-            </a:r>
-          </a:p>
-          <a:p>
-            <a:pPr>
-              <a:lnSpc>
-                <a:spcPct val="150000"/>
-              </a:lnSpc>
-            </a:pPr>
-            <a:r>
-              <a:rPr lang="en-US" sz="1200" dirty="0">
-                <a:solidFill>
-                  <a:srgbClr val="002060"/>
-                </a:solidFill>
-                <a:latin typeface="Verdana" panose="020B0604030504040204" pitchFamily="34" charset="0"/>
-                <a:ea typeface="Verdana" panose="020B0604030504040204" pitchFamily="34" charset="0"/>
-              </a:rPr>
-              <a:t>Verify the .cs files (</a:t>
-            </a:r>
-            <a:r>
-              <a:rPr lang="en-US" sz="1200" dirty="0" err="1">
-                <a:solidFill>
-                  <a:srgbClr val="002060"/>
-                </a:solidFill>
-                <a:latin typeface="Verdana" panose="020B0604030504040204" pitchFamily="34" charset="0"/>
-                <a:ea typeface="Verdana" panose="020B0604030504040204" pitchFamily="34" charset="0"/>
-              </a:rPr>
-              <a:t>Greet.cs</a:t>
-            </a:r>
-            <a:r>
-              <a:rPr lang="en-US" sz="1200" dirty="0">
-                <a:solidFill>
-                  <a:srgbClr val="002060"/>
-                </a:solidFill>
-                <a:latin typeface="Verdana" panose="020B0604030504040204" pitchFamily="34" charset="0"/>
-                <a:ea typeface="Verdana" panose="020B0604030504040204" pitchFamily="34" charset="0"/>
-              </a:rPr>
-              <a:t>, </a:t>
-            </a:r>
-            <a:r>
-              <a:rPr lang="en-US" sz="1200" dirty="0" err="1">
-                <a:solidFill>
-                  <a:srgbClr val="002060"/>
-                </a:solidFill>
-                <a:latin typeface="Verdana" panose="020B0604030504040204" pitchFamily="34" charset="0"/>
-                <a:ea typeface="Verdana" panose="020B0604030504040204" pitchFamily="34" charset="0"/>
-              </a:rPr>
-              <a:t>GreetGrpc.cs</a:t>
-            </a:r>
-            <a:r>
-              <a:rPr lang="en-US" sz="1200" dirty="0">
-                <a:solidFill>
-                  <a:srgbClr val="002060"/>
-                </a:solidFill>
-                <a:latin typeface="Verdana" panose="020B0604030504040204" pitchFamily="34" charset="0"/>
-                <a:ea typeface="Verdana" panose="020B0604030504040204" pitchFamily="34" charset="0"/>
-              </a:rPr>
-              <a:t>) auto generate GRPC tools</a:t>
-            </a:r>
-          </a:p>
-          <a:p>
-            <a:pPr>
-              <a:lnSpc>
-                <a:spcPct val="150000"/>
-              </a:lnSpc>
-            </a:pPr>
-            <a:r>
-              <a:rPr lang="en-US" sz="1200" dirty="0">
-                <a:solidFill>
-                  <a:srgbClr val="002060"/>
-                </a:solidFill>
-                <a:latin typeface="Verdana" panose="020B0604030504040204" pitchFamily="34" charset="0"/>
-                <a:ea typeface="Verdana" panose="020B0604030504040204" pitchFamily="34" charset="0"/>
-              </a:rPr>
-              <a:t>Verify the </a:t>
-            </a:r>
-            <a:r>
-              <a:rPr lang="en-US" sz="1200" dirty="0" err="1">
-                <a:solidFill>
-                  <a:srgbClr val="002060"/>
-                </a:solidFill>
-                <a:latin typeface="Verdana" panose="020B0604030504040204" pitchFamily="34" charset="0"/>
-                <a:ea typeface="Verdana" panose="020B0604030504040204" pitchFamily="34" charset="0"/>
-              </a:rPr>
-              <a:t>StartUp.cs</a:t>
-            </a:r>
-            <a:endParaRPr lang="en-US" sz="1200" dirty="0">
-              <a:solidFill>
-                <a:srgbClr val="002060"/>
-              </a:solidFill>
-              <a:latin typeface="Verdana" panose="020B0604030504040204" pitchFamily="34" charset="0"/>
-              <a:ea typeface="Verdana" panose="020B0604030504040204" pitchFamily="34" charset="0"/>
-            </a:endParaRPr>
-          </a:p>
-        </p:txBody>
-      </p:sp>
-      <p:sp>
-        <p:nvSpPr>
           <p:cNvPr id="12" name="Footer Placeholder 7">
             <a:extLst>
               <a:ext uri="{FF2B5EF4-FFF2-40B4-BE49-F238E27FC236}">
@@ -5125,10 +4675,186 @@
           </a:p>
         </p:txBody>
       </p:sp>
+      <p:sp>
+        <p:nvSpPr>
+          <p:cNvPr id="11" name="TextBox 10">
+            <a:extLst>
+              <a:ext uri="{FF2B5EF4-FFF2-40B4-BE49-F238E27FC236}">
+                <a16:creationId xmlns:a16="http://schemas.microsoft.com/office/drawing/2014/main" id="{13E2DF1E-6C2C-406F-BEFA-709E8A507357}"/>
+              </a:ext>
+            </a:extLst>
+          </p:cNvPr>
+          <p:cNvSpPr txBox="1"/>
+          <p:nvPr/>
+        </p:nvSpPr>
+        <p:spPr>
+          <a:xfrm>
+            <a:off x="80629" y="602214"/>
+            <a:ext cx="12037390" cy="3684920"/>
+          </a:xfrm>
+          <a:prstGeom prst="rect">
+            <a:avLst/>
+          </a:prstGeom>
+          <a:noFill/>
+        </p:spPr>
+        <p:txBody>
+          <a:bodyPr wrap="square" rtlCol="0">
+            <a:spAutoFit/>
+          </a:bodyPr>
+          <a:lstStyle/>
+          <a:p>
+            <a:pPr>
+              <a:lnSpc>
+                <a:spcPct val="200000"/>
+              </a:lnSpc>
+            </a:pPr>
+            <a:r>
+              <a:rPr lang="en-US" sz="2000" dirty="0">
+                <a:solidFill>
+                  <a:srgbClr val="002060"/>
+                </a:solidFill>
+                <a:latin typeface="Verdana" panose="020B0604030504040204" pitchFamily="34" charset="0"/>
+                <a:ea typeface="Verdana" panose="020B0604030504040204" pitchFamily="34" charset="0"/>
+              </a:rPr>
+              <a:t>Working with Angular UI with Hosted Middle Tier, and </a:t>
+            </a:r>
+            <a:r>
+              <a:rPr lang="en-US" sz="2000" dirty="0" err="1">
+                <a:solidFill>
+                  <a:srgbClr val="002060"/>
+                </a:solidFill>
+                <a:latin typeface="Verdana" panose="020B0604030504040204" pitchFamily="34" charset="0"/>
+                <a:ea typeface="Verdana" panose="020B0604030504040204" pitchFamily="34" charset="0"/>
+              </a:rPr>
+              <a:t>Api</a:t>
+            </a:r>
+            <a:r>
+              <a:rPr lang="en-US" sz="2000" dirty="0">
+                <a:solidFill>
+                  <a:srgbClr val="002060"/>
+                </a:solidFill>
+                <a:latin typeface="Verdana" panose="020B0604030504040204" pitchFamily="34" charset="0"/>
+                <a:ea typeface="Verdana" panose="020B0604030504040204" pitchFamily="34" charset="0"/>
+              </a:rPr>
+              <a:t> Gateway</a:t>
+            </a:r>
+          </a:p>
+          <a:p>
+            <a:pPr marL="171450" indent="-171450">
+              <a:lnSpc>
+                <a:spcPct val="200000"/>
+              </a:lnSpc>
+              <a:buFont typeface="Wingdings" panose="05000000000000000000" pitchFamily="2" charset="2"/>
+              <a:buChar char="Ø"/>
+            </a:pPr>
+            <a:r>
+              <a:rPr lang="en-US" sz="2000" dirty="0">
+                <a:solidFill>
+                  <a:srgbClr val="002060"/>
+                </a:solidFill>
+                <a:latin typeface="Verdana" panose="020B0604030504040204" pitchFamily="34" charset="0"/>
+                <a:ea typeface="Verdana" panose="020B0604030504040204" pitchFamily="34" charset="0"/>
+              </a:rPr>
+              <a:t> Retrieve the data using Hosted Web </a:t>
+            </a:r>
+            <a:r>
+              <a:rPr lang="en-US" sz="2000" dirty="0" err="1">
+                <a:solidFill>
+                  <a:srgbClr val="002060"/>
+                </a:solidFill>
+                <a:latin typeface="Verdana" panose="020B0604030504040204" pitchFamily="34" charset="0"/>
+                <a:ea typeface="Verdana" panose="020B0604030504040204" pitchFamily="34" charset="0"/>
+              </a:rPr>
+              <a:t>Api</a:t>
+            </a:r>
+            <a:r>
+              <a:rPr lang="en-US" sz="2000" dirty="0">
+                <a:solidFill>
+                  <a:srgbClr val="002060"/>
+                </a:solidFill>
+                <a:latin typeface="Verdana" panose="020B0604030504040204" pitchFamily="34" charset="0"/>
+                <a:ea typeface="Verdana" panose="020B0604030504040204" pitchFamily="34" charset="0"/>
+              </a:rPr>
+              <a:t>.</a:t>
+            </a:r>
+          </a:p>
+          <a:p>
+            <a:pPr marL="171450" indent="-171450">
+              <a:lnSpc>
+                <a:spcPct val="200000"/>
+              </a:lnSpc>
+              <a:buFont typeface="Wingdings" panose="05000000000000000000" pitchFamily="2" charset="2"/>
+              <a:buChar char="Ø"/>
+            </a:pPr>
+            <a:r>
+              <a:rPr lang="en-US" sz="2000" dirty="0">
+                <a:solidFill>
+                  <a:srgbClr val="002060"/>
+                </a:solidFill>
+                <a:latin typeface="Verdana" panose="020B0604030504040204" pitchFamily="34" charset="0"/>
+                <a:ea typeface="Verdana" panose="020B0604030504040204" pitchFamily="34" charset="0"/>
+              </a:rPr>
+              <a:t> Retrieve the data using APIM Gateway.</a:t>
+            </a:r>
+          </a:p>
+          <a:p>
+            <a:pPr marL="800100" lvl="1" indent="-342900">
+              <a:lnSpc>
+                <a:spcPct val="200000"/>
+              </a:lnSpc>
+              <a:buFont typeface="Wingdings" panose="05000000000000000000" pitchFamily="2" charset="2"/>
+              <a:buChar char="ü"/>
+            </a:pPr>
+            <a:r>
+              <a:rPr lang="en-US" sz="2000" dirty="0">
+                <a:solidFill>
+                  <a:srgbClr val="002060"/>
+                </a:solidFill>
+                <a:latin typeface="Verdana" panose="020B0604030504040204" pitchFamily="34" charset="0"/>
+                <a:ea typeface="Verdana" panose="020B0604030504040204" pitchFamily="34" charset="0"/>
+              </a:rPr>
+              <a:t>Adding CORS</a:t>
+            </a:r>
+          </a:p>
+          <a:p>
+            <a:pPr marL="800100" lvl="1" indent="-342900">
+              <a:lnSpc>
+                <a:spcPct val="200000"/>
+              </a:lnSpc>
+              <a:buFont typeface="Wingdings" panose="05000000000000000000" pitchFamily="2" charset="2"/>
+              <a:buChar char="ü"/>
+            </a:pPr>
+            <a:r>
+              <a:rPr lang="en-US" sz="2000" dirty="0">
+                <a:solidFill>
+                  <a:srgbClr val="002060"/>
+                </a:solidFill>
+                <a:latin typeface="Verdana" panose="020B0604030504040204" pitchFamily="34" charset="0"/>
+                <a:ea typeface="Verdana" panose="020B0604030504040204" pitchFamily="34" charset="0"/>
+              </a:rPr>
+              <a:t>Passing Headers to APIM Gateway.</a:t>
+            </a:r>
+          </a:p>
+          <a:p>
+            <a:pPr>
+              <a:lnSpc>
+                <a:spcPct val="200000"/>
+              </a:lnSpc>
+            </a:pPr>
+            <a:endParaRPr lang="en-IN" sz="2000" dirty="0">
+              <a:solidFill>
+                <a:srgbClr val="002060"/>
+              </a:solidFill>
+              <a:latin typeface="Verdana" panose="020B0604030504040204" pitchFamily="34" charset="0"/>
+              <a:ea typeface="Verdana" panose="020B0604030504040204" pitchFamily="34" charset="0"/>
+            </a:endParaRPr>
+          </a:p>
+        </p:txBody>
+      </p:sp>
     </p:spTree>
     <p:extLst>
       <p:ext uri="{BB962C8B-B14F-4D97-AF65-F5344CB8AC3E}">
-        <p14:creationId xmlns:p14="http://schemas.microsoft.com/office/powerpoint/2010/main" val="4112781436"/>
+        <p14:creationId xmlns:p14="http://schemas.microsoft.com/office/powerpoint/2010/main" val="1933217885"/>
       </p:ext>
     </p:extLst>
   </p:cSld>
@@ -5205,7 +4931,7 @@
                 <a:latin typeface="Verdana" panose="020B0604030504040204" pitchFamily="34" charset="0"/>
                 <a:ea typeface="Verdana" panose="020B0604030504040204" pitchFamily="34" charset="0"/>
               </a:rPr>
-              <a:t>Create a gRPC Client</a:t>
+              <a:t>Adding Policies to Global, Product, Services and Operation Level</a:t>
             </a:r>
             <a:endParaRPr lang="en-IN" b="1" dirty="0">
               <a:latin typeface="Verdana" panose="020B0604030504040204" pitchFamily="34" charset="0"/>
@@ -5353,992 +5079,6 @@
       </p:sp>
       <p:sp>
         <p:nvSpPr>
-          <p:cNvPr id="10" name="TextBox 9">
-            <a:extLst>
-              <a:ext uri="{FF2B5EF4-FFF2-40B4-BE49-F238E27FC236}">
-                <a16:creationId xmlns:a16="http://schemas.microsoft.com/office/drawing/2014/main" id="{01677BED-4C67-48F6-8772-07696F9A1F04}"/>
-              </a:ext>
-            </a:extLst>
-          </p:cNvPr>
-          <p:cNvSpPr txBox="1"/>
-          <p:nvPr/>
-        </p:nvSpPr>
-        <p:spPr>
-          <a:xfrm>
-            <a:off x="80629" y="602214"/>
-            <a:ext cx="12037390" cy="5687326"/>
-          </a:xfrm>
-          <a:prstGeom prst="rect">
-            <a:avLst/>
-          </a:prstGeom>
-          <a:noFill/>
-        </p:spPr>
-        <p:txBody>
-          <a:bodyPr wrap="square" rtlCol="0">
-            <a:spAutoFit/>
-          </a:bodyPr>
-          <a:lstStyle/>
-          <a:p>
-            <a:r>
-              <a:rPr lang="en-US" sz="1200" dirty="0">
-                <a:solidFill>
-                  <a:srgbClr val="002060"/>
-                </a:solidFill>
-                <a:latin typeface="Verdana" panose="020B0604030504040204" pitchFamily="34" charset="0"/>
-                <a:ea typeface="Verdana" panose="020B0604030504040204" pitchFamily="34" charset="0"/>
-              </a:rPr>
-              <a:t>Step 1</a:t>
-            </a:r>
-          </a:p>
-          <a:p>
-            <a:r>
-              <a:rPr lang="en-US" sz="1200" dirty="0">
-                <a:solidFill>
-                  <a:srgbClr val="002060"/>
-                </a:solidFill>
-                <a:latin typeface="Verdana" panose="020B0604030504040204" pitchFamily="34" charset="0"/>
-                <a:ea typeface="Verdana" panose="020B0604030504040204" pitchFamily="34" charset="0"/>
-              </a:rPr>
-              <a:t>dotnet new console -o </a:t>
-            </a:r>
-            <a:r>
-              <a:rPr lang="en-US" sz="1200" dirty="0" err="1">
-                <a:solidFill>
-                  <a:srgbClr val="002060"/>
-                </a:solidFill>
-                <a:latin typeface="Verdana" panose="020B0604030504040204" pitchFamily="34" charset="0"/>
-                <a:ea typeface="Verdana" panose="020B0604030504040204" pitchFamily="34" charset="0"/>
-              </a:rPr>
-              <a:t>GrpcGreeterClient</a:t>
-            </a:r>
-            <a:endParaRPr lang="en-US" sz="1200" dirty="0">
-              <a:solidFill>
-                <a:srgbClr val="002060"/>
-              </a:solidFill>
-              <a:latin typeface="Verdana" panose="020B0604030504040204" pitchFamily="34" charset="0"/>
-              <a:ea typeface="Verdana" panose="020B0604030504040204" pitchFamily="34" charset="0"/>
-            </a:endParaRPr>
-          </a:p>
-          <a:p>
-            <a:r>
-              <a:rPr lang="en-US" sz="1200" dirty="0">
-                <a:solidFill>
-                  <a:srgbClr val="002060"/>
-                </a:solidFill>
-                <a:latin typeface="Verdana" panose="020B0604030504040204" pitchFamily="34" charset="0"/>
-                <a:ea typeface="Verdana" panose="020B0604030504040204" pitchFamily="34" charset="0"/>
-              </a:rPr>
-              <a:t> </a:t>
-            </a:r>
-          </a:p>
-          <a:p>
-            <a:r>
-              <a:rPr lang="en-US" sz="1200" dirty="0">
-                <a:solidFill>
-                  <a:srgbClr val="002060"/>
-                </a:solidFill>
-                <a:latin typeface="Verdana" panose="020B0604030504040204" pitchFamily="34" charset="0"/>
-                <a:ea typeface="Verdana" panose="020B0604030504040204" pitchFamily="34" charset="0"/>
-              </a:rPr>
-              <a:t>Step 2</a:t>
-            </a:r>
-          </a:p>
-          <a:p>
-            <a:endParaRPr lang="en-US" sz="1200" dirty="0">
-              <a:solidFill>
-                <a:srgbClr val="002060"/>
-              </a:solidFill>
-              <a:latin typeface="Verdana" panose="020B0604030504040204" pitchFamily="34" charset="0"/>
-              <a:ea typeface="Verdana" panose="020B0604030504040204" pitchFamily="34" charset="0"/>
-            </a:endParaRPr>
-          </a:p>
-          <a:p>
-            <a:r>
-              <a:rPr lang="en-US" sz="1200" dirty="0">
-                <a:solidFill>
-                  <a:srgbClr val="002060"/>
-                </a:solidFill>
-                <a:latin typeface="Verdana" panose="020B0604030504040204" pitchFamily="34" charset="0"/>
-                <a:ea typeface="Verdana" panose="020B0604030504040204" pitchFamily="34" charset="0"/>
-              </a:rPr>
-              <a:t>  &lt;</a:t>
-            </a:r>
-            <a:r>
-              <a:rPr lang="en-US" sz="1200" dirty="0" err="1">
-                <a:solidFill>
-                  <a:srgbClr val="002060"/>
-                </a:solidFill>
-                <a:latin typeface="Verdana" panose="020B0604030504040204" pitchFamily="34" charset="0"/>
-                <a:ea typeface="Verdana" panose="020B0604030504040204" pitchFamily="34" charset="0"/>
-              </a:rPr>
-              <a:t>ItemGroup</a:t>
-            </a:r>
-            <a:r>
-              <a:rPr lang="en-US" sz="1200" dirty="0">
-                <a:solidFill>
-                  <a:srgbClr val="002060"/>
-                </a:solidFill>
-                <a:latin typeface="Verdana" panose="020B0604030504040204" pitchFamily="34" charset="0"/>
-                <a:ea typeface="Verdana" panose="020B0604030504040204" pitchFamily="34" charset="0"/>
-              </a:rPr>
-              <a:t>&gt;</a:t>
-            </a:r>
-          </a:p>
-          <a:p>
-            <a:r>
-              <a:rPr lang="en-US" sz="1200" dirty="0">
-                <a:solidFill>
-                  <a:srgbClr val="002060"/>
-                </a:solidFill>
-                <a:latin typeface="Verdana" panose="020B0604030504040204" pitchFamily="34" charset="0"/>
-                <a:ea typeface="Verdana" panose="020B0604030504040204" pitchFamily="34" charset="0"/>
-              </a:rPr>
-              <a:t>    &lt;</a:t>
-            </a:r>
-            <a:r>
-              <a:rPr lang="en-US" sz="1200" dirty="0" err="1">
-                <a:solidFill>
-                  <a:srgbClr val="002060"/>
-                </a:solidFill>
-                <a:latin typeface="Verdana" panose="020B0604030504040204" pitchFamily="34" charset="0"/>
-                <a:ea typeface="Verdana" panose="020B0604030504040204" pitchFamily="34" charset="0"/>
-              </a:rPr>
-              <a:t>PackageReference</a:t>
-            </a:r>
-            <a:r>
-              <a:rPr lang="en-US" sz="1200" dirty="0">
-                <a:solidFill>
-                  <a:srgbClr val="002060"/>
-                </a:solidFill>
-                <a:latin typeface="Verdana" panose="020B0604030504040204" pitchFamily="34" charset="0"/>
-                <a:ea typeface="Verdana" panose="020B0604030504040204" pitchFamily="34" charset="0"/>
-              </a:rPr>
-              <a:t> Include="</a:t>
-            </a:r>
-            <a:r>
-              <a:rPr lang="en-US" sz="1200" dirty="0" err="1">
-                <a:solidFill>
-                  <a:srgbClr val="002060"/>
-                </a:solidFill>
-                <a:latin typeface="Verdana" panose="020B0604030504040204" pitchFamily="34" charset="0"/>
-                <a:ea typeface="Verdana" panose="020B0604030504040204" pitchFamily="34" charset="0"/>
-              </a:rPr>
-              <a:t>Google.Protobuf</a:t>
-            </a:r>
-            <a:r>
-              <a:rPr lang="en-US" sz="1200" dirty="0">
-                <a:solidFill>
-                  <a:srgbClr val="002060"/>
-                </a:solidFill>
-                <a:latin typeface="Verdana" panose="020B0604030504040204" pitchFamily="34" charset="0"/>
-                <a:ea typeface="Verdana" panose="020B0604030504040204" pitchFamily="34" charset="0"/>
-              </a:rPr>
-              <a:t>" Version="3.11.1" /&gt;</a:t>
-            </a:r>
-          </a:p>
-          <a:p>
-            <a:r>
-              <a:rPr lang="en-US" sz="1200" dirty="0">
-                <a:solidFill>
-                  <a:srgbClr val="002060"/>
-                </a:solidFill>
-                <a:latin typeface="Verdana" panose="020B0604030504040204" pitchFamily="34" charset="0"/>
-                <a:ea typeface="Verdana" panose="020B0604030504040204" pitchFamily="34" charset="0"/>
-              </a:rPr>
-              <a:t>    &lt;</a:t>
-            </a:r>
-            <a:r>
-              <a:rPr lang="en-US" sz="1200" dirty="0" err="1">
-                <a:solidFill>
-                  <a:srgbClr val="002060"/>
-                </a:solidFill>
-                <a:latin typeface="Verdana" panose="020B0604030504040204" pitchFamily="34" charset="0"/>
-                <a:ea typeface="Verdana" panose="020B0604030504040204" pitchFamily="34" charset="0"/>
-              </a:rPr>
-              <a:t>PackageReference</a:t>
-            </a:r>
-            <a:r>
-              <a:rPr lang="en-US" sz="1200" dirty="0">
-                <a:solidFill>
-                  <a:srgbClr val="002060"/>
-                </a:solidFill>
-                <a:latin typeface="Verdana" panose="020B0604030504040204" pitchFamily="34" charset="0"/>
-                <a:ea typeface="Verdana" panose="020B0604030504040204" pitchFamily="34" charset="0"/>
-              </a:rPr>
-              <a:t> Include="</a:t>
-            </a:r>
-            <a:r>
-              <a:rPr lang="en-US" sz="1200" dirty="0" err="1">
-                <a:solidFill>
-                  <a:srgbClr val="002060"/>
-                </a:solidFill>
-                <a:latin typeface="Verdana" panose="020B0604030504040204" pitchFamily="34" charset="0"/>
-                <a:ea typeface="Verdana" panose="020B0604030504040204" pitchFamily="34" charset="0"/>
-              </a:rPr>
-              <a:t>Grpc.Core</a:t>
-            </a:r>
-            <a:r>
-              <a:rPr lang="en-US" sz="1200" dirty="0">
-                <a:solidFill>
-                  <a:srgbClr val="002060"/>
-                </a:solidFill>
-                <a:latin typeface="Verdana" panose="020B0604030504040204" pitchFamily="34" charset="0"/>
-                <a:ea typeface="Verdana" panose="020B0604030504040204" pitchFamily="34" charset="0"/>
-              </a:rPr>
-              <a:t>" Version="2.25.0" /&gt;</a:t>
-            </a:r>
-          </a:p>
-          <a:p>
-            <a:r>
-              <a:rPr lang="en-US" sz="1200" dirty="0">
-                <a:solidFill>
-                  <a:srgbClr val="002060"/>
-                </a:solidFill>
-                <a:latin typeface="Verdana" panose="020B0604030504040204" pitchFamily="34" charset="0"/>
-                <a:ea typeface="Verdana" panose="020B0604030504040204" pitchFamily="34" charset="0"/>
-              </a:rPr>
-              <a:t>    &lt;</a:t>
-            </a:r>
-            <a:r>
-              <a:rPr lang="en-US" sz="1200" dirty="0" err="1">
-                <a:solidFill>
-                  <a:srgbClr val="002060"/>
-                </a:solidFill>
-                <a:latin typeface="Verdana" panose="020B0604030504040204" pitchFamily="34" charset="0"/>
-                <a:ea typeface="Verdana" panose="020B0604030504040204" pitchFamily="34" charset="0"/>
-              </a:rPr>
-              <a:t>PackageReference</a:t>
-            </a:r>
-            <a:r>
-              <a:rPr lang="en-US" sz="1200" dirty="0">
-                <a:solidFill>
-                  <a:srgbClr val="002060"/>
-                </a:solidFill>
-                <a:latin typeface="Verdana" panose="020B0604030504040204" pitchFamily="34" charset="0"/>
-                <a:ea typeface="Verdana" panose="020B0604030504040204" pitchFamily="34" charset="0"/>
-              </a:rPr>
-              <a:t> Include="</a:t>
-            </a:r>
-            <a:r>
-              <a:rPr lang="en-US" sz="1200" dirty="0" err="1">
-                <a:solidFill>
-                  <a:srgbClr val="002060"/>
-                </a:solidFill>
-                <a:latin typeface="Verdana" panose="020B0604030504040204" pitchFamily="34" charset="0"/>
-                <a:ea typeface="Verdana" panose="020B0604030504040204" pitchFamily="34" charset="0"/>
-              </a:rPr>
-              <a:t>Grpc.Net.Client</a:t>
-            </a:r>
-            <a:r>
-              <a:rPr lang="en-US" sz="1200" dirty="0">
-                <a:solidFill>
-                  <a:srgbClr val="002060"/>
-                </a:solidFill>
-                <a:latin typeface="Verdana" panose="020B0604030504040204" pitchFamily="34" charset="0"/>
-                <a:ea typeface="Verdana" panose="020B0604030504040204" pitchFamily="34" charset="0"/>
-              </a:rPr>
-              <a:t>" Version="2.26.0-pre1" /&gt;</a:t>
-            </a:r>
-          </a:p>
-          <a:p>
-            <a:r>
-              <a:rPr lang="en-US" sz="1200" dirty="0">
-                <a:solidFill>
-                  <a:srgbClr val="002060"/>
-                </a:solidFill>
-                <a:latin typeface="Verdana" panose="020B0604030504040204" pitchFamily="34" charset="0"/>
-                <a:ea typeface="Verdana" panose="020B0604030504040204" pitchFamily="34" charset="0"/>
-              </a:rPr>
-              <a:t>    &lt;</a:t>
-            </a:r>
-            <a:r>
-              <a:rPr lang="en-US" sz="1200" dirty="0" err="1">
-                <a:solidFill>
-                  <a:srgbClr val="002060"/>
-                </a:solidFill>
-                <a:latin typeface="Verdana" panose="020B0604030504040204" pitchFamily="34" charset="0"/>
-                <a:ea typeface="Verdana" panose="020B0604030504040204" pitchFamily="34" charset="0"/>
-              </a:rPr>
-              <a:t>PackageReference</a:t>
-            </a:r>
-            <a:r>
-              <a:rPr lang="en-US" sz="1200" dirty="0">
-                <a:solidFill>
-                  <a:srgbClr val="002060"/>
-                </a:solidFill>
-                <a:latin typeface="Verdana" panose="020B0604030504040204" pitchFamily="34" charset="0"/>
-                <a:ea typeface="Verdana" panose="020B0604030504040204" pitchFamily="34" charset="0"/>
-              </a:rPr>
-              <a:t> Include="</a:t>
-            </a:r>
-            <a:r>
-              <a:rPr lang="en-US" sz="1200" dirty="0" err="1">
-                <a:solidFill>
-                  <a:srgbClr val="002060"/>
-                </a:solidFill>
-                <a:latin typeface="Verdana" panose="020B0604030504040204" pitchFamily="34" charset="0"/>
-                <a:ea typeface="Verdana" panose="020B0604030504040204" pitchFamily="34" charset="0"/>
-              </a:rPr>
-              <a:t>Grpc.Tools</a:t>
-            </a:r>
-            <a:r>
-              <a:rPr lang="en-US" sz="1200" dirty="0">
-                <a:solidFill>
-                  <a:srgbClr val="002060"/>
-                </a:solidFill>
-                <a:latin typeface="Verdana" panose="020B0604030504040204" pitchFamily="34" charset="0"/>
-                <a:ea typeface="Verdana" panose="020B0604030504040204" pitchFamily="34" charset="0"/>
-              </a:rPr>
-              <a:t>" Version="2.26.0-pre1"&gt;</a:t>
-            </a:r>
-          </a:p>
-          <a:p>
-            <a:r>
-              <a:rPr lang="en-US" sz="1200" dirty="0">
-                <a:solidFill>
-                  <a:srgbClr val="002060"/>
-                </a:solidFill>
-                <a:latin typeface="Verdana" panose="020B0604030504040204" pitchFamily="34" charset="0"/>
-                <a:ea typeface="Verdana" panose="020B0604030504040204" pitchFamily="34" charset="0"/>
-              </a:rPr>
-              <a:t>      &lt;</a:t>
-            </a:r>
-            <a:r>
-              <a:rPr lang="en-US" sz="1200" dirty="0" err="1">
-                <a:solidFill>
-                  <a:srgbClr val="002060"/>
-                </a:solidFill>
-                <a:latin typeface="Verdana" panose="020B0604030504040204" pitchFamily="34" charset="0"/>
-                <a:ea typeface="Verdana" panose="020B0604030504040204" pitchFamily="34" charset="0"/>
-              </a:rPr>
-              <a:t>PrivateAssets</a:t>
-            </a:r>
-            <a:r>
-              <a:rPr lang="en-US" sz="1200" dirty="0">
-                <a:solidFill>
-                  <a:srgbClr val="002060"/>
-                </a:solidFill>
-                <a:latin typeface="Verdana" panose="020B0604030504040204" pitchFamily="34" charset="0"/>
-                <a:ea typeface="Verdana" panose="020B0604030504040204" pitchFamily="34" charset="0"/>
-              </a:rPr>
-              <a:t>&gt;all&lt;/</a:t>
-            </a:r>
-            <a:r>
-              <a:rPr lang="en-US" sz="1200" dirty="0" err="1">
-                <a:solidFill>
-                  <a:srgbClr val="002060"/>
-                </a:solidFill>
-                <a:latin typeface="Verdana" panose="020B0604030504040204" pitchFamily="34" charset="0"/>
-                <a:ea typeface="Verdana" panose="020B0604030504040204" pitchFamily="34" charset="0"/>
-              </a:rPr>
-              <a:t>PrivateAssets</a:t>
-            </a:r>
-            <a:r>
-              <a:rPr lang="en-US" sz="1200" dirty="0">
-                <a:solidFill>
-                  <a:srgbClr val="002060"/>
-                </a:solidFill>
-                <a:latin typeface="Verdana" panose="020B0604030504040204" pitchFamily="34" charset="0"/>
-                <a:ea typeface="Verdana" panose="020B0604030504040204" pitchFamily="34" charset="0"/>
-              </a:rPr>
-              <a:t>&gt;</a:t>
-            </a:r>
-          </a:p>
-          <a:p>
-            <a:r>
-              <a:rPr lang="en-US" sz="1200" dirty="0">
-                <a:solidFill>
-                  <a:srgbClr val="002060"/>
-                </a:solidFill>
-                <a:latin typeface="Verdana" panose="020B0604030504040204" pitchFamily="34" charset="0"/>
-                <a:ea typeface="Verdana" panose="020B0604030504040204" pitchFamily="34" charset="0"/>
-              </a:rPr>
-              <a:t>      &lt;</a:t>
-            </a:r>
-            <a:r>
-              <a:rPr lang="en-US" sz="1200" dirty="0" err="1">
-                <a:solidFill>
-                  <a:srgbClr val="002060"/>
-                </a:solidFill>
-                <a:latin typeface="Verdana" panose="020B0604030504040204" pitchFamily="34" charset="0"/>
-                <a:ea typeface="Verdana" panose="020B0604030504040204" pitchFamily="34" charset="0"/>
-              </a:rPr>
-              <a:t>IncludeAssets</a:t>
-            </a:r>
-            <a:r>
-              <a:rPr lang="en-US" sz="1200" dirty="0">
-                <a:solidFill>
-                  <a:srgbClr val="002060"/>
-                </a:solidFill>
-                <a:latin typeface="Verdana" panose="020B0604030504040204" pitchFamily="34" charset="0"/>
-                <a:ea typeface="Verdana" panose="020B0604030504040204" pitchFamily="34" charset="0"/>
-              </a:rPr>
-              <a:t>&gt;runtime; build; native; </a:t>
-            </a:r>
-            <a:r>
-              <a:rPr lang="en-US" sz="1200" dirty="0" err="1">
-                <a:solidFill>
-                  <a:srgbClr val="002060"/>
-                </a:solidFill>
-                <a:latin typeface="Verdana" panose="020B0604030504040204" pitchFamily="34" charset="0"/>
-                <a:ea typeface="Verdana" panose="020B0604030504040204" pitchFamily="34" charset="0"/>
-              </a:rPr>
-              <a:t>contentfiles</a:t>
-            </a:r>
-            <a:r>
-              <a:rPr lang="en-US" sz="1200" dirty="0">
-                <a:solidFill>
-                  <a:srgbClr val="002060"/>
-                </a:solidFill>
-                <a:latin typeface="Verdana" panose="020B0604030504040204" pitchFamily="34" charset="0"/>
-                <a:ea typeface="Verdana" panose="020B0604030504040204" pitchFamily="34" charset="0"/>
-              </a:rPr>
-              <a:t>; analyzers; </a:t>
-            </a:r>
-            <a:r>
-              <a:rPr lang="en-US" sz="1200" dirty="0" err="1">
-                <a:solidFill>
-                  <a:srgbClr val="002060"/>
-                </a:solidFill>
-                <a:latin typeface="Verdana" panose="020B0604030504040204" pitchFamily="34" charset="0"/>
-                <a:ea typeface="Verdana" panose="020B0604030504040204" pitchFamily="34" charset="0"/>
-              </a:rPr>
-              <a:t>buildtransitive</a:t>
-            </a:r>
-            <a:r>
-              <a:rPr lang="en-US" sz="1200" dirty="0">
-                <a:solidFill>
-                  <a:srgbClr val="002060"/>
-                </a:solidFill>
-                <a:latin typeface="Verdana" panose="020B0604030504040204" pitchFamily="34" charset="0"/>
-                <a:ea typeface="Verdana" panose="020B0604030504040204" pitchFamily="34" charset="0"/>
-              </a:rPr>
-              <a:t>&lt;/</a:t>
-            </a:r>
-            <a:r>
-              <a:rPr lang="en-US" sz="1200" dirty="0" err="1">
-                <a:solidFill>
-                  <a:srgbClr val="002060"/>
-                </a:solidFill>
-                <a:latin typeface="Verdana" panose="020B0604030504040204" pitchFamily="34" charset="0"/>
-                <a:ea typeface="Verdana" panose="020B0604030504040204" pitchFamily="34" charset="0"/>
-              </a:rPr>
-              <a:t>IncludeAssets</a:t>
-            </a:r>
-            <a:r>
-              <a:rPr lang="en-US" sz="1200" dirty="0">
-                <a:solidFill>
-                  <a:srgbClr val="002060"/>
-                </a:solidFill>
-                <a:latin typeface="Verdana" panose="020B0604030504040204" pitchFamily="34" charset="0"/>
-                <a:ea typeface="Verdana" panose="020B0604030504040204" pitchFamily="34" charset="0"/>
-              </a:rPr>
-              <a:t>&gt;</a:t>
-            </a:r>
-          </a:p>
-          <a:p>
-            <a:r>
-              <a:rPr lang="en-US" sz="1200" dirty="0">
-                <a:solidFill>
-                  <a:srgbClr val="002060"/>
-                </a:solidFill>
-                <a:latin typeface="Verdana" panose="020B0604030504040204" pitchFamily="34" charset="0"/>
-                <a:ea typeface="Verdana" panose="020B0604030504040204" pitchFamily="34" charset="0"/>
-              </a:rPr>
-              <a:t>    &lt;/</a:t>
-            </a:r>
-            <a:r>
-              <a:rPr lang="en-US" sz="1200" dirty="0" err="1">
-                <a:solidFill>
-                  <a:srgbClr val="002060"/>
-                </a:solidFill>
-                <a:latin typeface="Verdana" panose="020B0604030504040204" pitchFamily="34" charset="0"/>
-                <a:ea typeface="Verdana" panose="020B0604030504040204" pitchFamily="34" charset="0"/>
-              </a:rPr>
-              <a:t>PackageReference</a:t>
-            </a:r>
-            <a:r>
-              <a:rPr lang="en-US" sz="1200" dirty="0">
-                <a:solidFill>
-                  <a:srgbClr val="002060"/>
-                </a:solidFill>
-                <a:latin typeface="Verdana" panose="020B0604030504040204" pitchFamily="34" charset="0"/>
-                <a:ea typeface="Verdana" panose="020B0604030504040204" pitchFamily="34" charset="0"/>
-              </a:rPr>
-              <a:t>&gt;</a:t>
-            </a:r>
-          </a:p>
-          <a:p>
-            <a:r>
-              <a:rPr lang="en-US" sz="1200" dirty="0">
-                <a:solidFill>
-                  <a:srgbClr val="002060"/>
-                </a:solidFill>
-                <a:latin typeface="Verdana" panose="020B0604030504040204" pitchFamily="34" charset="0"/>
-                <a:ea typeface="Verdana" panose="020B0604030504040204" pitchFamily="34" charset="0"/>
-              </a:rPr>
-              <a:t>  &lt;/</a:t>
-            </a:r>
-            <a:r>
-              <a:rPr lang="en-US" sz="1200" dirty="0" err="1">
-                <a:solidFill>
-                  <a:srgbClr val="002060"/>
-                </a:solidFill>
-                <a:latin typeface="Verdana" panose="020B0604030504040204" pitchFamily="34" charset="0"/>
-                <a:ea typeface="Verdana" panose="020B0604030504040204" pitchFamily="34" charset="0"/>
-              </a:rPr>
-              <a:t>ItemGroup</a:t>
-            </a:r>
-            <a:r>
-              <a:rPr lang="en-US" sz="1200" dirty="0">
-                <a:solidFill>
-                  <a:srgbClr val="002060"/>
-                </a:solidFill>
-                <a:latin typeface="Verdana" panose="020B0604030504040204" pitchFamily="34" charset="0"/>
-                <a:ea typeface="Verdana" panose="020B0604030504040204" pitchFamily="34" charset="0"/>
-              </a:rPr>
-              <a:t>&gt;</a:t>
-            </a:r>
-          </a:p>
-          <a:p>
-            <a:endParaRPr lang="en-US" sz="1200" dirty="0">
-              <a:solidFill>
-                <a:srgbClr val="002060"/>
-              </a:solidFill>
-              <a:latin typeface="Verdana" panose="020B0604030504040204" pitchFamily="34" charset="0"/>
-              <a:ea typeface="Verdana" panose="020B0604030504040204" pitchFamily="34" charset="0"/>
-            </a:endParaRPr>
-          </a:p>
-          <a:p>
-            <a:r>
-              <a:rPr lang="en-US" sz="1200" dirty="0">
-                <a:solidFill>
-                  <a:srgbClr val="002060"/>
-                </a:solidFill>
-                <a:latin typeface="Verdana" panose="020B0604030504040204" pitchFamily="34" charset="0"/>
-                <a:ea typeface="Verdana" panose="020B0604030504040204" pitchFamily="34" charset="0"/>
-              </a:rPr>
-              <a:t>  &lt;</a:t>
-            </a:r>
-            <a:r>
-              <a:rPr lang="en-US" sz="1200" dirty="0" err="1">
-                <a:solidFill>
-                  <a:srgbClr val="002060"/>
-                </a:solidFill>
-                <a:latin typeface="Verdana" panose="020B0604030504040204" pitchFamily="34" charset="0"/>
-                <a:ea typeface="Verdana" panose="020B0604030504040204" pitchFamily="34" charset="0"/>
-              </a:rPr>
-              <a:t>ItemGroup</a:t>
-            </a:r>
-            <a:r>
-              <a:rPr lang="en-US" sz="1200" dirty="0">
-                <a:solidFill>
-                  <a:srgbClr val="002060"/>
-                </a:solidFill>
-                <a:latin typeface="Verdana" panose="020B0604030504040204" pitchFamily="34" charset="0"/>
-                <a:ea typeface="Verdana" panose="020B0604030504040204" pitchFamily="34" charset="0"/>
-              </a:rPr>
-              <a:t>&gt;</a:t>
-            </a:r>
-          </a:p>
-          <a:p>
-            <a:r>
-              <a:rPr lang="en-US" sz="1200" dirty="0">
-                <a:solidFill>
-                  <a:srgbClr val="002060"/>
-                </a:solidFill>
-                <a:latin typeface="Verdana" panose="020B0604030504040204" pitchFamily="34" charset="0"/>
-                <a:ea typeface="Verdana" panose="020B0604030504040204" pitchFamily="34" charset="0"/>
-              </a:rPr>
-              <a:t>    &lt;</a:t>
-            </a:r>
-            <a:r>
-              <a:rPr lang="en-US" sz="1200" dirty="0" err="1">
-                <a:solidFill>
-                  <a:srgbClr val="002060"/>
-                </a:solidFill>
-                <a:latin typeface="Verdana" panose="020B0604030504040204" pitchFamily="34" charset="0"/>
-                <a:ea typeface="Verdana" panose="020B0604030504040204" pitchFamily="34" charset="0"/>
-              </a:rPr>
-              <a:t>Protobuf</a:t>
-            </a:r>
-            <a:r>
-              <a:rPr lang="en-US" sz="1200" dirty="0">
-                <a:solidFill>
-                  <a:srgbClr val="002060"/>
-                </a:solidFill>
-                <a:latin typeface="Verdana" panose="020B0604030504040204" pitchFamily="34" charset="0"/>
-                <a:ea typeface="Verdana" panose="020B0604030504040204" pitchFamily="34" charset="0"/>
-              </a:rPr>
-              <a:t> Include="Protos\</a:t>
-            </a:r>
-            <a:r>
-              <a:rPr lang="en-US" sz="1200" dirty="0" err="1">
-                <a:solidFill>
-                  <a:srgbClr val="002060"/>
-                </a:solidFill>
-                <a:latin typeface="Verdana" panose="020B0604030504040204" pitchFamily="34" charset="0"/>
-                <a:ea typeface="Verdana" panose="020B0604030504040204" pitchFamily="34" charset="0"/>
-              </a:rPr>
-              <a:t>greet.proto</a:t>
-            </a:r>
-            <a:r>
-              <a:rPr lang="en-US" sz="1200" dirty="0">
-                <a:solidFill>
-                  <a:srgbClr val="002060"/>
-                </a:solidFill>
-                <a:latin typeface="Verdana" panose="020B0604030504040204" pitchFamily="34" charset="0"/>
-                <a:ea typeface="Verdana" panose="020B0604030504040204" pitchFamily="34" charset="0"/>
-              </a:rPr>
-              <a:t>" </a:t>
-            </a:r>
-            <a:r>
-              <a:rPr lang="en-US" sz="1200" dirty="0" err="1">
-                <a:solidFill>
-                  <a:srgbClr val="002060"/>
-                </a:solidFill>
-                <a:latin typeface="Verdana" panose="020B0604030504040204" pitchFamily="34" charset="0"/>
-                <a:ea typeface="Verdana" panose="020B0604030504040204" pitchFamily="34" charset="0"/>
-              </a:rPr>
-              <a:t>GrpcServices</a:t>
-            </a:r>
-            <a:r>
-              <a:rPr lang="en-US" sz="1200" dirty="0">
-                <a:solidFill>
-                  <a:srgbClr val="002060"/>
-                </a:solidFill>
-                <a:latin typeface="Verdana" panose="020B0604030504040204" pitchFamily="34" charset="0"/>
-                <a:ea typeface="Verdana" panose="020B0604030504040204" pitchFamily="34" charset="0"/>
-              </a:rPr>
-              <a:t>="Client" /&gt;</a:t>
-            </a:r>
-          </a:p>
-          <a:p>
-            <a:r>
-              <a:rPr lang="en-US" sz="1200" dirty="0">
-                <a:solidFill>
-                  <a:srgbClr val="002060"/>
-                </a:solidFill>
-                <a:latin typeface="Verdana" panose="020B0604030504040204" pitchFamily="34" charset="0"/>
-                <a:ea typeface="Verdana" panose="020B0604030504040204" pitchFamily="34" charset="0"/>
-              </a:rPr>
-              <a:t>  &lt;/</a:t>
-            </a:r>
-            <a:r>
-              <a:rPr lang="en-US" sz="1200" dirty="0" err="1">
-                <a:solidFill>
-                  <a:srgbClr val="002060"/>
-                </a:solidFill>
-                <a:latin typeface="Verdana" panose="020B0604030504040204" pitchFamily="34" charset="0"/>
-                <a:ea typeface="Verdana" panose="020B0604030504040204" pitchFamily="34" charset="0"/>
-              </a:rPr>
-              <a:t>ItemGroup</a:t>
-            </a:r>
-            <a:r>
-              <a:rPr lang="en-US" sz="1200" dirty="0">
-                <a:solidFill>
-                  <a:srgbClr val="002060"/>
-                </a:solidFill>
-                <a:latin typeface="Verdana" panose="020B0604030504040204" pitchFamily="34" charset="0"/>
-                <a:ea typeface="Verdana" panose="020B0604030504040204" pitchFamily="34" charset="0"/>
-              </a:rPr>
-              <a:t>&gt;</a:t>
-            </a:r>
-          </a:p>
-          <a:p>
-            <a:endParaRPr lang="en-US" sz="1200" dirty="0">
-              <a:solidFill>
-                <a:srgbClr val="002060"/>
-              </a:solidFill>
-              <a:latin typeface="Verdana" panose="020B0604030504040204" pitchFamily="34" charset="0"/>
-              <a:ea typeface="Verdana" panose="020B0604030504040204" pitchFamily="34" charset="0"/>
-            </a:endParaRPr>
-          </a:p>
-          <a:p>
-            <a:r>
-              <a:rPr lang="en-US" sz="1200" dirty="0">
-                <a:solidFill>
-                  <a:srgbClr val="002060"/>
-                </a:solidFill>
-                <a:latin typeface="Verdana" panose="020B0604030504040204" pitchFamily="34" charset="0"/>
-                <a:ea typeface="Verdana" panose="020B0604030504040204" pitchFamily="34" charset="0"/>
-              </a:rPr>
-              <a:t>Step 3</a:t>
-            </a:r>
-          </a:p>
-          <a:p>
-            <a:pPr>
-              <a:lnSpc>
-                <a:spcPct val="150000"/>
-              </a:lnSpc>
-            </a:pPr>
-            <a:r>
-              <a:rPr lang="en-US" sz="1200" dirty="0">
-                <a:solidFill>
-                  <a:srgbClr val="0070C0"/>
-                </a:solidFill>
-                <a:latin typeface="Verdana" panose="020B0604030504040204" pitchFamily="34" charset="0"/>
-                <a:ea typeface="Verdana" panose="020B0604030504040204" pitchFamily="34" charset="0"/>
-              </a:rPr>
-              <a:t>using var channel = </a:t>
-            </a:r>
-            <a:r>
-              <a:rPr lang="en-US" sz="1200" dirty="0" err="1">
-                <a:solidFill>
-                  <a:srgbClr val="0070C0"/>
-                </a:solidFill>
-                <a:latin typeface="Verdana" panose="020B0604030504040204" pitchFamily="34" charset="0"/>
-                <a:ea typeface="Verdana" panose="020B0604030504040204" pitchFamily="34" charset="0"/>
-              </a:rPr>
-              <a:t>GrpcChannel.ForAddress</a:t>
-            </a:r>
-            <a:r>
-              <a:rPr lang="en-US" sz="1200" dirty="0">
-                <a:solidFill>
-                  <a:srgbClr val="0070C0"/>
-                </a:solidFill>
-                <a:latin typeface="Verdana" panose="020B0604030504040204" pitchFamily="34" charset="0"/>
-                <a:ea typeface="Verdana" panose="020B0604030504040204" pitchFamily="34" charset="0"/>
-              </a:rPr>
-              <a:t>("https://localhost:5001");</a:t>
-            </a:r>
-          </a:p>
-          <a:p>
-            <a:pPr>
-              <a:lnSpc>
-                <a:spcPct val="150000"/>
-              </a:lnSpc>
-            </a:pPr>
-            <a:r>
-              <a:rPr lang="en-US" sz="1200" dirty="0">
-                <a:solidFill>
-                  <a:srgbClr val="0070C0"/>
-                </a:solidFill>
-                <a:latin typeface="Verdana" panose="020B0604030504040204" pitchFamily="34" charset="0"/>
-                <a:ea typeface="Verdana" panose="020B0604030504040204" pitchFamily="34" charset="0"/>
-              </a:rPr>
-              <a:t>var client =  new </a:t>
-            </a:r>
-            <a:r>
-              <a:rPr lang="en-US" sz="1200" dirty="0" err="1">
-                <a:solidFill>
-                  <a:srgbClr val="0070C0"/>
-                </a:solidFill>
-                <a:latin typeface="Verdana" panose="020B0604030504040204" pitchFamily="34" charset="0"/>
-                <a:ea typeface="Verdana" panose="020B0604030504040204" pitchFamily="34" charset="0"/>
-              </a:rPr>
-              <a:t>Greeter.GreeterClient</a:t>
-            </a:r>
-            <a:r>
-              <a:rPr lang="en-US" sz="1200" dirty="0">
-                <a:solidFill>
-                  <a:srgbClr val="0070C0"/>
-                </a:solidFill>
-                <a:latin typeface="Verdana" panose="020B0604030504040204" pitchFamily="34" charset="0"/>
-                <a:ea typeface="Verdana" panose="020B0604030504040204" pitchFamily="34" charset="0"/>
-              </a:rPr>
-              <a:t>(channel);</a:t>
-            </a:r>
-          </a:p>
-          <a:p>
-            <a:pPr>
-              <a:lnSpc>
-                <a:spcPct val="150000"/>
-              </a:lnSpc>
-            </a:pPr>
-            <a:r>
-              <a:rPr lang="en-US" sz="1200" dirty="0">
-                <a:solidFill>
-                  <a:srgbClr val="0070C0"/>
-                </a:solidFill>
-                <a:latin typeface="Verdana" panose="020B0604030504040204" pitchFamily="34" charset="0"/>
-                <a:ea typeface="Verdana" panose="020B0604030504040204" pitchFamily="34" charset="0"/>
-              </a:rPr>
-              <a:t>var reply = await </a:t>
-            </a:r>
-            <a:r>
-              <a:rPr lang="en-US" sz="1200" dirty="0" err="1">
-                <a:solidFill>
-                  <a:srgbClr val="0070C0"/>
-                </a:solidFill>
-                <a:latin typeface="Verdana" panose="020B0604030504040204" pitchFamily="34" charset="0"/>
-                <a:ea typeface="Verdana" panose="020B0604030504040204" pitchFamily="34" charset="0"/>
-              </a:rPr>
-              <a:t>client.SayHelloAsync</a:t>
-            </a:r>
-            <a:r>
-              <a:rPr lang="en-US" sz="1200" dirty="0">
-                <a:solidFill>
-                  <a:srgbClr val="0070C0"/>
-                </a:solidFill>
-                <a:latin typeface="Verdana" panose="020B0604030504040204" pitchFamily="34" charset="0"/>
-                <a:ea typeface="Verdana" panose="020B0604030504040204" pitchFamily="34" charset="0"/>
-              </a:rPr>
-              <a:t>(new </a:t>
-            </a:r>
-            <a:r>
-              <a:rPr lang="en-US" sz="1200" dirty="0" err="1">
-                <a:solidFill>
-                  <a:srgbClr val="0070C0"/>
-                </a:solidFill>
-                <a:latin typeface="Verdana" panose="020B0604030504040204" pitchFamily="34" charset="0"/>
-                <a:ea typeface="Verdana" panose="020B0604030504040204" pitchFamily="34" charset="0"/>
-              </a:rPr>
-              <a:t>HelloRequest</a:t>
-            </a:r>
-            <a:r>
-              <a:rPr lang="en-US" sz="1200" dirty="0">
-                <a:solidFill>
-                  <a:srgbClr val="0070C0"/>
-                </a:solidFill>
-                <a:latin typeface="Verdana" panose="020B0604030504040204" pitchFamily="34" charset="0"/>
-                <a:ea typeface="Verdana" panose="020B0604030504040204" pitchFamily="34" charset="0"/>
-              </a:rPr>
-              <a:t> { Name = "</a:t>
-            </a:r>
-            <a:r>
-              <a:rPr lang="en-US" sz="1200" dirty="0" err="1">
-                <a:solidFill>
-                  <a:srgbClr val="0070C0"/>
-                </a:solidFill>
-                <a:latin typeface="Verdana" panose="020B0604030504040204" pitchFamily="34" charset="0"/>
-                <a:ea typeface="Verdana" panose="020B0604030504040204" pitchFamily="34" charset="0"/>
-              </a:rPr>
-              <a:t>GreeterClient</a:t>
-            </a:r>
-            <a:r>
-              <a:rPr lang="en-US" sz="1200" dirty="0">
-                <a:solidFill>
-                  <a:srgbClr val="0070C0"/>
-                </a:solidFill>
-                <a:latin typeface="Verdana" panose="020B0604030504040204" pitchFamily="34" charset="0"/>
-                <a:ea typeface="Verdana" panose="020B0604030504040204" pitchFamily="34" charset="0"/>
-              </a:rPr>
-              <a:t>" });</a:t>
-            </a:r>
-          </a:p>
-          <a:p>
-            <a:pPr>
-              <a:lnSpc>
-                <a:spcPct val="150000"/>
-              </a:lnSpc>
-            </a:pPr>
-            <a:r>
-              <a:rPr lang="en-US" sz="1200" dirty="0">
-                <a:solidFill>
-                  <a:srgbClr val="0070C0"/>
-                </a:solidFill>
-                <a:latin typeface="Verdana" panose="020B0604030504040204" pitchFamily="34" charset="0"/>
-                <a:ea typeface="Verdana" panose="020B0604030504040204" pitchFamily="34" charset="0"/>
-              </a:rPr>
-              <a:t>                              </a:t>
-            </a:r>
-          </a:p>
-          <a:p>
-            <a:pPr>
-              <a:lnSpc>
-                <a:spcPct val="150000"/>
-              </a:lnSpc>
-            </a:pPr>
-            <a:r>
-              <a:rPr lang="en-US" sz="1200" dirty="0" err="1">
-                <a:solidFill>
-                  <a:srgbClr val="0070C0"/>
-                </a:solidFill>
-                <a:latin typeface="Verdana" panose="020B0604030504040204" pitchFamily="34" charset="0"/>
-                <a:ea typeface="Verdana" panose="020B0604030504040204" pitchFamily="34" charset="0"/>
-              </a:rPr>
-              <a:t>Console.WriteLine</a:t>
-            </a:r>
-            <a:r>
-              <a:rPr lang="en-US" sz="1200" dirty="0">
-                <a:solidFill>
-                  <a:srgbClr val="0070C0"/>
-                </a:solidFill>
-                <a:latin typeface="Verdana" panose="020B0604030504040204" pitchFamily="34" charset="0"/>
-                <a:ea typeface="Verdana" panose="020B0604030504040204" pitchFamily="34" charset="0"/>
-              </a:rPr>
-              <a:t>("Greeting: " + </a:t>
-            </a:r>
-            <a:r>
-              <a:rPr lang="en-US" sz="1200" dirty="0" err="1">
-                <a:solidFill>
-                  <a:srgbClr val="0070C0"/>
-                </a:solidFill>
-                <a:latin typeface="Verdana" panose="020B0604030504040204" pitchFamily="34" charset="0"/>
-                <a:ea typeface="Verdana" panose="020B0604030504040204" pitchFamily="34" charset="0"/>
-              </a:rPr>
-              <a:t>reply.Message</a:t>
-            </a:r>
-            <a:r>
-              <a:rPr lang="en-US" sz="1200" dirty="0">
-                <a:solidFill>
-                  <a:srgbClr val="0070C0"/>
-                </a:solidFill>
-                <a:latin typeface="Verdana" panose="020B0604030504040204" pitchFamily="34" charset="0"/>
-                <a:ea typeface="Verdana" panose="020B0604030504040204" pitchFamily="34" charset="0"/>
-              </a:rPr>
-              <a:t>);</a:t>
-            </a:r>
-          </a:p>
-          <a:p>
-            <a:pPr>
-              <a:lnSpc>
-                <a:spcPct val="150000"/>
-              </a:lnSpc>
-            </a:pPr>
-            <a:r>
-              <a:rPr lang="en-US" sz="1200" dirty="0" err="1">
-                <a:solidFill>
-                  <a:srgbClr val="0070C0"/>
-                </a:solidFill>
-                <a:latin typeface="Verdana" panose="020B0604030504040204" pitchFamily="34" charset="0"/>
-                <a:ea typeface="Verdana" panose="020B0604030504040204" pitchFamily="34" charset="0"/>
-              </a:rPr>
-              <a:t>Console.WriteLine</a:t>
-            </a:r>
-            <a:r>
-              <a:rPr lang="en-US" sz="1200" dirty="0">
-                <a:solidFill>
-                  <a:srgbClr val="0070C0"/>
-                </a:solidFill>
-                <a:latin typeface="Verdana" panose="020B0604030504040204" pitchFamily="34" charset="0"/>
-                <a:ea typeface="Verdana" panose="020B0604030504040204" pitchFamily="34" charset="0"/>
-              </a:rPr>
-              <a:t>("Press any key to exit...");</a:t>
-            </a:r>
-          </a:p>
-          <a:p>
-            <a:pPr>
-              <a:lnSpc>
-                <a:spcPct val="150000"/>
-              </a:lnSpc>
-            </a:pPr>
-            <a:r>
-              <a:rPr lang="en-US" sz="1200" dirty="0" err="1">
-                <a:solidFill>
-                  <a:srgbClr val="0070C0"/>
-                </a:solidFill>
-                <a:latin typeface="Verdana" panose="020B0604030504040204" pitchFamily="34" charset="0"/>
-                <a:ea typeface="Verdana" panose="020B0604030504040204" pitchFamily="34" charset="0"/>
-              </a:rPr>
-              <a:t>Console.ReadKey</a:t>
-            </a:r>
-            <a:r>
-              <a:rPr lang="en-US" sz="1200" dirty="0">
-                <a:solidFill>
-                  <a:srgbClr val="0070C0"/>
-                </a:solidFill>
-                <a:latin typeface="Verdana" panose="020B0604030504040204" pitchFamily="34" charset="0"/>
-                <a:ea typeface="Verdana" panose="020B0604030504040204" pitchFamily="34" charset="0"/>
-              </a:rPr>
-              <a:t>();</a:t>
-            </a:r>
-          </a:p>
-        </p:txBody>
-      </p:sp>
-      <p:sp>
-        <p:nvSpPr>
           <p:cNvPr id="12" name="Footer Placeholder 7">
             <a:extLst>
               <a:ext uri="{FF2B5EF4-FFF2-40B4-BE49-F238E27FC236}">
@@ -6473,10 +5213,220 @@
           </a:p>
         </p:txBody>
       </p:sp>
+      <p:sp>
+        <p:nvSpPr>
+          <p:cNvPr id="11" name="Rectangle 10">
+            <a:extLst>
+              <a:ext uri="{FF2B5EF4-FFF2-40B4-BE49-F238E27FC236}">
+                <a16:creationId xmlns:a16="http://schemas.microsoft.com/office/drawing/2014/main" id="{F60D9B38-5067-4841-9B4A-CE7786A2CB4A}"/>
+              </a:ext>
+            </a:extLst>
+          </p:cNvPr>
+          <p:cNvSpPr/>
+          <p:nvPr/>
+        </p:nvSpPr>
+        <p:spPr>
+          <a:xfrm>
+            <a:off x="2089022" y="588106"/>
+            <a:ext cx="7978466" cy="4128694"/>
+          </a:xfrm>
+          <a:prstGeom prst="rect">
+            <a:avLst/>
+          </a:prstGeom>
+          <a:noFill/>
+        </p:spPr>
+        <p:txBody>
+          <a:bodyPr wrap="none" lIns="91440" tIns="45720" rIns="91440" bIns="45720">
+            <a:spAutoFit/>
+          </a:bodyPr>
+          <a:lstStyle/>
+          <a:p>
+            <a:pPr algn="ctr"/>
+            <a:r>
+              <a:rPr lang="en-US" sz="8800" b="1" cap="none" spc="0" dirty="0">
+                <a:ln w="9525">
+                  <a:solidFill>
+                    <a:schemeClr val="bg1"/>
+                  </a:solidFill>
+                  <a:prstDash val="solid"/>
+                </a:ln>
+                <a:solidFill>
+                  <a:schemeClr val="accent5"/>
+                </a:solidFill>
+                <a:effectLst>
+                  <a:outerShdw blurRad="12700" dist="38100" dir="2700000" algn="tl" rotWithShape="0">
+                    <a:schemeClr val="accent5">
+                      <a:lumMod val="60000"/>
+                      <a:lumOff val="40000"/>
+                    </a:schemeClr>
+                  </a:outerShdw>
+                </a:effectLst>
+                <a:latin typeface="Verdana" panose="020B0604030504040204" pitchFamily="34" charset="0"/>
+                <a:ea typeface="Verdana" panose="020B0604030504040204" pitchFamily="34" charset="0"/>
+              </a:rPr>
+              <a:t>Demo </a:t>
+            </a:r>
+            <a:r>
+              <a:rPr lang="en-US" sz="8800" b="1" dirty="0">
+                <a:ln w="9525">
+                  <a:solidFill>
+                    <a:schemeClr val="bg1"/>
+                  </a:solidFill>
+                  <a:prstDash val="solid"/>
+                </a:ln>
+                <a:solidFill>
+                  <a:schemeClr val="accent5"/>
+                </a:solidFill>
+                <a:effectLst>
+                  <a:outerShdw blurRad="12700" dist="38100" dir="2700000" algn="tl" rotWithShape="0">
+                    <a:schemeClr val="accent5">
+                      <a:lumMod val="60000"/>
+                      <a:lumOff val="40000"/>
+                    </a:schemeClr>
+                  </a:outerShdw>
+                </a:effectLst>
+                <a:latin typeface="Verdana" panose="020B0604030504040204" pitchFamily="34" charset="0"/>
+                <a:ea typeface="Verdana" panose="020B0604030504040204" pitchFamily="34" charset="0"/>
+              </a:rPr>
+              <a:t>4</a:t>
+            </a:r>
+            <a:endParaRPr lang="en-US" sz="8800" b="1" cap="none" spc="0" dirty="0">
+              <a:ln w="9525">
+                <a:solidFill>
+                  <a:schemeClr val="bg1"/>
+                </a:solidFill>
+                <a:prstDash val="solid"/>
+              </a:ln>
+              <a:solidFill>
+                <a:schemeClr val="accent5"/>
+              </a:solidFill>
+              <a:effectLst>
+                <a:outerShdw blurRad="12700" dist="38100" dir="2700000" algn="tl" rotWithShape="0">
+                  <a:schemeClr val="accent5">
+                    <a:lumMod val="60000"/>
+                    <a:lumOff val="40000"/>
+                  </a:schemeClr>
+                </a:outerShdw>
+              </a:effectLst>
+              <a:latin typeface="Verdana" panose="020B0604030504040204" pitchFamily="34" charset="0"/>
+              <a:ea typeface="Verdana" panose="020B0604030504040204" pitchFamily="34" charset="0"/>
+            </a:endParaRPr>
+          </a:p>
+          <a:p>
+            <a:pPr marL="1371600" indent="-1371600" algn="ctr">
+              <a:buAutoNum type="arabicPeriod"/>
+            </a:pPr>
+            <a:endParaRPr lang="en-US" sz="4000" b="1" cap="none" spc="0" dirty="0">
+              <a:ln w="9525">
+                <a:solidFill>
+                  <a:schemeClr val="bg1"/>
+                </a:solidFill>
+                <a:prstDash val="solid"/>
+              </a:ln>
+              <a:solidFill>
+                <a:schemeClr val="accent5"/>
+              </a:solidFill>
+              <a:effectLst>
+                <a:outerShdw blurRad="12700" dist="38100" dir="2700000" algn="tl" rotWithShape="0">
+                  <a:schemeClr val="accent5">
+                    <a:lumMod val="60000"/>
+                    <a:lumOff val="40000"/>
+                  </a:schemeClr>
+                </a:outerShdw>
+              </a:effectLst>
+              <a:latin typeface="Verdana" panose="020B0604030504040204" pitchFamily="34" charset="0"/>
+              <a:ea typeface="Verdana" panose="020B0604030504040204" pitchFamily="34" charset="0"/>
+            </a:endParaRPr>
+          </a:p>
+          <a:p>
+            <a:pPr algn="ctr">
+              <a:lnSpc>
+                <a:spcPct val="150000"/>
+              </a:lnSpc>
+            </a:pPr>
+            <a:r>
+              <a:rPr lang="en-US" sz="4800" b="1" dirty="0">
+                <a:ln w="9525">
+                  <a:solidFill>
+                    <a:schemeClr val="bg1"/>
+                  </a:solidFill>
+                  <a:prstDash val="solid"/>
+                </a:ln>
+                <a:solidFill>
+                  <a:schemeClr val="accent5"/>
+                </a:solidFill>
+                <a:effectLst>
+                  <a:outerShdw blurRad="12700" dist="38100" dir="2700000" algn="tl" rotWithShape="0">
+                    <a:schemeClr val="accent5">
+                      <a:lumMod val="60000"/>
+                      <a:lumOff val="40000"/>
+                    </a:schemeClr>
+                  </a:outerShdw>
+                </a:effectLst>
+                <a:latin typeface="Verdana" panose="020B0604030504040204" pitchFamily="34" charset="0"/>
+                <a:ea typeface="Verdana" panose="020B0604030504040204" pitchFamily="34" charset="0"/>
+              </a:rPr>
+              <a:t>Invoking API Gateway</a:t>
+            </a:r>
+          </a:p>
+          <a:p>
+            <a:pPr algn="ctr">
+              <a:lnSpc>
+                <a:spcPct val="150000"/>
+              </a:lnSpc>
+            </a:pPr>
+            <a:r>
+              <a:rPr lang="en-US" sz="4800" b="1" dirty="0">
+                <a:ln w="9525">
+                  <a:solidFill>
+                    <a:schemeClr val="bg1"/>
+                  </a:solidFill>
+                  <a:prstDash val="solid"/>
+                </a:ln>
+                <a:solidFill>
+                  <a:schemeClr val="accent5"/>
+                </a:solidFill>
+                <a:effectLst>
+                  <a:outerShdw blurRad="12700" dist="38100" dir="2700000" algn="tl" rotWithShape="0">
+                    <a:schemeClr val="accent5">
+                      <a:lumMod val="60000"/>
+                      <a:lumOff val="40000"/>
+                    </a:schemeClr>
+                  </a:outerShdw>
+                </a:effectLst>
+                <a:latin typeface="Verdana" panose="020B0604030504040204" pitchFamily="34" charset="0"/>
+                <a:ea typeface="Verdana" panose="020B0604030504040204" pitchFamily="34" charset="0"/>
+              </a:rPr>
+              <a:t>/BFF from Angular UI</a:t>
+            </a:r>
+            <a:endParaRPr lang="en-US" sz="4800" b="1" cap="none" spc="0" dirty="0">
+              <a:ln w="9525">
+                <a:solidFill>
+                  <a:schemeClr val="bg1"/>
+                </a:solidFill>
+                <a:prstDash val="solid"/>
+              </a:ln>
+              <a:solidFill>
+                <a:schemeClr val="accent5"/>
+              </a:solidFill>
+              <a:effectLst>
+                <a:outerShdw blurRad="12700" dist="38100" dir="2700000" algn="tl" rotWithShape="0">
+                  <a:schemeClr val="accent5">
+                    <a:lumMod val="60000"/>
+                    <a:lumOff val="40000"/>
+                  </a:schemeClr>
+                </a:outerShdw>
+              </a:effectLst>
+              <a:latin typeface="Verdana" panose="020B0604030504040204" pitchFamily="34" charset="0"/>
+              <a:ea typeface="Verdana" panose="020B0604030504040204" pitchFamily="34" charset="0"/>
+            </a:endParaRPr>
+          </a:p>
+        </p:txBody>
+      </p:sp>
     </p:spTree>
     <p:extLst>
       <p:ext uri="{BB962C8B-B14F-4D97-AF65-F5344CB8AC3E}">
-        <p14:creationId xmlns:p14="http://schemas.microsoft.com/office/powerpoint/2010/main" val="348785050"/>
+        <p14:creationId xmlns:p14="http://schemas.microsoft.com/office/powerpoint/2010/main" val="769488225"/>
       </p:ext>
     </p:extLst>
   </p:cSld>
@@ -6505,10 +5455,10 @@
       </p:grpSpPr>
       <p:sp>
         <p:nvSpPr>
-          <p:cNvPr id="4" name="Rectangle 3">
-            <a:extLst>
-              <a:ext uri="{FF2B5EF4-FFF2-40B4-BE49-F238E27FC236}">
-                <a16:creationId xmlns:a16="http://schemas.microsoft.com/office/drawing/2014/main" id="{055C22F7-3FD1-4C1B-8D0C-0C2F7FB61DBE}"/>
+          <p:cNvPr id="4" name="Rectangle: Rounded Corners 3">
+            <a:extLst>
+              <a:ext uri="{FF2B5EF4-FFF2-40B4-BE49-F238E27FC236}">
+                <a16:creationId xmlns:a16="http://schemas.microsoft.com/office/drawing/2014/main" id="{81A30E9C-E4F8-4E5A-9C67-31D637F98ADE}"/>
               </a:ext>
             </a:extLst>
           </p:cNvPr>
@@ -6517,15 +5467,12 @@
         </p:nvSpPr>
         <p:spPr>
           <a:xfrm>
-            <a:off x="0" y="8878"/>
-            <a:ext cx="12183122" cy="497150"/>
-          </a:xfrm>
-          <a:prstGeom prst="rect">
+            <a:off x="985421" y="2006353"/>
+            <a:ext cx="1216241" cy="781235"/>
+          </a:xfrm>
+          <a:prstGeom prst="roundRect">
             <a:avLst/>
           </a:prstGeom>
-          <a:solidFill>
-            <a:srgbClr val="0070C0"/>
-          </a:solidFill>
         </p:spPr>
         <p:style>
           <a:lnRef idx="2">
@@ -6548,19 +5495,20 @@
           <a:lstStyle/>
           <a:p>
             <a:pPr algn="ctr"/>
-            <a:endParaRPr lang="en-IN" b="1" dirty="0">
-              <a:latin typeface="Verdana" panose="020B0604030504040204" pitchFamily="34" charset="0"/>
-              <a:ea typeface="Verdana" panose="020B0604030504040204" pitchFamily="34" charset="0"/>
-            </a:endParaRPr>
-          </a:p>
-        </p:txBody>
-      </p:sp>
-      <p:sp>
-        <p:nvSpPr>
-          <p:cNvPr id="7" name="Rectangle 6">
-            <a:extLst>
-              <a:ext uri="{FF2B5EF4-FFF2-40B4-BE49-F238E27FC236}">
-                <a16:creationId xmlns:a16="http://schemas.microsoft.com/office/drawing/2014/main" id="{B10720DE-FD2A-4FE5-B9FB-74854D01A659}"/>
+            <a:r>
+              <a:rPr lang="en-US" dirty="0"/>
+              <a:t>UI</a:t>
+            </a:r>
+            <a:endParaRPr lang="en-IN" dirty="0"/>
+          </a:p>
+        </p:txBody>
+      </p:sp>
+      <p:sp>
+        <p:nvSpPr>
+          <p:cNvPr id="5" name="Rectangle: Rounded Corners 4">
+            <a:extLst>
+              <a:ext uri="{FF2B5EF4-FFF2-40B4-BE49-F238E27FC236}">
+                <a16:creationId xmlns:a16="http://schemas.microsoft.com/office/drawing/2014/main" id="{3701FE7F-65C1-4A8D-8586-581D3E8B80AF}"/>
               </a:ext>
             </a:extLst>
           </p:cNvPr>
@@ -6569,15 +5517,12 @@
         </p:nvSpPr>
         <p:spPr>
           <a:xfrm>
-            <a:off x="0" y="6383046"/>
-            <a:ext cx="12183122" cy="57703"/>
-          </a:xfrm>
-          <a:prstGeom prst="rect">
+            <a:off x="4307149" y="2006352"/>
+            <a:ext cx="1216241" cy="781235"/>
+          </a:xfrm>
+          <a:prstGeom prst="roundRect">
             <a:avLst/>
           </a:prstGeom>
-          <a:solidFill>
-            <a:srgbClr val="0070C0"/>
-          </a:solidFill>
         </p:spPr>
         <p:style>
           <a:lnRef idx="2">
@@ -6600,250 +5545,120 @@
           <a:lstStyle/>
           <a:p>
             <a:pPr algn="ctr"/>
-            <a:endParaRPr lang="en-IN" sz="1000" dirty="0">
-              <a:latin typeface="Verdana" panose="020B0604030504040204" pitchFamily="34" charset="0"/>
-              <a:ea typeface="Verdana" panose="020B0604030504040204" pitchFamily="34" charset="0"/>
-            </a:endParaRPr>
-          </a:p>
-        </p:txBody>
-      </p:sp>
-      <p:sp>
-        <p:nvSpPr>
-          <p:cNvPr id="8" name="Footer Placeholder 7">
-            <a:extLst>
-              <a:ext uri="{FF2B5EF4-FFF2-40B4-BE49-F238E27FC236}">
-                <a16:creationId xmlns:a16="http://schemas.microsoft.com/office/drawing/2014/main" id="{DD2A19CA-EC18-432D-8F8F-17079808F38B}"/>
-              </a:ext>
-            </a:extLst>
-          </p:cNvPr>
-          <p:cNvSpPr>
-            <a:spLocks noGrp="1"/>
-          </p:cNvSpPr>
-          <p:nvPr>
-            <p:ph type="ftr" sz="quarter" idx="11"/>
-          </p:nvPr>
+            <a:r>
+              <a:rPr lang="en-US" dirty="0"/>
+              <a:t>API GW</a:t>
+            </a:r>
+            <a:endParaRPr lang="en-IN" dirty="0"/>
+          </a:p>
+        </p:txBody>
+      </p:sp>
+      <p:sp>
+        <p:nvSpPr>
+          <p:cNvPr id="6" name="Rectangle: Rounded Corners 5">
+            <a:extLst>
+              <a:ext uri="{FF2B5EF4-FFF2-40B4-BE49-F238E27FC236}">
+                <a16:creationId xmlns:a16="http://schemas.microsoft.com/office/drawing/2014/main" id="{F78A97B4-F1E3-4932-9408-75B214195608}"/>
+              </a:ext>
+            </a:extLst>
+          </p:cNvPr>
+          <p:cNvSpPr/>
+          <p:nvPr/>
         </p:nvSpPr>
         <p:spPr>
           <a:xfrm>
-            <a:off x="4038600" y="6427374"/>
-            <a:ext cx="4114800" cy="365125"/>
-          </a:xfrm>
-        </p:spPr>
-        <p:txBody>
-          <a:bodyPr/>
-          <a:lstStyle/>
-          <a:p>
-            <a:r>
-              <a:rPr lang="en-IN" b="1" dirty="0">
-                <a:solidFill>
-                  <a:srgbClr val="002060"/>
-                </a:solidFill>
-                <a:latin typeface="Verdana" panose="020B0604030504040204" pitchFamily="34" charset="0"/>
-                <a:ea typeface="Verdana" panose="020B0604030504040204" pitchFamily="34" charset="0"/>
-              </a:rPr>
-              <a:t>15-Apr-2020</a:t>
-            </a:r>
-          </a:p>
-        </p:txBody>
-      </p:sp>
-      <p:sp>
-        <p:nvSpPr>
-          <p:cNvPr id="9" name="Slide Number Placeholder 8">
-            <a:extLst>
-              <a:ext uri="{FF2B5EF4-FFF2-40B4-BE49-F238E27FC236}">
-                <a16:creationId xmlns:a16="http://schemas.microsoft.com/office/drawing/2014/main" id="{8162625C-0B1F-42E0-BE7C-D99A08FED7A3}"/>
-              </a:ext>
-            </a:extLst>
-          </p:cNvPr>
-          <p:cNvSpPr>
-            <a:spLocks noGrp="1"/>
-          </p:cNvSpPr>
-          <p:nvPr>
-            <p:ph type="sldNum" sz="quarter" idx="12"/>
-          </p:nvPr>
-        </p:nvSpPr>
-        <p:spPr>
-          <a:xfrm>
-            <a:off x="8610600" y="6427374"/>
-            <a:ext cx="2743200" cy="365125"/>
-          </a:xfrm>
-        </p:spPr>
-        <p:txBody>
-          <a:bodyPr/>
-          <a:lstStyle/>
-          <a:p>
-            <a:fld id="{30AF63FB-5233-4811-A918-B572E3A55817}" type="slidenum">
-              <a:rPr lang="en-IN" b="1" smtClean="0">
-                <a:solidFill>
-                  <a:srgbClr val="002060"/>
-                </a:solidFill>
-                <a:latin typeface="Verdana" panose="020B0604030504040204" pitchFamily="34" charset="0"/>
-                <a:ea typeface="Verdana" panose="020B0604030504040204" pitchFamily="34" charset="0"/>
-              </a:rPr>
-              <a:t>12</a:t>
-            </a:fld>
-            <a:endParaRPr lang="en-IN" b="1" dirty="0">
-              <a:solidFill>
-                <a:srgbClr val="002060"/>
-              </a:solidFill>
-              <a:latin typeface="Verdana" panose="020B0604030504040204" pitchFamily="34" charset="0"/>
-              <a:ea typeface="Verdana" panose="020B0604030504040204" pitchFamily="34" charset="0"/>
-            </a:endParaRPr>
-          </a:p>
-        </p:txBody>
-      </p:sp>
-      <p:sp>
-        <p:nvSpPr>
-          <p:cNvPr id="12" name="Footer Placeholder 7">
-            <a:extLst>
-              <a:ext uri="{FF2B5EF4-FFF2-40B4-BE49-F238E27FC236}">
-                <a16:creationId xmlns:a16="http://schemas.microsoft.com/office/drawing/2014/main" id="{64C57949-E349-47D3-A505-A098233AF49D}"/>
-              </a:ext>
-            </a:extLst>
-          </p:cNvPr>
-          <p:cNvSpPr txBox="1">
-            <a:spLocks/>
-          </p:cNvSpPr>
-          <p:nvPr/>
-        </p:nvSpPr>
-        <p:spPr>
-          <a:xfrm>
-            <a:off x="133897" y="6428848"/>
-            <a:ext cx="4114800" cy="365125"/>
-          </a:xfrm>
-          <a:prstGeom prst="rect">
+            <a:off x="8587666" y="2006352"/>
+            <a:ext cx="1216241" cy="781235"/>
+          </a:xfrm>
+          <a:prstGeom prst="roundRect">
             <a:avLst/>
           </a:prstGeom>
         </p:spPr>
-        <p:txBody>
-          <a:bodyPr vert="horz" lIns="91440" tIns="45720" rIns="91440" bIns="45720" rtlCol="0" anchor="ctr"/>
-          <a:lstStyle>
-            <a:defPPr>
-              <a:defRPr lang="en-US"/>
-            </a:defPPr>
-            <a:lvl1pPr marL="0" algn="ctr" defTabSz="914400" rtl="0" eaLnBrk="1" latinLnBrk="0" hangingPunct="1">
-              <a:defRPr sz="1200" kern="1200">
-                <a:solidFill>
-                  <a:schemeClr val="tx1">
-                    <a:tint val="75000"/>
-                  </a:schemeClr>
-                </a:solidFill>
-                <a:latin typeface="+mn-lt"/>
-                <a:ea typeface="+mn-ea"/>
-                <a:cs typeface="+mn-cs"/>
-              </a:defRPr>
-            </a:lvl1pPr>
-            <a:lvl2pPr marL="457200" algn="l" defTabSz="914400" rtl="0" eaLnBrk="1" latinLnBrk="0" hangingPunct="1">
-              <a:defRPr sz="1800" kern="1200">
-                <a:solidFill>
-                  <a:schemeClr val="tx1"/>
-                </a:solidFill>
-                <a:latin typeface="+mn-lt"/>
-                <a:ea typeface="+mn-ea"/>
-                <a:cs typeface="+mn-cs"/>
-              </a:defRPr>
-            </a:lvl2pPr>
-            <a:lvl3pPr marL="914400" algn="l" defTabSz="914400" rtl="0" eaLnBrk="1" latinLnBrk="0" hangingPunct="1">
-              <a:defRPr sz="1800" kern="1200">
-                <a:solidFill>
-                  <a:schemeClr val="tx1"/>
-                </a:solidFill>
-                <a:latin typeface="+mn-lt"/>
-                <a:ea typeface="+mn-ea"/>
-                <a:cs typeface="+mn-cs"/>
-              </a:defRPr>
-            </a:lvl3pPr>
-            <a:lvl4pPr marL="1371600" algn="l" defTabSz="914400" rtl="0" eaLnBrk="1" latinLnBrk="0" hangingPunct="1">
-              <a:defRPr sz="1800" kern="1200">
-                <a:solidFill>
-                  <a:schemeClr val="tx1"/>
-                </a:solidFill>
-                <a:latin typeface="+mn-lt"/>
-                <a:ea typeface="+mn-ea"/>
-                <a:cs typeface="+mn-cs"/>
-              </a:defRPr>
-            </a:lvl4pPr>
-            <a:lvl5pPr marL="1828800" algn="l" defTabSz="914400" rtl="0" eaLnBrk="1" latinLnBrk="0" hangingPunct="1">
-              <a:defRPr sz="1800" kern="1200">
-                <a:solidFill>
-                  <a:schemeClr val="tx1"/>
-                </a:solidFill>
-                <a:latin typeface="+mn-lt"/>
-                <a:ea typeface="+mn-ea"/>
-                <a:cs typeface="+mn-cs"/>
-              </a:defRPr>
-            </a:lvl5pPr>
-            <a:lvl6pPr marL="2286000" algn="l" defTabSz="914400" rtl="0" eaLnBrk="1" latinLnBrk="0" hangingPunct="1">
-              <a:defRPr sz="1800" kern="1200">
-                <a:solidFill>
-                  <a:schemeClr val="tx1"/>
-                </a:solidFill>
-                <a:latin typeface="+mn-lt"/>
-                <a:ea typeface="+mn-ea"/>
-                <a:cs typeface="+mn-cs"/>
-              </a:defRPr>
-            </a:lvl6pPr>
-            <a:lvl7pPr marL="2743200" algn="l" defTabSz="914400" rtl="0" eaLnBrk="1" latinLnBrk="0" hangingPunct="1">
-              <a:defRPr sz="1800" kern="1200">
-                <a:solidFill>
-                  <a:schemeClr val="tx1"/>
-                </a:solidFill>
-                <a:latin typeface="+mn-lt"/>
-                <a:ea typeface="+mn-ea"/>
-                <a:cs typeface="+mn-cs"/>
-              </a:defRPr>
-            </a:lvl7pPr>
-            <a:lvl8pPr marL="3200400" algn="l" defTabSz="914400" rtl="0" eaLnBrk="1" latinLnBrk="0" hangingPunct="1">
-              <a:defRPr sz="1800" kern="1200">
-                <a:solidFill>
-                  <a:schemeClr val="tx1"/>
-                </a:solidFill>
-                <a:latin typeface="+mn-lt"/>
-                <a:ea typeface="+mn-ea"/>
-                <a:cs typeface="+mn-cs"/>
-              </a:defRPr>
-            </a:lvl8pPr>
-            <a:lvl9pPr marL="3657600" algn="l" defTabSz="914400" rtl="0" eaLnBrk="1" latinLnBrk="0" hangingPunct="1">
-              <a:defRPr sz="1800" kern="1200">
-                <a:solidFill>
-                  <a:schemeClr val="tx1"/>
-                </a:solidFill>
-                <a:latin typeface="+mn-lt"/>
-                <a:ea typeface="+mn-ea"/>
-                <a:cs typeface="+mn-cs"/>
-              </a:defRPr>
-            </a:lvl9pPr>
-          </a:lstStyle>
-          <a:p>
-            <a:r>
-              <a:rPr lang="en-IN" b="1" dirty="0">
-                <a:solidFill>
-                  <a:srgbClr val="002060"/>
-                </a:solidFill>
-                <a:latin typeface="Verdana" panose="020B0604030504040204" pitchFamily="34" charset="0"/>
-                <a:ea typeface="Verdana" panose="020B0604030504040204" pitchFamily="34" charset="0"/>
-              </a:rPr>
-              <a:t>C# Corner</a:t>
-            </a:r>
-          </a:p>
-        </p:txBody>
-      </p:sp>
-      <p:sp>
-        <p:nvSpPr>
-          <p:cNvPr id="11" name="Rectangle 10">
-            <a:extLst>
-              <a:ext uri="{FF2B5EF4-FFF2-40B4-BE49-F238E27FC236}">
-                <a16:creationId xmlns:a16="http://schemas.microsoft.com/office/drawing/2014/main" id="{F60D9B38-5067-4841-9B4A-CE7786A2CB4A}"/>
-              </a:ext>
-            </a:extLst>
-          </p:cNvPr>
-          <p:cNvSpPr/>
+        <p:style>
+          <a:lnRef idx="2">
+            <a:schemeClr val="accent1">
+              <a:shade val="50000"/>
+            </a:schemeClr>
+          </a:lnRef>
+          <a:fillRef idx="1">
+            <a:schemeClr val="accent1"/>
+          </a:fillRef>
+          <a:effectRef idx="0">
+            <a:schemeClr val="accent1"/>
+          </a:effectRef>
+          <a:fontRef idx="minor">
+            <a:schemeClr val="lt1"/>
+          </a:fontRef>
+        </p:style>
+        <p:txBody>
+          <a:bodyPr rtlCol="0" anchor="ctr"/>
+          <a:lstStyle/>
+          <a:p>
+            <a:pPr algn="ctr"/>
+            <a:r>
+              <a:rPr lang="en-US" dirty="0" err="1"/>
+              <a:t>Iden</a:t>
+            </a:r>
+            <a:r>
+              <a:rPr lang="en-US" dirty="0"/>
+              <a:t> MT</a:t>
+            </a:r>
+            <a:endParaRPr lang="en-IN" dirty="0"/>
+          </a:p>
+        </p:txBody>
+      </p:sp>
+      <p:cxnSp>
+        <p:nvCxnSpPr>
+          <p:cNvPr id="8" name="Straight Connector 7">
+            <a:extLst>
+              <a:ext uri="{FF2B5EF4-FFF2-40B4-BE49-F238E27FC236}">
+                <a16:creationId xmlns:a16="http://schemas.microsoft.com/office/drawing/2014/main" id="{967DF2B2-7895-49D2-ADB0-2643EC9CBBDE}"/>
+              </a:ext>
+            </a:extLst>
+          </p:cNvPr>
+          <p:cNvCxnSpPr/>
           <p:nvPr/>
+        </p:nvCxnSpPr>
+        <p:spPr>
+          <a:xfrm flipH="1">
+            <a:off x="3116062" y="248575"/>
+            <a:ext cx="62144" cy="5575176"/>
+          </a:xfrm>
+          <a:prstGeom prst="line">
+            <a:avLst/>
+          </a:prstGeom>
+        </p:spPr>
+        <p:style>
+          <a:lnRef idx="1">
+            <a:schemeClr val="accent1"/>
+          </a:lnRef>
+          <a:fillRef idx="0">
+            <a:schemeClr val="accent1"/>
+          </a:fillRef>
+          <a:effectRef idx="0">
+            <a:schemeClr val="accent1"/>
+          </a:effectRef>
+          <a:fontRef idx="minor">
+            <a:schemeClr val="tx1"/>
+          </a:fontRef>
+        </p:style>
+      </p:cxnSp>
+      <p:sp>
+        <p:nvSpPr>
+          <p:cNvPr id="9" name="TextBox 8">
+            <a:extLst>
+              <a:ext uri="{FF2B5EF4-FFF2-40B4-BE49-F238E27FC236}">
+                <a16:creationId xmlns:a16="http://schemas.microsoft.com/office/drawing/2014/main" id="{CEC5D84C-15AC-468D-96BE-A5200F022909}"/>
+              </a:ext>
+            </a:extLst>
+          </p:cNvPr>
+          <p:cNvSpPr txBox="1"/>
+          <p:nvPr/>
         </p:nvSpPr>
         <p:spPr>
           <a:xfrm>
-            <a:off x="547734" y="588106"/>
-            <a:ext cx="11061041" cy="3020699"/>
+            <a:off x="6750594" y="3328589"/>
+            <a:ext cx="4714239" cy="923330"/>
           </a:xfrm>
           <a:prstGeom prst="rect">
             <a:avLst/>
@@ -6851,121 +5666,116 @@
           <a:noFill/>
         </p:spPr>
         <p:txBody>
-          <a:bodyPr wrap="none" lIns="91440" tIns="45720" rIns="91440" bIns="45720">
+          <a:bodyPr wrap="none" rtlCol="0">
             <a:spAutoFit/>
           </a:bodyPr>
           <a:lstStyle/>
           <a:p>
-            <a:pPr algn="ctr"/>
-            <a:r>
-              <a:rPr lang="en-US" sz="8800" b="1" cap="none" spc="0" dirty="0">
-                <a:ln w="9525">
-                  <a:solidFill>
-                    <a:schemeClr val="bg1"/>
-                  </a:solidFill>
-                  <a:prstDash val="solid"/>
-                </a:ln>
-                <a:solidFill>
-                  <a:schemeClr val="accent5"/>
-                </a:solidFill>
-                <a:effectLst>
-                  <a:outerShdw blurRad="12700" dist="38100" dir="2700000" algn="tl" rotWithShape="0">
-                    <a:schemeClr val="accent5">
-                      <a:lumMod val="60000"/>
-                      <a:lumOff val="40000"/>
-                    </a:schemeClr>
-                  </a:outerShdw>
-                </a:effectLst>
-                <a:latin typeface="Verdana" panose="020B0604030504040204" pitchFamily="34" charset="0"/>
-                <a:ea typeface="Verdana" panose="020B0604030504040204" pitchFamily="34" charset="0"/>
-              </a:rPr>
-              <a:t>Demo 2</a:t>
-            </a:r>
-          </a:p>
-          <a:p>
-            <a:pPr marL="1371600" indent="-1371600" algn="ctr">
-              <a:buAutoNum type="arabicPeriod"/>
-            </a:pPr>
-            <a:endParaRPr lang="en-US" sz="4000" b="1" cap="none" spc="0" dirty="0">
-              <a:ln w="9525">
-                <a:solidFill>
-                  <a:schemeClr val="bg1"/>
-                </a:solidFill>
-                <a:prstDash val="solid"/>
-              </a:ln>
+            <a:r>
+              <a:rPr lang="en-IN" dirty="0">
+                <a:solidFill>
+                  <a:srgbClr val="C00000"/>
+                </a:solidFill>
+              </a:rPr>
+              <a:t>http://iden-service.azurewebsites.net/api/token</a:t>
+            </a:r>
+          </a:p>
+          <a:p>
+            <a:r>
+              <a:rPr lang="en-IN" dirty="0">
+                <a:solidFill>
+                  <a:srgbClr val="C00000"/>
+                </a:solidFill>
+              </a:rPr>
+              <a:t>POST: </a:t>
+            </a:r>
+            <a:r>
+              <a:rPr lang="en-IN" dirty="0" err="1">
+                <a:solidFill>
+                  <a:srgbClr val="C00000"/>
+                </a:solidFill>
+              </a:rPr>
+              <a:t>Dto</a:t>
+            </a:r>
+            <a:endParaRPr lang="en-IN" dirty="0">
               <a:solidFill>
-                <a:schemeClr val="accent5"/>
+                <a:srgbClr val="C00000"/>
               </a:solidFill>
-              <a:effectLst>
-                <a:outerShdw blurRad="12700" dist="38100" dir="2700000" algn="tl" rotWithShape="0">
-                  <a:schemeClr val="accent5">
-                    <a:lumMod val="60000"/>
-                    <a:lumOff val="40000"/>
-                  </a:schemeClr>
-                </a:outerShdw>
-              </a:effectLst>
-              <a:latin typeface="Verdana" panose="020B0604030504040204" pitchFamily="34" charset="0"/>
-              <a:ea typeface="Verdana" panose="020B0604030504040204" pitchFamily="34" charset="0"/>
             </a:endParaRPr>
           </a:p>
           <a:p>
-            <a:pPr algn="ctr">
-              <a:lnSpc>
-                <a:spcPct val="150000"/>
-              </a:lnSpc>
-            </a:pPr>
-            <a:r>
-              <a:rPr lang="en-US" sz="4800" b="1" dirty="0">
-                <a:ln w="9525">
-                  <a:solidFill>
-                    <a:schemeClr val="bg1"/>
-                  </a:solidFill>
-                  <a:prstDash val="solid"/>
-                </a:ln>
-                <a:solidFill>
-                  <a:schemeClr val="accent5"/>
-                </a:solidFill>
-                <a:effectLst>
-                  <a:outerShdw blurRad="12700" dist="38100" dir="2700000" algn="tl" rotWithShape="0">
-                    <a:schemeClr val="accent5">
-                      <a:lumMod val="60000"/>
-                      <a:lumOff val="40000"/>
-                    </a:schemeClr>
-                  </a:outerShdw>
-                </a:effectLst>
-                <a:latin typeface="Verdana" panose="020B0604030504040204" pitchFamily="34" charset="0"/>
-                <a:ea typeface="Verdana" panose="020B0604030504040204" pitchFamily="34" charset="0"/>
-              </a:rPr>
-              <a:t>gRPC with ASP.Net and EF Core</a:t>
-            </a:r>
-            <a:endParaRPr lang="en-US" sz="4000" b="1" cap="none" spc="0" dirty="0">
-              <a:ln w="9525">
-                <a:solidFill>
-                  <a:schemeClr val="bg1"/>
-                </a:solidFill>
-                <a:prstDash val="solid"/>
-              </a:ln>
+            <a:endParaRPr lang="en-IN" dirty="0">
               <a:solidFill>
-                <a:schemeClr val="accent5"/>
+                <a:srgbClr val="C00000"/>
               </a:solidFill>
-              <a:effectLst>
-                <a:outerShdw blurRad="12700" dist="38100" dir="2700000" algn="tl" rotWithShape="0">
-                  <a:schemeClr val="accent5">
-                    <a:lumMod val="60000"/>
-                    <a:lumOff val="40000"/>
-                  </a:schemeClr>
-                </a:outerShdw>
-              </a:effectLst>
-              <a:latin typeface="Verdana" panose="020B0604030504040204" pitchFamily="34" charset="0"/>
-              <a:ea typeface="Verdana" panose="020B0604030504040204" pitchFamily="34" charset="0"/>
             </a:endParaRPr>
+          </a:p>
+        </p:txBody>
+      </p:sp>
+      <p:sp>
+        <p:nvSpPr>
+          <p:cNvPr id="10" name="TextBox 9">
+            <a:extLst>
+              <a:ext uri="{FF2B5EF4-FFF2-40B4-BE49-F238E27FC236}">
+                <a16:creationId xmlns:a16="http://schemas.microsoft.com/office/drawing/2014/main" id="{A0C489EB-90D8-4E57-AF61-98C3A9B9D317}"/>
+              </a:ext>
+            </a:extLst>
+          </p:cNvPr>
+          <p:cNvSpPr txBox="1"/>
+          <p:nvPr/>
+        </p:nvSpPr>
+        <p:spPr>
+          <a:xfrm>
+            <a:off x="3525816" y="4414982"/>
+            <a:ext cx="5495094" cy="923330"/>
+          </a:xfrm>
+          <a:prstGeom prst="rect">
+            <a:avLst/>
+          </a:prstGeom>
+          <a:noFill/>
+        </p:spPr>
+        <p:txBody>
+          <a:bodyPr wrap="none" rtlCol="0">
+            <a:spAutoFit/>
+          </a:bodyPr>
+          <a:lstStyle/>
+          <a:p>
+            <a:r>
+              <a:rPr lang="en-IN" dirty="0">
+                <a:hlinkClick r:id="rId2"/>
+              </a:rPr>
+              <a:t>https://iden-service.azure-api.net/wfsapimgw/api/token</a:t>
+            </a:r>
+            <a:endParaRPr lang="en-IN" dirty="0"/>
+          </a:p>
+          <a:p>
+            <a:r>
+              <a:rPr lang="en-IN" dirty="0"/>
+              <a:t>POST: </a:t>
+            </a:r>
+            <a:r>
+              <a:rPr lang="en-IN" dirty="0" err="1"/>
+              <a:t>Dto</a:t>
+            </a:r>
+            <a:endParaRPr lang="en-IN" dirty="0"/>
+          </a:p>
+          <a:p>
+            <a:r>
+              <a:rPr lang="en-IN" dirty="0"/>
+              <a:t>Headers: </a:t>
+            </a:r>
+            <a:r>
+              <a:rPr lang="en-IN"/>
+              <a:t>SubKey</a:t>
+            </a:r>
+            <a:endParaRPr lang="en-IN" dirty="0"/>
           </a:p>
         </p:txBody>
       </p:sp>
     </p:spTree>
     <p:extLst>
       <p:ext uri="{BB962C8B-B14F-4D97-AF65-F5344CB8AC3E}">
-        <p14:creationId xmlns:p14="http://schemas.microsoft.com/office/powerpoint/2010/main" val="230120305"/>
+        <p14:creationId xmlns:p14="http://schemas.microsoft.com/office/powerpoint/2010/main" val="3798582057"/>
       </p:ext>
     </p:extLst>
   </p:cSld>
@@ -7037,6 +5847,13 @@
           <a:lstStyle/>
           <a:p>
             <a:pPr algn="ctr"/>
+            <a:r>
+              <a:rPr lang="en-US" b="1" dirty="0">
+                <a:latin typeface="Verdana" panose="020B0604030504040204" pitchFamily="34" charset="0"/>
+                <a:ea typeface="Verdana" panose="020B0604030504040204" pitchFamily="34" charset="0"/>
+              </a:rPr>
+              <a:t>C# Corner Global Monthly Virtual Meet – April 2020</a:t>
+            </a:r>
             <a:endParaRPr lang="en-IN" b="1" dirty="0">
               <a:latin typeface="Verdana" panose="020B0604030504040204" pitchFamily="34" charset="0"/>
               <a:ea typeface="Verdana" panose="020B0604030504040204" pitchFamily="34" charset="0"/>
@@ -7322,7 +6139,7 @@
           <p:cNvPr id="11" name="Rectangle 10">
             <a:extLst>
               <a:ext uri="{FF2B5EF4-FFF2-40B4-BE49-F238E27FC236}">
-                <a16:creationId xmlns:a16="http://schemas.microsoft.com/office/drawing/2014/main" id="{F60D9B38-5067-4841-9B4A-CE7786A2CB4A}"/>
+                <a16:creationId xmlns:a16="http://schemas.microsoft.com/office/drawing/2014/main" id="{D55098C6-1198-4DAB-B484-23DB1A599453}"/>
               </a:ext>
             </a:extLst>
           </p:cNvPr>
@@ -7331,8 +6148,8 @@
         </p:nvSpPr>
         <p:spPr>
           <a:xfrm>
-            <a:off x="433921" y="588106"/>
-            <a:ext cx="11288668" cy="3020699"/>
+            <a:off x="2860860" y="1724460"/>
+            <a:ext cx="6434775" cy="3154710"/>
           </a:xfrm>
           <a:prstGeom prst="rect">
             <a:avLst/>
@@ -7347,7 +6164,7 @@
           <a:p>
             <a:pPr algn="ctr"/>
             <a:r>
-              <a:rPr lang="en-US" sz="8800" b="1" cap="none" spc="0" dirty="0">
+              <a:rPr lang="en-US" sz="19900" b="1" cap="none" spc="0" dirty="0">
                 <a:ln w="9525">
                   <a:solidFill>
                     <a:schemeClr val="bg1"/>
@@ -7365,144 +6182,16 @@
                     </a:schemeClr>
                   </a:outerShdw>
                 </a:effectLst>
-                <a:latin typeface="Verdana" panose="020B0604030504040204" pitchFamily="34" charset="0"/>
-                <a:ea typeface="Verdana" panose="020B0604030504040204" pitchFamily="34" charset="0"/>
-              </a:rPr>
-              <a:t>Demo 3</a:t>
-            </a:r>
-          </a:p>
-          <a:p>
-            <a:pPr marL="1371600" indent="-1371600" algn="ctr">
-              <a:buAutoNum type="arabicPeriod"/>
-            </a:pPr>
-            <a:endParaRPr lang="en-US" sz="4000" b="1" cap="none" spc="0" dirty="0">
-              <a:ln w="9525">
-                <a:solidFill>
-                  <a:schemeClr val="bg1"/>
-                </a:solidFill>
-                <a:prstDash val="solid"/>
-              </a:ln>
-              <a:solidFill>
-                <a:schemeClr val="accent5"/>
-              </a:solidFill>
-              <a:effectLst>
-                <a:outerShdw blurRad="12700" dist="38100" dir="2700000" algn="tl" rotWithShape="0">
-                  <a:schemeClr val="accent5">
-                    <a:lumMod val="60000"/>
-                    <a:lumOff val="40000"/>
-                  </a:schemeClr>
-                </a:outerShdw>
-              </a:effectLst>
-              <a:latin typeface="Verdana" panose="020B0604030504040204" pitchFamily="34" charset="0"/>
-              <a:ea typeface="Verdana" panose="020B0604030504040204" pitchFamily="34" charset="0"/>
-            </a:endParaRPr>
-          </a:p>
-          <a:p>
-            <a:pPr algn="ctr">
-              <a:lnSpc>
-                <a:spcPct val="150000"/>
-              </a:lnSpc>
-            </a:pPr>
-            <a:r>
-              <a:rPr lang="en-US" sz="4800" b="1" dirty="0">
-                <a:ln w="9525">
-                  <a:solidFill>
-                    <a:schemeClr val="bg1"/>
-                  </a:solidFill>
-                  <a:prstDash val="solid"/>
-                </a:ln>
-                <a:solidFill>
-                  <a:schemeClr val="accent5"/>
-                </a:solidFill>
-                <a:effectLst>
-                  <a:outerShdw blurRad="12700" dist="38100" dir="2700000" algn="tl" rotWithShape="0">
-                    <a:schemeClr val="accent5">
-                      <a:lumMod val="60000"/>
-                      <a:lumOff val="40000"/>
-                    </a:schemeClr>
-                  </a:outerShdw>
-                </a:effectLst>
-                <a:latin typeface="Verdana" panose="020B0604030504040204" pitchFamily="34" charset="0"/>
-                <a:ea typeface="Verdana" panose="020B0604030504040204" pitchFamily="34" charset="0"/>
-              </a:rPr>
-              <a:t>Adding to existing </a:t>
-            </a:r>
-            <a:r>
-              <a:rPr lang="en-US" sz="4800" b="1" dirty="0" err="1">
-                <a:ln w="9525">
-                  <a:solidFill>
-                    <a:schemeClr val="bg1"/>
-                  </a:solidFill>
-                  <a:prstDash val="solid"/>
-                </a:ln>
-                <a:solidFill>
-                  <a:schemeClr val="accent5"/>
-                </a:solidFill>
-                <a:effectLst>
-                  <a:outerShdw blurRad="12700" dist="38100" dir="2700000" algn="tl" rotWithShape="0">
-                    <a:schemeClr val="accent5">
-                      <a:lumMod val="60000"/>
-                      <a:lumOff val="40000"/>
-                    </a:schemeClr>
-                  </a:outerShdw>
-                </a:effectLst>
-                <a:latin typeface="Verdana" panose="020B0604030504040204" pitchFamily="34" charset="0"/>
-                <a:ea typeface="Verdana" panose="020B0604030504040204" pitchFamily="34" charset="0"/>
-              </a:rPr>
-              <a:t>APS.Net</a:t>
-            </a:r>
-            <a:r>
-              <a:rPr lang="en-US" sz="4800" b="1" dirty="0">
-                <a:ln w="9525">
-                  <a:solidFill>
-                    <a:schemeClr val="bg1"/>
-                  </a:solidFill>
-                  <a:prstDash val="solid"/>
-                </a:ln>
-                <a:solidFill>
-                  <a:schemeClr val="accent5"/>
-                </a:solidFill>
-                <a:effectLst>
-                  <a:outerShdw blurRad="12700" dist="38100" dir="2700000" algn="tl" rotWithShape="0">
-                    <a:schemeClr val="accent5">
-                      <a:lumMod val="60000"/>
-                      <a:lumOff val="40000"/>
-                    </a:schemeClr>
-                  </a:outerShdw>
-                </a:effectLst>
-                <a:latin typeface="Verdana" panose="020B0604030504040204" pitchFamily="34" charset="0"/>
-                <a:ea typeface="Verdana" panose="020B0604030504040204" pitchFamily="34" charset="0"/>
-              </a:rPr>
-              <a:t> Core</a:t>
-            </a:r>
-            <a:endParaRPr lang="en-US" sz="4000" b="1" cap="none" spc="0" dirty="0">
-              <a:ln w="9525">
-                <a:solidFill>
-                  <a:schemeClr val="bg1"/>
-                </a:solidFill>
-                <a:prstDash val="solid"/>
-              </a:ln>
-              <a:solidFill>
-                <a:schemeClr val="accent5"/>
-              </a:solidFill>
-              <a:effectLst>
-                <a:outerShdw blurRad="12700" dist="38100" dir="2700000" algn="tl" rotWithShape="0">
-                  <a:schemeClr val="accent5">
-                    <a:lumMod val="60000"/>
-                    <a:lumOff val="40000"/>
-                  </a:schemeClr>
-                </a:outerShdw>
-              </a:effectLst>
-              <a:latin typeface="Verdana" panose="020B0604030504040204" pitchFamily="34" charset="0"/>
-              <a:ea typeface="Verdana" panose="020B0604030504040204" pitchFamily="34" charset="0"/>
-            </a:endParaRPr>
+              </a:rPr>
+              <a:t>Q &amp; A</a:t>
+            </a:r>
           </a:p>
         </p:txBody>
       </p:sp>
     </p:spTree>
     <p:extLst>
       <p:ext uri="{BB962C8B-B14F-4D97-AF65-F5344CB8AC3E}">
-        <p14:creationId xmlns:p14="http://schemas.microsoft.com/office/powerpoint/2010/main" val="639540266"/>
+        <p14:creationId xmlns:p14="http://schemas.microsoft.com/office/powerpoint/2010/main" val="3499439994"/>
       </p:ext>
     </p:extLst>
   </p:cSld>
@@ -7714,422 +6403,6 @@
                 <a:ea typeface="Verdana" panose="020B0604030504040204" pitchFamily="34" charset="0"/>
               </a:rPr>
               <a:t>14</a:t>
-            </a:fld>
-            <a:endParaRPr lang="en-IN" b="1" dirty="0">
-              <a:solidFill>
-                <a:srgbClr val="002060"/>
-              </a:solidFill>
-              <a:latin typeface="Verdana" panose="020B0604030504040204" pitchFamily="34" charset="0"/>
-              <a:ea typeface="Verdana" panose="020B0604030504040204" pitchFamily="34" charset="0"/>
-            </a:endParaRPr>
-          </a:p>
-        </p:txBody>
-      </p:sp>
-      <p:sp>
-        <p:nvSpPr>
-          <p:cNvPr id="12" name="Footer Placeholder 7">
-            <a:extLst>
-              <a:ext uri="{FF2B5EF4-FFF2-40B4-BE49-F238E27FC236}">
-                <a16:creationId xmlns:a16="http://schemas.microsoft.com/office/drawing/2014/main" id="{64C57949-E349-47D3-A505-A098233AF49D}"/>
-              </a:ext>
-            </a:extLst>
-          </p:cNvPr>
-          <p:cNvSpPr txBox="1">
-            <a:spLocks/>
-          </p:cNvSpPr>
-          <p:nvPr/>
-        </p:nvSpPr>
-        <p:spPr>
-          <a:xfrm>
-            <a:off x="133897" y="6428848"/>
-            <a:ext cx="4114800" cy="365125"/>
-          </a:xfrm>
-          <a:prstGeom prst="rect">
-            <a:avLst/>
-          </a:prstGeom>
-        </p:spPr>
-        <p:txBody>
-          <a:bodyPr vert="horz" lIns="91440" tIns="45720" rIns="91440" bIns="45720" rtlCol="0" anchor="ctr"/>
-          <a:lstStyle>
-            <a:defPPr>
-              <a:defRPr lang="en-US"/>
-            </a:defPPr>
-            <a:lvl1pPr marL="0" algn="ctr" defTabSz="914400" rtl="0" eaLnBrk="1" latinLnBrk="0" hangingPunct="1">
-              <a:defRPr sz="1200" kern="1200">
-                <a:solidFill>
-                  <a:schemeClr val="tx1">
-                    <a:tint val="75000"/>
-                  </a:schemeClr>
-                </a:solidFill>
-                <a:latin typeface="+mn-lt"/>
-                <a:ea typeface="+mn-ea"/>
-                <a:cs typeface="+mn-cs"/>
-              </a:defRPr>
-            </a:lvl1pPr>
-            <a:lvl2pPr marL="457200" algn="l" defTabSz="914400" rtl="0" eaLnBrk="1" latinLnBrk="0" hangingPunct="1">
-              <a:defRPr sz="1800" kern="1200">
-                <a:solidFill>
-                  <a:schemeClr val="tx1"/>
-                </a:solidFill>
-                <a:latin typeface="+mn-lt"/>
-                <a:ea typeface="+mn-ea"/>
-                <a:cs typeface="+mn-cs"/>
-              </a:defRPr>
-            </a:lvl2pPr>
-            <a:lvl3pPr marL="914400" algn="l" defTabSz="914400" rtl="0" eaLnBrk="1" latinLnBrk="0" hangingPunct="1">
-              <a:defRPr sz="1800" kern="1200">
-                <a:solidFill>
-                  <a:schemeClr val="tx1"/>
-                </a:solidFill>
-                <a:latin typeface="+mn-lt"/>
-                <a:ea typeface="+mn-ea"/>
-                <a:cs typeface="+mn-cs"/>
-              </a:defRPr>
-            </a:lvl3pPr>
-            <a:lvl4pPr marL="1371600" algn="l" defTabSz="914400" rtl="0" eaLnBrk="1" latinLnBrk="0" hangingPunct="1">
-              <a:defRPr sz="1800" kern="1200">
-                <a:solidFill>
-                  <a:schemeClr val="tx1"/>
-                </a:solidFill>
-                <a:latin typeface="+mn-lt"/>
-                <a:ea typeface="+mn-ea"/>
-                <a:cs typeface="+mn-cs"/>
-              </a:defRPr>
-            </a:lvl4pPr>
-            <a:lvl5pPr marL="1828800" algn="l" defTabSz="914400" rtl="0" eaLnBrk="1" latinLnBrk="0" hangingPunct="1">
-              <a:defRPr sz="1800" kern="1200">
-                <a:solidFill>
-                  <a:schemeClr val="tx1"/>
-                </a:solidFill>
-                <a:latin typeface="+mn-lt"/>
-                <a:ea typeface="+mn-ea"/>
-                <a:cs typeface="+mn-cs"/>
-              </a:defRPr>
-            </a:lvl5pPr>
-            <a:lvl6pPr marL="2286000" algn="l" defTabSz="914400" rtl="0" eaLnBrk="1" latinLnBrk="0" hangingPunct="1">
-              <a:defRPr sz="1800" kern="1200">
-                <a:solidFill>
-                  <a:schemeClr val="tx1"/>
-                </a:solidFill>
-                <a:latin typeface="+mn-lt"/>
-                <a:ea typeface="+mn-ea"/>
-                <a:cs typeface="+mn-cs"/>
-              </a:defRPr>
-            </a:lvl6pPr>
-            <a:lvl7pPr marL="2743200" algn="l" defTabSz="914400" rtl="0" eaLnBrk="1" latinLnBrk="0" hangingPunct="1">
-              <a:defRPr sz="1800" kern="1200">
-                <a:solidFill>
-                  <a:schemeClr val="tx1"/>
-                </a:solidFill>
-                <a:latin typeface="+mn-lt"/>
-                <a:ea typeface="+mn-ea"/>
-                <a:cs typeface="+mn-cs"/>
-              </a:defRPr>
-            </a:lvl7pPr>
-            <a:lvl8pPr marL="3200400" algn="l" defTabSz="914400" rtl="0" eaLnBrk="1" latinLnBrk="0" hangingPunct="1">
-              <a:defRPr sz="1800" kern="1200">
-                <a:solidFill>
-                  <a:schemeClr val="tx1"/>
-                </a:solidFill>
-                <a:latin typeface="+mn-lt"/>
-                <a:ea typeface="+mn-ea"/>
-                <a:cs typeface="+mn-cs"/>
-              </a:defRPr>
-            </a:lvl8pPr>
-            <a:lvl9pPr marL="3657600" algn="l" defTabSz="914400" rtl="0" eaLnBrk="1" latinLnBrk="0" hangingPunct="1">
-              <a:defRPr sz="1800" kern="1200">
-                <a:solidFill>
-                  <a:schemeClr val="tx1"/>
-                </a:solidFill>
-                <a:latin typeface="+mn-lt"/>
-                <a:ea typeface="+mn-ea"/>
-                <a:cs typeface="+mn-cs"/>
-              </a:defRPr>
-            </a:lvl9pPr>
-          </a:lstStyle>
-          <a:p>
-            <a:r>
-              <a:rPr lang="en-IN" b="1" dirty="0">
-                <a:solidFill>
-                  <a:srgbClr val="002060"/>
-                </a:solidFill>
-                <a:latin typeface="Verdana" panose="020B0604030504040204" pitchFamily="34" charset="0"/>
-                <a:ea typeface="Verdana" panose="020B0604030504040204" pitchFamily="34" charset="0"/>
-              </a:rPr>
-              <a:t>C# Corner</a:t>
-            </a:r>
-          </a:p>
-        </p:txBody>
-      </p:sp>
-      <p:sp>
-        <p:nvSpPr>
-          <p:cNvPr id="11" name="Rectangle 10">
-            <a:extLst>
-              <a:ext uri="{FF2B5EF4-FFF2-40B4-BE49-F238E27FC236}">
-                <a16:creationId xmlns:a16="http://schemas.microsoft.com/office/drawing/2014/main" id="{D55098C6-1198-4DAB-B484-23DB1A599453}"/>
-              </a:ext>
-            </a:extLst>
-          </p:cNvPr>
-          <p:cNvSpPr/>
-          <p:nvPr/>
-        </p:nvSpPr>
-        <p:spPr>
-          <a:xfrm>
-            <a:off x="2860860" y="1724460"/>
-            <a:ext cx="6434775" cy="3154710"/>
-          </a:xfrm>
-          <a:prstGeom prst="rect">
-            <a:avLst/>
-          </a:prstGeom>
-          <a:noFill/>
-        </p:spPr>
-        <p:txBody>
-          <a:bodyPr wrap="none" lIns="91440" tIns="45720" rIns="91440" bIns="45720">
-            <a:spAutoFit/>
-          </a:bodyPr>
-          <a:lstStyle/>
-          <a:p>
-            <a:pPr algn="ctr"/>
-            <a:r>
-              <a:rPr lang="en-US" sz="19900" b="1" cap="none" spc="0" dirty="0">
-                <a:ln w="9525">
-                  <a:solidFill>
-                    <a:schemeClr val="bg1"/>
-                  </a:solidFill>
-                  <a:prstDash val="solid"/>
-                </a:ln>
-                <a:solidFill>
-                  <a:schemeClr val="accent5"/>
-                </a:solidFill>
-                <a:effectLst>
-                  <a:outerShdw blurRad="12700" dist="38100" dir="2700000" algn="tl" rotWithShape="0">
-                    <a:schemeClr val="accent5">
-                      <a:lumMod val="60000"/>
-                      <a:lumOff val="40000"/>
-                    </a:schemeClr>
-                  </a:outerShdw>
-                </a:effectLst>
-              </a:rPr>
-              <a:t>Q &amp; A</a:t>
-            </a:r>
-          </a:p>
-        </p:txBody>
-      </p:sp>
-    </p:spTree>
-    <p:extLst>
-      <p:ext uri="{BB962C8B-B14F-4D97-AF65-F5344CB8AC3E}">
-        <p14:creationId xmlns:p14="http://schemas.microsoft.com/office/powerpoint/2010/main" val="3499439994"/>
-      </p:ext>
-    </p:extLst>
-  </p:cSld>
-  <p:clrMapOvr>
-    <a:masterClrMapping/>
-  </p:clrMapOvr>
-</p:sld>
-</file>
-
-<file path=ppt/slides/slide15.xml><?xml version="1.0" encoding="utf-8"?>
-<p:sld xmlns:a="http://schemas.openxmlformats.org/drawingml/2006/main" xmlns:r="http://schemas.openxmlformats.org/officeDocument/2006/relationships" xmlns:p="http://schemas.openxmlformats.org/presentationml/2006/main">
-  <p:cSld>
-    <p:spTree>
-      <p:nvGrpSpPr>
-        <p:cNvPr id="1" name=""/>
-        <p:cNvGrpSpPr/>
-        <p:nvPr/>
-      </p:nvGrpSpPr>
-      <p:grpSpPr>
-        <a:xfrm>
-          <a:off x="0" y="0"/>
-          <a:ext cx="0" cy="0"/>
-          <a:chOff x="0" y="0"/>
-          <a:chExt cx="0" cy="0"/>
-        </a:xfrm>
-      </p:grpSpPr>
-      <p:sp>
-        <p:nvSpPr>
-          <p:cNvPr id="4" name="Rectangle 3">
-            <a:extLst>
-              <a:ext uri="{FF2B5EF4-FFF2-40B4-BE49-F238E27FC236}">
-                <a16:creationId xmlns:a16="http://schemas.microsoft.com/office/drawing/2014/main" id="{055C22F7-3FD1-4C1B-8D0C-0C2F7FB61DBE}"/>
-              </a:ext>
-            </a:extLst>
-          </p:cNvPr>
-          <p:cNvSpPr/>
-          <p:nvPr/>
-        </p:nvSpPr>
-        <p:spPr>
-          <a:xfrm>
-            <a:off x="0" y="8878"/>
-            <a:ext cx="12183122" cy="497150"/>
-          </a:xfrm>
-          <a:prstGeom prst="rect">
-            <a:avLst/>
-          </a:prstGeom>
-          <a:solidFill>
-            <a:srgbClr val="0070C0"/>
-          </a:solidFill>
-        </p:spPr>
-        <p:style>
-          <a:lnRef idx="2">
-            <a:schemeClr val="accent1">
-              <a:shade val="50000"/>
-            </a:schemeClr>
-          </a:lnRef>
-          <a:fillRef idx="1">
-            <a:schemeClr val="accent1"/>
-          </a:fillRef>
-          <a:effectRef idx="0">
-            <a:schemeClr val="accent1"/>
-          </a:effectRef>
-          <a:fontRef idx="minor">
-            <a:schemeClr val="lt1"/>
-          </a:fontRef>
-        </p:style>
-        <p:txBody>
-          <a:bodyPr rtlCol="0" anchor="ctr"/>
-          <a:lstStyle/>
-          <a:p>
-            <a:pPr algn="ctr"/>
-            <a:r>
-              <a:rPr lang="en-US" b="1" dirty="0">
-                <a:latin typeface="Verdana" panose="020B0604030504040204" pitchFamily="34" charset="0"/>
-                <a:ea typeface="Verdana" panose="020B0604030504040204" pitchFamily="34" charset="0"/>
-              </a:rPr>
-              <a:t>C# Corner Global Monthly Virtual Meet – April 2020</a:t>
-            </a:r>
-            <a:endParaRPr lang="en-IN" b="1" dirty="0">
-              <a:latin typeface="Verdana" panose="020B0604030504040204" pitchFamily="34" charset="0"/>
-              <a:ea typeface="Verdana" panose="020B0604030504040204" pitchFamily="34" charset="0"/>
-            </a:endParaRPr>
-          </a:p>
-        </p:txBody>
-      </p:sp>
-      <p:sp>
-        <p:nvSpPr>
-          <p:cNvPr id="7" name="Rectangle 6">
-            <a:extLst>
-              <a:ext uri="{FF2B5EF4-FFF2-40B4-BE49-F238E27FC236}">
-                <a16:creationId xmlns:a16="http://schemas.microsoft.com/office/drawing/2014/main" id="{B10720DE-FD2A-4FE5-B9FB-74854D01A659}"/>
-              </a:ext>
-            </a:extLst>
-          </p:cNvPr>
-          <p:cNvSpPr/>
-          <p:nvPr/>
-        </p:nvSpPr>
-        <p:spPr>
-          <a:xfrm>
-            <a:off x="0" y="6383046"/>
-            <a:ext cx="12183122" cy="57703"/>
-          </a:xfrm>
-          <a:prstGeom prst="rect">
-            <a:avLst/>
-          </a:prstGeom>
-          <a:solidFill>
-            <a:srgbClr val="0070C0"/>
-          </a:solidFill>
-        </p:spPr>
-        <p:style>
-          <a:lnRef idx="2">
-            <a:schemeClr val="accent1">
-              <a:shade val="50000"/>
-            </a:schemeClr>
-          </a:lnRef>
-          <a:fillRef idx="1">
-            <a:schemeClr val="accent1"/>
-          </a:fillRef>
-          <a:effectRef idx="0">
-            <a:schemeClr val="accent1"/>
-          </a:effectRef>
-          <a:fontRef idx="minor">
-            <a:schemeClr val="lt1"/>
-          </a:fontRef>
-        </p:style>
-        <p:txBody>
-          <a:bodyPr rtlCol="0" anchor="ctr"/>
-          <a:lstStyle/>
-          <a:p>
-            <a:pPr algn="ctr"/>
-            <a:endParaRPr lang="en-IN" sz="1000" dirty="0">
-              <a:latin typeface="Verdana" panose="020B0604030504040204" pitchFamily="34" charset="0"/>
-              <a:ea typeface="Verdana" panose="020B0604030504040204" pitchFamily="34" charset="0"/>
-            </a:endParaRPr>
-          </a:p>
-        </p:txBody>
-      </p:sp>
-      <p:sp>
-        <p:nvSpPr>
-          <p:cNvPr id="8" name="Footer Placeholder 7">
-            <a:extLst>
-              <a:ext uri="{FF2B5EF4-FFF2-40B4-BE49-F238E27FC236}">
-                <a16:creationId xmlns:a16="http://schemas.microsoft.com/office/drawing/2014/main" id="{DD2A19CA-EC18-432D-8F8F-17079808F38B}"/>
-              </a:ext>
-            </a:extLst>
-          </p:cNvPr>
-          <p:cNvSpPr>
-            <a:spLocks noGrp="1"/>
-          </p:cNvSpPr>
-          <p:nvPr>
-            <p:ph type="ftr" sz="quarter" idx="11"/>
-          </p:nvPr>
-        </p:nvSpPr>
-        <p:spPr>
-          <a:xfrm>
-            <a:off x="4038600" y="6427374"/>
-            <a:ext cx="4114800" cy="365125"/>
-          </a:xfrm>
-        </p:spPr>
-        <p:txBody>
-          <a:bodyPr/>
-          <a:lstStyle/>
-          <a:p>
-            <a:r>
-              <a:rPr lang="en-IN" b="1" dirty="0">
-                <a:solidFill>
-                  <a:srgbClr val="002060"/>
-                </a:solidFill>
-                <a:latin typeface="Verdana" panose="020B0604030504040204" pitchFamily="34" charset="0"/>
-                <a:ea typeface="Verdana" panose="020B0604030504040204" pitchFamily="34" charset="0"/>
-              </a:rPr>
-              <a:t>15-Apr-2020</a:t>
-            </a:r>
-          </a:p>
-        </p:txBody>
-      </p:sp>
-      <p:sp>
-        <p:nvSpPr>
-          <p:cNvPr id="9" name="Slide Number Placeholder 8">
-            <a:extLst>
-              <a:ext uri="{FF2B5EF4-FFF2-40B4-BE49-F238E27FC236}">
-                <a16:creationId xmlns:a16="http://schemas.microsoft.com/office/drawing/2014/main" id="{8162625C-0B1F-42E0-BE7C-D99A08FED7A3}"/>
-              </a:ext>
-            </a:extLst>
-          </p:cNvPr>
-          <p:cNvSpPr>
-            <a:spLocks noGrp="1"/>
-          </p:cNvSpPr>
-          <p:nvPr>
-            <p:ph type="sldNum" sz="quarter" idx="12"/>
-          </p:nvPr>
-        </p:nvSpPr>
-        <p:spPr>
-          <a:xfrm>
-            <a:off x="8610600" y="6427374"/>
-            <a:ext cx="2743200" cy="365125"/>
-          </a:xfrm>
-        </p:spPr>
-        <p:txBody>
-          <a:bodyPr/>
-          <a:lstStyle/>
-          <a:p>
-            <a:fld id="{30AF63FB-5233-4811-A918-B572E3A55817}" type="slidenum">
-              <a:rPr lang="en-IN" b="1" smtClean="0">
-                <a:solidFill>
-                  <a:srgbClr val="002060"/>
-                </a:solidFill>
-                <a:latin typeface="Verdana" panose="020B0604030504040204" pitchFamily="34" charset="0"/>
-                <a:ea typeface="Verdana" panose="020B0604030504040204" pitchFamily="34" charset="0"/>
-              </a:rPr>
-              <a:t>15</a:t>
             </a:fld>
             <a:endParaRPr lang="en-IN" b="1" dirty="0">
               <a:solidFill>
@@ -8572,7 +6845,7 @@
         <p:spPr>
           <a:xfrm>
             <a:off x="80629" y="602214"/>
-            <a:ext cx="12037390" cy="3684920"/>
+            <a:ext cx="12037390" cy="3069366"/>
           </a:xfrm>
           <a:prstGeom prst="rect">
             <a:avLst/>
@@ -8656,25 +6929,6 @@
                 <a:ea typeface="Verdana" panose="020B0604030504040204" pitchFamily="34" charset="0"/>
               </a:rPr>
               <a:t> Adding Policies to Global, Product, Services and Operation Level.</a:t>
-            </a:r>
-          </a:p>
-          <a:p>
-            <a:pPr marL="628650" lvl="1" indent="-171450">
-              <a:lnSpc>
-                <a:spcPct val="200000"/>
-              </a:lnSpc>
-              <a:buFont typeface="Wingdings" panose="05000000000000000000" pitchFamily="2" charset="2"/>
-              <a:buChar char="Ø"/>
-            </a:pPr>
-            <a:r>
-              <a:rPr lang="en-US" sz="2000" dirty="0">
-                <a:solidFill>
-                  <a:srgbClr val="002060"/>
-                </a:solidFill>
-                <a:latin typeface="Verdana" panose="020B0604030504040204" pitchFamily="34" charset="0"/>
-                <a:ea typeface="Verdana" panose="020B0604030504040204" pitchFamily="34" charset="0"/>
-              </a:rPr>
-              <a:t> Testing using Postman.</a:t>
             </a:r>
           </a:p>
           <a:p>
@@ -9199,6 +7453,41 @@
           </a:p>
         </p:txBody>
       </p:sp>
+      <p:pic>
+        <p:nvPicPr>
+          <p:cNvPr id="3" name="Picture 2">
+            <a:extLst>
+              <a:ext uri="{FF2B5EF4-FFF2-40B4-BE49-F238E27FC236}">
+                <a16:creationId xmlns:a16="http://schemas.microsoft.com/office/drawing/2014/main" id="{EA1A83FE-58CA-471B-9E44-6AD92947D57B}"/>
+              </a:ext>
+            </a:extLst>
+          </p:cNvPr>
+          <p:cNvPicPr>
+            <a:picLocks noChangeAspect="1"/>
+          </p:cNvPicPr>
+          <p:nvPr/>
+        </p:nvPicPr>
+        <p:blipFill>
+          <a:blip r:embed="rId2"/>
+          <a:stretch>
+            <a:fillRect/>
+          </a:stretch>
+        </p:blipFill>
+        <p:spPr>
+          <a:xfrm>
+            <a:off x="59971" y="1247775"/>
+            <a:ext cx="12058049" cy="4362450"/>
+          </a:xfrm>
+          <a:prstGeom prst="rect">
+            <a:avLst/>
+          </a:prstGeom>
+          <a:ln>
+            <a:solidFill>
+              <a:schemeClr val="accent1"/>
+            </a:solidFill>
+          </a:ln>
+        </p:spPr>
+      </p:pic>
     </p:spTree>
     <p:extLst>
       <p:ext uri="{BB962C8B-B14F-4D97-AF65-F5344CB8AC3E}">
@@ -9563,20 +7852,20 @@
       </p:sp>
       <p:sp>
         <p:nvSpPr>
-          <p:cNvPr id="11" name="Rectangle 10">
-            <a:extLst>
-              <a:ext uri="{FF2B5EF4-FFF2-40B4-BE49-F238E27FC236}">
-                <a16:creationId xmlns:a16="http://schemas.microsoft.com/office/drawing/2014/main" id="{F60D9B38-5067-4841-9B4A-CE7786A2CB4A}"/>
-              </a:ext>
-            </a:extLst>
-          </p:cNvPr>
-          <p:cNvSpPr/>
+          <p:cNvPr id="10" name="TextBox 9">
+            <a:extLst>
+              <a:ext uri="{FF2B5EF4-FFF2-40B4-BE49-F238E27FC236}">
+                <a16:creationId xmlns:a16="http://schemas.microsoft.com/office/drawing/2014/main" id="{3F57BFF1-0046-4C84-A430-03E3F25BA26D}"/>
+              </a:ext>
+            </a:extLst>
+          </p:cNvPr>
+          <p:cNvSpPr txBox="1"/>
           <p:nvPr/>
         </p:nvSpPr>
         <p:spPr>
           <a:xfrm>
-            <a:off x="517279" y="588106"/>
-            <a:ext cx="11121954" cy="4128694"/>
+            <a:off x="80629" y="602214"/>
+            <a:ext cx="12037390" cy="3684920"/>
           </a:xfrm>
           <a:prstGeom prst="rect">
             <a:avLst/>
@@ -9584,142 +7873,125 @@
           <a:noFill/>
         </p:spPr>
         <p:txBody>
-          <a:bodyPr wrap="none" lIns="91440" tIns="45720" rIns="91440" bIns="45720">
+          <a:bodyPr wrap="square" rtlCol="0">
             <a:spAutoFit/>
           </a:bodyPr>
           <a:lstStyle/>
           <a:p>
-            <a:pPr algn="ctr"/>
-            <a:r>
-              <a:rPr lang="en-US" sz="8800" b="1" cap="none" spc="0" dirty="0">
-                <a:ln w="9525">
-                  <a:solidFill>
-                    <a:schemeClr val="bg1"/>
-                  </a:solidFill>
-                  <a:prstDash val="solid"/>
-                </a:ln>
-                <a:solidFill>
-                  <a:schemeClr val="accent5"/>
-                </a:solidFill>
-                <a:effectLst>
-                  <a:outerShdw blurRad="12700" dist="38100" dir="2700000" algn="tl" rotWithShape="0">
-                    <a:schemeClr val="accent5">
-                      <a:lumMod val="60000"/>
-                      <a:lumOff val="40000"/>
-                    </a:schemeClr>
-                  </a:outerShdw>
-                </a:effectLst>
-                <a:latin typeface="Verdana" panose="020B0604030504040204" pitchFamily="34" charset="0"/>
-                <a:ea typeface="Verdana" panose="020B0604030504040204" pitchFamily="34" charset="0"/>
-              </a:rPr>
-              <a:t>Demo 1</a:t>
-            </a:r>
-          </a:p>
-          <a:p>
-            <a:pPr marL="1371600" indent="-1371600" algn="ctr">
-              <a:buAutoNum type="arabicPeriod"/>
-            </a:pPr>
-            <a:endParaRPr lang="en-US" sz="4000" b="1" cap="none" spc="0" dirty="0">
-              <a:ln w="9525">
-                <a:solidFill>
-                  <a:schemeClr val="bg1"/>
-                </a:solidFill>
-                <a:prstDash val="solid"/>
-              </a:ln>
-              <a:solidFill>
-                <a:schemeClr val="accent5"/>
-              </a:solidFill>
-              <a:effectLst>
-                <a:outerShdw blurRad="12700" dist="38100" dir="2700000" algn="tl" rotWithShape="0">
-                  <a:schemeClr val="accent5">
-                    <a:lumMod val="60000"/>
-                    <a:lumOff val="40000"/>
-                  </a:schemeClr>
-                </a:outerShdw>
-              </a:effectLst>
-              <a:latin typeface="Verdana" panose="020B0604030504040204" pitchFamily="34" charset="0"/>
-              <a:ea typeface="Verdana" panose="020B0604030504040204" pitchFamily="34" charset="0"/>
-            </a:endParaRPr>
-          </a:p>
-          <a:p>
-            <a:pPr algn="ctr">
+            <a:pPr>
               <a:lnSpc>
-                <a:spcPct val="150000"/>
+                <a:spcPct val="200000"/>
               </a:lnSpc>
             </a:pPr>
             <a:r>
-              <a:rPr lang="en-US" sz="4800" b="1" dirty="0">
-                <a:ln w="9525">
-                  <a:solidFill>
-                    <a:schemeClr val="bg1"/>
-                  </a:solidFill>
-                  <a:prstDash val="solid"/>
-                </a:ln>
-                <a:solidFill>
-                  <a:schemeClr val="accent5"/>
-                </a:solidFill>
-                <a:effectLst>
-                  <a:outerShdw blurRad="12700" dist="38100" dir="2700000" algn="tl" rotWithShape="0">
-                    <a:schemeClr val="accent5">
-                      <a:lumMod val="60000"/>
-                      <a:lumOff val="40000"/>
-                    </a:schemeClr>
-                  </a:outerShdw>
-                </a:effectLst>
-                <a:latin typeface="Verdana" panose="020B0604030504040204" pitchFamily="34" charset="0"/>
-                <a:ea typeface="Verdana" panose="020B0604030504040204" pitchFamily="34" charset="0"/>
-              </a:rPr>
-              <a:t>Hosting a couple of Middle tier </a:t>
-            </a:r>
-          </a:p>
-          <a:p>
-            <a:pPr algn="ctr">
+              <a:rPr lang="en-US" sz="2000" dirty="0">
+                <a:solidFill>
+                  <a:srgbClr val="002060"/>
+                </a:solidFill>
+                <a:latin typeface="Verdana" panose="020B0604030504040204" pitchFamily="34" charset="0"/>
+                <a:ea typeface="Verdana" panose="020B0604030504040204" pitchFamily="34" charset="0"/>
+              </a:rPr>
+              <a:t>Hosting Middle Tier to Azure</a:t>
+            </a:r>
+          </a:p>
+          <a:p>
+            <a:pPr marL="628650" lvl="1" indent="-171450">
               <a:lnSpc>
-                <a:spcPct val="150000"/>
+                <a:spcPct val="200000"/>
               </a:lnSpc>
+              <a:buFont typeface="Wingdings" panose="05000000000000000000" pitchFamily="2" charset="2"/>
+              <a:buChar char="Ø"/>
             </a:pPr>
             <a:r>
-              <a:rPr lang="en-US" sz="4800" b="1" dirty="0">
-                <a:ln w="9525">
-                  <a:solidFill>
-                    <a:schemeClr val="bg1"/>
-                  </a:solidFill>
-                  <a:prstDash val="solid"/>
-                </a:ln>
-                <a:solidFill>
-                  <a:schemeClr val="accent5"/>
-                </a:solidFill>
-                <a:effectLst>
-                  <a:outerShdw blurRad="12700" dist="38100" dir="2700000" algn="tl" rotWithShape="0">
-                    <a:schemeClr val="accent5">
-                      <a:lumMod val="60000"/>
-                      <a:lumOff val="40000"/>
-                    </a:schemeClr>
-                  </a:outerShdw>
-                </a:effectLst>
-                <a:latin typeface="Verdana" panose="020B0604030504040204" pitchFamily="34" charset="0"/>
-                <a:ea typeface="Verdana" panose="020B0604030504040204" pitchFamily="34" charset="0"/>
-              </a:rPr>
-              <a:t>services as web API into Azure.</a:t>
-            </a:r>
-            <a:endParaRPr lang="en-US" sz="4800" b="1" cap="none" spc="0" dirty="0">
-              <a:ln w="9525">
-                <a:solidFill>
-                  <a:schemeClr val="bg1"/>
-                </a:solidFill>
-                <a:prstDash val="solid"/>
-              </a:ln>
+              <a:rPr lang="en-US" sz="2000" dirty="0">
+                <a:solidFill>
+                  <a:srgbClr val="002060"/>
+                </a:solidFill>
+                <a:latin typeface="Verdana" panose="020B0604030504040204" pitchFamily="34" charset="0"/>
+                <a:ea typeface="Verdana" panose="020B0604030504040204" pitchFamily="34" charset="0"/>
+              </a:rPr>
+              <a:t> We have created two App Service [Windows OS].</a:t>
+            </a:r>
+          </a:p>
+          <a:p>
+            <a:pPr marL="628650" lvl="1" indent="-171450">
+              <a:lnSpc>
+                <a:spcPct val="200000"/>
+              </a:lnSpc>
+              <a:buFont typeface="Wingdings" panose="05000000000000000000" pitchFamily="2" charset="2"/>
+              <a:buChar char="Ø"/>
+            </a:pPr>
+            <a:r>
+              <a:rPr lang="en-US" sz="2000" dirty="0">
+                <a:solidFill>
+                  <a:srgbClr val="002060"/>
+                </a:solidFill>
+                <a:latin typeface="Verdana" panose="020B0604030504040204" pitchFamily="34" charset="0"/>
+                <a:ea typeface="Verdana" panose="020B0604030504040204" pitchFamily="34" charset="0"/>
+              </a:rPr>
+              <a:t> We have one App Service Plan. [D1 Shared].</a:t>
+            </a:r>
+          </a:p>
+          <a:p>
+            <a:pPr marL="628650" lvl="1" indent="-171450">
+              <a:lnSpc>
+                <a:spcPct val="200000"/>
+              </a:lnSpc>
+              <a:buFont typeface="Wingdings" panose="05000000000000000000" pitchFamily="2" charset="2"/>
+              <a:buChar char="Ø"/>
+            </a:pPr>
+            <a:r>
+              <a:rPr lang="en-US" sz="2000" dirty="0">
+                <a:solidFill>
+                  <a:srgbClr val="002060"/>
+                </a:solidFill>
+                <a:latin typeface="Verdana" panose="020B0604030504040204" pitchFamily="34" charset="0"/>
+                <a:ea typeface="Verdana" panose="020B0604030504040204" pitchFamily="34" charset="0"/>
+              </a:rPr>
+              <a:t> We are deploying it using Visual Studio 2019. [Publish].</a:t>
+            </a:r>
+          </a:p>
+          <a:p>
+            <a:pPr marL="628650" lvl="1" indent="-171450">
+              <a:lnSpc>
+                <a:spcPct val="200000"/>
+              </a:lnSpc>
+              <a:buFont typeface="Wingdings" panose="05000000000000000000" pitchFamily="2" charset="2"/>
+              <a:buChar char="Ø"/>
+            </a:pPr>
+            <a:r>
+              <a:rPr lang="en-US" sz="2000" dirty="0">
+                <a:solidFill>
+                  <a:srgbClr val="002060"/>
+                </a:solidFill>
+                <a:latin typeface="Verdana" panose="020B0604030504040204" pitchFamily="34" charset="0"/>
+                <a:ea typeface="Verdana" panose="020B0604030504040204" pitchFamily="34" charset="0"/>
+              </a:rPr>
+              <a:t> We have published College Service. We will verify using Postman.</a:t>
+            </a:r>
+          </a:p>
+          <a:p>
+            <a:pPr marL="628650" lvl="1" indent="-171450">
+              <a:lnSpc>
+                <a:spcPct val="200000"/>
+              </a:lnSpc>
+              <a:buFont typeface="Wingdings" panose="05000000000000000000" pitchFamily="2" charset="2"/>
+              <a:buChar char="Ø"/>
+            </a:pPr>
+            <a:r>
+              <a:rPr lang="en-US" sz="2000" dirty="0">
+                <a:solidFill>
+                  <a:srgbClr val="002060"/>
+                </a:solidFill>
+                <a:latin typeface="Verdana" panose="020B0604030504040204" pitchFamily="34" charset="0"/>
+                <a:ea typeface="Verdana" panose="020B0604030504040204" pitchFamily="34" charset="0"/>
+              </a:rPr>
+              <a:t> We will publish Weather Forecast Service.</a:t>
+            </a:r>
+            <a:endParaRPr lang="en-IN" sz="2000" dirty="0">
               <a:solidFill>
-                <a:schemeClr val="accent5"/>
+                <a:srgbClr val="002060"/>
               </a:solidFill>
-              <a:effectLst>
-                <a:outerShdw blurRad="12700" dist="38100" dir="2700000" algn="tl" rotWithShape="0">
-                  <a:schemeClr val="accent5">
-                    <a:lumMod val="60000"/>
-                    <a:lumOff val="40000"/>
-                  </a:schemeClr>
-                </a:outerShdw>
-              </a:effectLst>
               <a:latin typeface="Verdana" panose="020B0604030504040204" pitchFamily="34" charset="0"/>
               <a:ea typeface="Verdana" panose="020B0604030504040204" pitchFamily="34" charset="0"/>
             </a:endParaRPr>
@@ -9806,7 +8078,7 @@
                 <a:latin typeface="Verdana" panose="020B0604030504040204" pitchFamily="34" charset="0"/>
                 <a:ea typeface="Verdana" panose="020B0604030504040204" pitchFamily="34" charset="0"/>
               </a:rPr>
-              <a:t>Adding gRPC to existing ASP.Net Core Web API</a:t>
+              <a:t>Hosting a couple of Middle tier services as web API into Azure</a:t>
             </a:r>
             <a:endParaRPr lang="en-IN" b="1" dirty="0">
               <a:latin typeface="Verdana" panose="020B0604030504040204" pitchFamily="34" charset="0"/>
@@ -9954,316 +8226,6 @@
       </p:sp>
       <p:sp>
         <p:nvSpPr>
-          <p:cNvPr id="10" name="TextBox 9">
-            <a:extLst>
-              <a:ext uri="{FF2B5EF4-FFF2-40B4-BE49-F238E27FC236}">
-                <a16:creationId xmlns:a16="http://schemas.microsoft.com/office/drawing/2014/main" id="{01677BED-4C67-48F6-8772-07696F9A1F04}"/>
-              </a:ext>
-            </a:extLst>
-          </p:cNvPr>
-          <p:cNvSpPr txBox="1"/>
-          <p:nvPr/>
-        </p:nvSpPr>
-        <p:spPr>
-          <a:xfrm>
-            <a:off x="80629" y="602214"/>
-            <a:ext cx="12037390" cy="3725251"/>
-          </a:xfrm>
-          <a:prstGeom prst="rect">
-            <a:avLst/>
-          </a:prstGeom>
-          <a:noFill/>
-        </p:spPr>
-        <p:txBody>
-          <a:bodyPr wrap="square" rtlCol="0">
-            <a:spAutoFit/>
-          </a:bodyPr>
-          <a:lstStyle/>
-          <a:p>
-            <a:pPr marL="628650" lvl="1" indent="-171450">
-              <a:lnSpc>
-                <a:spcPct val="200000"/>
-              </a:lnSpc>
-              <a:buFont typeface="Wingdings" panose="05000000000000000000" pitchFamily="2" charset="2"/>
-              <a:buChar char="Ø"/>
-            </a:pPr>
-            <a:r>
-              <a:rPr lang="en-US" sz="1200" dirty="0">
-                <a:solidFill>
-                  <a:srgbClr val="002060"/>
-                </a:solidFill>
-                <a:latin typeface="Verdana" panose="020B0604030504040204" pitchFamily="34" charset="0"/>
-                <a:ea typeface="Verdana" panose="020B0604030504040204" pitchFamily="34" charset="0"/>
-              </a:rPr>
-              <a:t>Unary RPC: this is the simplest form of RPC. In this case, the client sends a request message to the server and receives a response.</a:t>
-            </a:r>
-          </a:p>
-          <a:p>
-            <a:pPr marL="628650" lvl="1" indent="-171450">
-              <a:lnSpc>
-                <a:spcPct val="200000"/>
-              </a:lnSpc>
-              <a:buFont typeface="Wingdings" panose="05000000000000000000" pitchFamily="2" charset="2"/>
-              <a:buChar char="Ø"/>
-            </a:pPr>
-            <a:r>
-              <a:rPr lang="en-US" sz="1200" dirty="0">
-                <a:solidFill>
-                  <a:srgbClr val="002060"/>
-                </a:solidFill>
-                <a:latin typeface="Verdana" panose="020B0604030504040204" pitchFamily="34" charset="0"/>
-                <a:ea typeface="Verdana" panose="020B0604030504040204" pitchFamily="34" charset="0"/>
-              </a:rPr>
-              <a:t>Added “</a:t>
-            </a:r>
-            <a:r>
-              <a:rPr lang="en-US" sz="1200" dirty="0" err="1">
-                <a:solidFill>
-                  <a:srgbClr val="002060"/>
-                </a:solidFill>
-                <a:latin typeface="Verdana" panose="020B0604030504040204" pitchFamily="34" charset="0"/>
-                <a:ea typeface="Verdana" panose="020B0604030504040204" pitchFamily="34" charset="0"/>
-              </a:rPr>
-              <a:t>Grpc.AspNetCore</a:t>
-            </a:r>
-            <a:r>
-              <a:rPr lang="en-US" sz="1200" dirty="0">
-                <a:solidFill>
-                  <a:srgbClr val="002060"/>
-                </a:solidFill>
-                <a:latin typeface="Verdana" panose="020B0604030504040204" pitchFamily="34" charset="0"/>
-                <a:ea typeface="Verdana" panose="020B0604030504040204" pitchFamily="34" charset="0"/>
-              </a:rPr>
-              <a:t>” using </a:t>
-            </a:r>
-            <a:r>
-              <a:rPr lang="en-US" sz="1200" dirty="0" err="1">
-                <a:solidFill>
-                  <a:srgbClr val="002060"/>
-                </a:solidFill>
-                <a:latin typeface="Verdana" panose="020B0604030504040204" pitchFamily="34" charset="0"/>
-                <a:ea typeface="Verdana" panose="020B0604030504040204" pitchFamily="34" charset="0"/>
-              </a:rPr>
-              <a:t>Nuget</a:t>
-            </a:r>
-            <a:r>
-              <a:rPr lang="en-US" sz="1200" dirty="0">
-                <a:solidFill>
-                  <a:srgbClr val="002060"/>
-                </a:solidFill>
-                <a:latin typeface="Verdana" panose="020B0604030504040204" pitchFamily="34" charset="0"/>
-                <a:ea typeface="Verdana" panose="020B0604030504040204" pitchFamily="34" charset="0"/>
-              </a:rPr>
-              <a:t> .</a:t>
-            </a:r>
-          </a:p>
-          <a:p>
-            <a:pPr marL="628650" lvl="1" indent="-171450">
-              <a:lnSpc>
-                <a:spcPct val="200000"/>
-              </a:lnSpc>
-              <a:buFont typeface="Wingdings" panose="05000000000000000000" pitchFamily="2" charset="2"/>
-              <a:buChar char="Ø"/>
-            </a:pPr>
-            <a:r>
-              <a:rPr lang="en-US" sz="1200" dirty="0">
-                <a:solidFill>
-                  <a:srgbClr val="002060"/>
-                </a:solidFill>
-                <a:latin typeface="Verdana" panose="020B0604030504040204" pitchFamily="34" charset="0"/>
-                <a:ea typeface="Verdana" panose="020B0604030504040204" pitchFamily="34" charset="0"/>
-              </a:rPr>
-              <a:t>Create the .proto file inside the </a:t>
-            </a:r>
-            <a:r>
-              <a:rPr lang="en-US" sz="1200" b="1" dirty="0">
-                <a:solidFill>
-                  <a:srgbClr val="002060"/>
-                </a:solidFill>
-                <a:latin typeface="Verdana" panose="020B0604030504040204" pitchFamily="34" charset="0"/>
-                <a:ea typeface="Verdana" panose="020B0604030504040204" pitchFamily="34" charset="0"/>
-              </a:rPr>
-              <a:t>Protos</a:t>
-            </a:r>
-            <a:r>
-              <a:rPr lang="en-US" sz="1200" dirty="0">
-                <a:solidFill>
-                  <a:srgbClr val="002060"/>
-                </a:solidFill>
-                <a:latin typeface="Verdana" panose="020B0604030504040204" pitchFamily="34" charset="0"/>
-                <a:ea typeface="Verdana" panose="020B0604030504040204" pitchFamily="34" charset="0"/>
-              </a:rPr>
-              <a:t> folder.</a:t>
-            </a:r>
-          </a:p>
-          <a:p>
-            <a:pPr marL="628650" lvl="1" indent="-171450">
-              <a:lnSpc>
-                <a:spcPct val="200000"/>
-              </a:lnSpc>
-              <a:buFont typeface="Wingdings" panose="05000000000000000000" pitchFamily="2" charset="2"/>
-              <a:buChar char="Ø"/>
-            </a:pPr>
-            <a:r>
-              <a:rPr lang="en-US" sz="1200" dirty="0">
-                <a:solidFill>
-                  <a:srgbClr val="002060"/>
-                </a:solidFill>
-                <a:latin typeface="Verdana" panose="020B0604030504040204" pitchFamily="34" charset="0"/>
-                <a:ea typeface="Verdana" panose="020B0604030504040204" pitchFamily="34" charset="0"/>
-              </a:rPr>
-              <a:t>Compile the Project and View the Messages and gRPC Classes automatically created.</a:t>
-            </a:r>
-          </a:p>
-          <a:p>
-            <a:pPr marL="628650" lvl="1" indent="-171450">
-              <a:lnSpc>
-                <a:spcPct val="200000"/>
-              </a:lnSpc>
-              <a:buFont typeface="Wingdings" panose="05000000000000000000" pitchFamily="2" charset="2"/>
-              <a:buChar char="Ø"/>
-            </a:pPr>
-            <a:r>
-              <a:rPr lang="en-US" sz="1200" dirty="0">
-                <a:solidFill>
-                  <a:srgbClr val="002060"/>
-                </a:solidFill>
-                <a:latin typeface="Verdana" panose="020B0604030504040204" pitchFamily="34" charset="0"/>
-                <a:ea typeface="Verdana" panose="020B0604030504040204" pitchFamily="34" charset="0"/>
-              </a:rPr>
-              <a:t>Implement the gRPC Service inside “</a:t>
-            </a:r>
-            <a:r>
-              <a:rPr lang="en-US" sz="1200" dirty="0" err="1">
-                <a:solidFill>
-                  <a:srgbClr val="002060"/>
-                </a:solidFill>
-                <a:latin typeface="Verdana" panose="020B0604030504040204" pitchFamily="34" charset="0"/>
-                <a:ea typeface="Verdana" panose="020B0604030504040204" pitchFamily="34" charset="0"/>
-              </a:rPr>
-              <a:t>RPCServices</a:t>
-            </a:r>
-            <a:r>
-              <a:rPr lang="en-US" sz="1200" dirty="0">
-                <a:solidFill>
-                  <a:srgbClr val="002060"/>
-                </a:solidFill>
-                <a:latin typeface="Verdana" panose="020B0604030504040204" pitchFamily="34" charset="0"/>
-                <a:ea typeface="Verdana" panose="020B0604030504040204" pitchFamily="34" charset="0"/>
-              </a:rPr>
-              <a:t>” folder.</a:t>
-            </a:r>
-          </a:p>
-          <a:p>
-            <a:pPr marL="628650" lvl="1" indent="-171450">
-              <a:lnSpc>
-                <a:spcPct val="200000"/>
-              </a:lnSpc>
-              <a:buFont typeface="Wingdings" panose="05000000000000000000" pitchFamily="2" charset="2"/>
-              <a:buChar char="Ø"/>
-            </a:pPr>
-            <a:r>
-              <a:rPr lang="en-US" sz="1200" dirty="0">
-                <a:solidFill>
-                  <a:srgbClr val="002060"/>
-                </a:solidFill>
-                <a:latin typeface="Verdana" panose="020B0604030504040204" pitchFamily="34" charset="0"/>
-                <a:ea typeface="Verdana" panose="020B0604030504040204" pitchFamily="34" charset="0"/>
-              </a:rPr>
-              <a:t>Add gRPC to Services Container, and Http Request Pipeline in </a:t>
-            </a:r>
-            <a:r>
-              <a:rPr lang="en-US" sz="1200" dirty="0" err="1">
-                <a:solidFill>
-                  <a:srgbClr val="002060"/>
-                </a:solidFill>
-                <a:latin typeface="Verdana" panose="020B0604030504040204" pitchFamily="34" charset="0"/>
-                <a:ea typeface="Verdana" panose="020B0604030504040204" pitchFamily="34" charset="0"/>
-              </a:rPr>
-              <a:t>StartUp.cs</a:t>
-            </a:r>
-            <a:r>
-              <a:rPr lang="en-US" sz="1200" dirty="0">
-                <a:solidFill>
-                  <a:srgbClr val="002060"/>
-                </a:solidFill>
-                <a:latin typeface="Verdana" panose="020B0604030504040204" pitchFamily="34" charset="0"/>
-                <a:ea typeface="Verdana" panose="020B0604030504040204" pitchFamily="34" charset="0"/>
-              </a:rPr>
-              <a:t>.</a:t>
-            </a:r>
-          </a:p>
-          <a:p>
-            <a:pPr marL="628650" lvl="1" indent="-171450">
-              <a:lnSpc>
-                <a:spcPct val="200000"/>
-              </a:lnSpc>
-              <a:buFont typeface="Wingdings" panose="05000000000000000000" pitchFamily="2" charset="2"/>
-              <a:buChar char="Ø"/>
-            </a:pPr>
-            <a:r>
-              <a:rPr lang="en-US" sz="1200" dirty="0">
-                <a:solidFill>
-                  <a:srgbClr val="002060"/>
-                </a:solidFill>
-                <a:latin typeface="Verdana" panose="020B0604030504040204" pitchFamily="34" charset="0"/>
-                <a:ea typeface="Verdana" panose="020B0604030504040204" pitchFamily="34" charset="0"/>
-              </a:rPr>
-              <a:t>Create a gRPC Client and test the gRPC service.</a:t>
-            </a:r>
-          </a:p>
-          <a:p>
-            <a:pPr marL="628650" lvl="1" indent="-171450">
-              <a:lnSpc>
-                <a:spcPct val="200000"/>
-              </a:lnSpc>
-              <a:buFont typeface="Wingdings" panose="05000000000000000000" pitchFamily="2" charset="2"/>
-              <a:buChar char="Ø"/>
-            </a:pPr>
-            <a:endParaRPr lang="en-US" sz="1200" dirty="0">
-              <a:solidFill>
-                <a:srgbClr val="002060"/>
-              </a:solidFill>
-              <a:latin typeface="Verdana" panose="020B0604030504040204" pitchFamily="34" charset="0"/>
-              <a:ea typeface="Verdana" panose="020B0604030504040204" pitchFamily="34" charset="0"/>
-            </a:endParaRPr>
-          </a:p>
-          <a:p>
-            <a:pPr marL="628650" lvl="1" indent="-171450">
-              <a:lnSpc>
-                <a:spcPct val="200000"/>
-              </a:lnSpc>
-              <a:buFont typeface="Wingdings" panose="05000000000000000000" pitchFamily="2" charset="2"/>
-              <a:buChar char="Ø"/>
-            </a:pPr>
-            <a:endParaRPr lang="en-US" sz="1200" dirty="0">
-              <a:solidFill>
-                <a:srgbClr val="002060"/>
-              </a:solidFill>
-              <a:latin typeface="Verdana" panose="020B0604030504040204" pitchFamily="34" charset="0"/>
-              <a:ea typeface="Verdana" panose="020B0604030504040204" pitchFamily="34" charset="0"/>
-            </a:endParaRPr>
-          </a:p>
-          <a:p>
-            <a:pPr marL="171450" indent="-171450">
-              <a:lnSpc>
-                <a:spcPct val="200000"/>
-              </a:lnSpc>
-              <a:buFont typeface="Wingdings" panose="05000000000000000000" pitchFamily="2" charset="2"/>
-              <a:buChar char="Ø"/>
-            </a:pPr>
-            <a:endParaRPr lang="en-US" sz="1200" dirty="0">
-              <a:solidFill>
-                <a:srgbClr val="002060"/>
-              </a:solidFill>
-              <a:latin typeface="Verdana" panose="020B0604030504040204" pitchFamily="34" charset="0"/>
-              <a:ea typeface="Verdana" panose="020B0604030504040204" pitchFamily="34" charset="0"/>
-            </a:endParaRPr>
-          </a:p>
-        </p:txBody>
-      </p:sp>
-      <p:sp>
-        <p:nvSpPr>
           <p:cNvPr id="12" name="Footer Placeholder 7">
             <a:extLst>
               <a:ext uri="{FF2B5EF4-FFF2-40B4-BE49-F238E27FC236}">
@@ -10398,10 +8360,175 @@
           </a:p>
         </p:txBody>
       </p:sp>
+      <p:sp>
+        <p:nvSpPr>
+          <p:cNvPr id="11" name="Rectangle 10">
+            <a:extLst>
+              <a:ext uri="{FF2B5EF4-FFF2-40B4-BE49-F238E27FC236}">
+                <a16:creationId xmlns:a16="http://schemas.microsoft.com/office/drawing/2014/main" id="{F60D9B38-5067-4841-9B4A-CE7786A2CB4A}"/>
+              </a:ext>
+            </a:extLst>
+          </p:cNvPr>
+          <p:cNvSpPr/>
+          <p:nvPr/>
+        </p:nvSpPr>
+        <p:spPr>
+          <a:xfrm>
+            <a:off x="517279" y="588106"/>
+            <a:ext cx="11121954" cy="4128694"/>
+          </a:xfrm>
+          <a:prstGeom prst="rect">
+            <a:avLst/>
+          </a:prstGeom>
+          <a:noFill/>
+        </p:spPr>
+        <p:txBody>
+          <a:bodyPr wrap="none" lIns="91440" tIns="45720" rIns="91440" bIns="45720">
+            <a:spAutoFit/>
+          </a:bodyPr>
+          <a:lstStyle/>
+          <a:p>
+            <a:pPr algn="ctr"/>
+            <a:r>
+              <a:rPr lang="en-US" sz="8800" b="1" cap="none" spc="0" dirty="0">
+                <a:ln w="9525">
+                  <a:solidFill>
+                    <a:schemeClr val="bg1"/>
+                  </a:solidFill>
+                  <a:prstDash val="solid"/>
+                </a:ln>
+                <a:solidFill>
+                  <a:schemeClr val="accent5"/>
+                </a:solidFill>
+                <a:effectLst>
+                  <a:outerShdw blurRad="12700" dist="38100" dir="2700000" algn="tl" rotWithShape="0">
+                    <a:schemeClr val="accent5">
+                      <a:lumMod val="60000"/>
+                      <a:lumOff val="40000"/>
+                    </a:schemeClr>
+                  </a:outerShdw>
+                </a:effectLst>
+                <a:latin typeface="Verdana" panose="020B0604030504040204" pitchFamily="34" charset="0"/>
+                <a:ea typeface="Verdana" panose="020B0604030504040204" pitchFamily="34" charset="0"/>
+              </a:rPr>
+              <a:t>Demo 1</a:t>
+            </a:r>
+          </a:p>
+          <a:p>
+            <a:pPr marL="1371600" indent="-1371600" algn="ctr">
+              <a:buAutoNum type="arabicPeriod"/>
+            </a:pPr>
+            <a:endParaRPr lang="en-US" sz="4000" b="1" cap="none" spc="0" dirty="0">
+              <a:ln w="9525">
+                <a:solidFill>
+                  <a:schemeClr val="bg1"/>
+                </a:solidFill>
+                <a:prstDash val="solid"/>
+              </a:ln>
+              <a:solidFill>
+                <a:schemeClr val="accent5"/>
+              </a:solidFill>
+              <a:effectLst>
+                <a:outerShdw blurRad="12700" dist="38100" dir="2700000" algn="tl" rotWithShape="0">
+                  <a:schemeClr val="accent5">
+                    <a:lumMod val="60000"/>
+                    <a:lumOff val="40000"/>
+                  </a:schemeClr>
+                </a:outerShdw>
+              </a:effectLst>
+              <a:latin typeface="Verdana" panose="020B0604030504040204" pitchFamily="34" charset="0"/>
+              <a:ea typeface="Verdana" panose="020B0604030504040204" pitchFamily="34" charset="0"/>
+            </a:endParaRPr>
+          </a:p>
+          <a:p>
+            <a:pPr algn="ctr">
+              <a:lnSpc>
+                <a:spcPct val="150000"/>
+              </a:lnSpc>
+            </a:pPr>
+            <a:r>
+              <a:rPr lang="en-US" sz="4800" b="1" dirty="0">
+                <a:ln w="9525">
+                  <a:solidFill>
+                    <a:schemeClr val="bg1"/>
+                  </a:solidFill>
+                  <a:prstDash val="solid"/>
+                </a:ln>
+                <a:solidFill>
+                  <a:schemeClr val="accent5"/>
+                </a:solidFill>
+                <a:effectLst>
+                  <a:outerShdw blurRad="12700" dist="38100" dir="2700000" algn="tl" rotWithShape="0">
+                    <a:schemeClr val="accent5">
+                      <a:lumMod val="60000"/>
+                      <a:lumOff val="40000"/>
+                    </a:schemeClr>
+                  </a:outerShdw>
+                </a:effectLst>
+                <a:latin typeface="Verdana" panose="020B0604030504040204" pitchFamily="34" charset="0"/>
+                <a:ea typeface="Verdana" panose="020B0604030504040204" pitchFamily="34" charset="0"/>
+              </a:rPr>
+              <a:t>Hosting a couple of Middle tier </a:t>
+            </a:r>
+          </a:p>
+          <a:p>
+            <a:pPr algn="ctr">
+              <a:lnSpc>
+                <a:spcPct val="150000"/>
+              </a:lnSpc>
+            </a:pPr>
+            <a:r>
+              <a:rPr lang="en-US" sz="4800" b="1" dirty="0">
+                <a:ln w="9525">
+                  <a:solidFill>
+                    <a:schemeClr val="bg1"/>
+                  </a:solidFill>
+                  <a:prstDash val="solid"/>
+                </a:ln>
+                <a:solidFill>
+                  <a:schemeClr val="accent5"/>
+                </a:solidFill>
+                <a:effectLst>
+                  <a:outerShdw blurRad="12700" dist="38100" dir="2700000" algn="tl" rotWithShape="0">
+                    <a:schemeClr val="accent5">
+                      <a:lumMod val="60000"/>
+                      <a:lumOff val="40000"/>
+                    </a:schemeClr>
+                  </a:outerShdw>
+                </a:effectLst>
+                <a:latin typeface="Verdana" panose="020B0604030504040204" pitchFamily="34" charset="0"/>
+                <a:ea typeface="Verdana" panose="020B0604030504040204" pitchFamily="34" charset="0"/>
+              </a:rPr>
+              <a:t>services as web API into Azure.</a:t>
+            </a:r>
+            <a:endParaRPr lang="en-US" sz="4800" b="1" cap="none" spc="0" dirty="0">
+              <a:ln w="9525">
+                <a:solidFill>
+                  <a:schemeClr val="bg1"/>
+                </a:solidFill>
+                <a:prstDash val="solid"/>
+              </a:ln>
+              <a:solidFill>
+                <a:schemeClr val="accent5"/>
+              </a:solidFill>
+              <a:effectLst>
+                <a:outerShdw blurRad="12700" dist="38100" dir="2700000" algn="tl" rotWithShape="0">
+                  <a:schemeClr val="accent5">
+                    <a:lumMod val="60000"/>
+                    <a:lumOff val="40000"/>
+                  </a:schemeClr>
+                </a:outerShdw>
+              </a:effectLst>
+              <a:latin typeface="Verdana" panose="020B0604030504040204" pitchFamily="34" charset="0"/>
+              <a:ea typeface="Verdana" panose="020B0604030504040204" pitchFamily="34" charset="0"/>
+            </a:endParaRPr>
+          </a:p>
+        </p:txBody>
+      </p:sp>
     </p:spTree>
     <p:extLst>
       <p:ext uri="{BB962C8B-B14F-4D97-AF65-F5344CB8AC3E}">
-        <p14:creationId xmlns:p14="http://schemas.microsoft.com/office/powerpoint/2010/main" val="2966724908"/>
+        <p14:creationId xmlns:p14="http://schemas.microsoft.com/office/powerpoint/2010/main" val="2885900891"/>
       </p:ext>
     </p:extLst>
   </p:cSld>
@@ -10473,6 +8600,13 @@
           <a:lstStyle/>
           <a:p>
             <a:pPr algn="ctr"/>
+            <a:r>
+              <a:rPr lang="en-US" b="1" dirty="0">
+                <a:latin typeface="Verdana" panose="020B0604030504040204" pitchFamily="34" charset="0"/>
+                <a:ea typeface="Verdana" panose="020B0604030504040204" pitchFamily="34" charset="0"/>
+              </a:rPr>
+              <a:t>Creating Azure API Management and adding the two Middle Tier Services</a:t>
+            </a:r>
             <a:endParaRPr lang="en-IN" b="1" dirty="0">
               <a:latin typeface="Verdana" panose="020B0604030504040204" pitchFamily="34" charset="0"/>
               <a:ea typeface="Verdana" panose="020B0604030504040204" pitchFamily="34" charset="0"/>
@@ -10755,20 +8889,20 @@
       </p:sp>
       <p:sp>
         <p:nvSpPr>
-          <p:cNvPr id="11" name="Rectangle 10">
-            <a:extLst>
-              <a:ext uri="{FF2B5EF4-FFF2-40B4-BE49-F238E27FC236}">
-                <a16:creationId xmlns:a16="http://schemas.microsoft.com/office/drawing/2014/main" id="{F60D9B38-5067-4841-9B4A-CE7786A2CB4A}"/>
-              </a:ext>
-            </a:extLst>
-          </p:cNvPr>
-          <p:cNvSpPr/>
+          <p:cNvPr id="10" name="TextBox 9">
+            <a:extLst>
+              <a:ext uri="{FF2B5EF4-FFF2-40B4-BE49-F238E27FC236}">
+                <a16:creationId xmlns:a16="http://schemas.microsoft.com/office/drawing/2014/main" id="{3F57BFF1-0046-4C84-A430-03E3F25BA26D}"/>
+              </a:ext>
+            </a:extLst>
+          </p:cNvPr>
+          <p:cNvSpPr txBox="1"/>
           <p:nvPr/>
         </p:nvSpPr>
         <p:spPr>
           <a:xfrm>
-            <a:off x="2206043" y="588106"/>
-            <a:ext cx="7744428" cy="4128694"/>
+            <a:off x="80629" y="602214"/>
+            <a:ext cx="12037390" cy="4300473"/>
           </a:xfrm>
           <a:prstGeom prst="rect">
             <a:avLst/>
@@ -10776,200 +8910,228 @@
           <a:noFill/>
         </p:spPr>
         <p:txBody>
-          <a:bodyPr wrap="none" lIns="91440" tIns="45720" rIns="91440" bIns="45720">
+          <a:bodyPr wrap="square" rtlCol="0">
             <a:spAutoFit/>
           </a:bodyPr>
           <a:lstStyle/>
           <a:p>
-            <a:pPr algn="ctr"/>
-            <a:r>
-              <a:rPr lang="en-US" sz="8800" b="1" cap="none" spc="0" dirty="0">
-                <a:ln w="9525">
-                  <a:solidFill>
-                    <a:schemeClr val="bg1"/>
-                  </a:solidFill>
-                  <a:prstDash val="solid"/>
-                </a:ln>
-                <a:solidFill>
-                  <a:schemeClr val="accent5"/>
-                </a:solidFill>
-                <a:effectLst>
-                  <a:outerShdw blurRad="12700" dist="38100" dir="2700000" algn="tl" rotWithShape="0">
-                    <a:schemeClr val="accent5">
-                      <a:lumMod val="60000"/>
-                      <a:lumOff val="40000"/>
-                    </a:schemeClr>
-                  </a:outerShdw>
-                </a:effectLst>
-                <a:latin typeface="Verdana" panose="020B0604030504040204" pitchFamily="34" charset="0"/>
-                <a:ea typeface="Verdana" panose="020B0604030504040204" pitchFamily="34" charset="0"/>
-              </a:rPr>
-              <a:t>Demo 2</a:t>
-            </a:r>
-          </a:p>
-          <a:p>
-            <a:pPr marL="1371600" indent="-1371600" algn="ctr">
-              <a:buAutoNum type="arabicPeriod"/>
+            <a:pPr>
+              <a:lnSpc>
+                <a:spcPct val="200000"/>
+              </a:lnSpc>
             </a:pPr>
-            <a:endParaRPr lang="en-US" sz="4000" b="1" cap="none" spc="0" dirty="0">
-              <a:ln w="9525">
-                <a:solidFill>
-                  <a:schemeClr val="bg1"/>
-                </a:solidFill>
-                <a:prstDash val="solid"/>
-              </a:ln>
+            <a:r>
+              <a:rPr lang="en-US" sz="2000" dirty="0">
+                <a:solidFill>
+                  <a:srgbClr val="002060"/>
+                </a:solidFill>
+                <a:latin typeface="Verdana" panose="020B0604030504040204" pitchFamily="34" charset="0"/>
+                <a:ea typeface="Verdana" panose="020B0604030504040204" pitchFamily="34" charset="0"/>
+              </a:rPr>
+              <a:t>Hosting Middle Tier to Azure</a:t>
+            </a:r>
+          </a:p>
+          <a:p>
+            <a:pPr marL="171450" indent="-171450">
+              <a:lnSpc>
+                <a:spcPct val="200000"/>
+              </a:lnSpc>
+              <a:buFont typeface="Wingdings" panose="05000000000000000000" pitchFamily="2" charset="2"/>
+              <a:buChar char="Ø"/>
+            </a:pPr>
+            <a:r>
+              <a:rPr lang="en-US" sz="2000" dirty="0">
+                <a:solidFill>
+                  <a:srgbClr val="002060"/>
+                </a:solidFill>
+                <a:latin typeface="Verdana" panose="020B0604030504040204" pitchFamily="34" charset="0"/>
+                <a:ea typeface="Verdana" panose="020B0604030504040204" pitchFamily="34" charset="0"/>
+              </a:rPr>
+              <a:t> We have created two API Management.</a:t>
+            </a:r>
+          </a:p>
+          <a:p>
+            <a:pPr marL="800100" lvl="1" indent="-342900">
+              <a:lnSpc>
+                <a:spcPct val="200000"/>
+              </a:lnSpc>
+              <a:buFont typeface="Wingdings" panose="05000000000000000000" pitchFamily="2" charset="2"/>
+              <a:buChar char="ü"/>
+            </a:pPr>
+            <a:r>
+              <a:rPr lang="en-US" sz="2000" dirty="0">
+                <a:solidFill>
+                  <a:srgbClr val="002060"/>
+                </a:solidFill>
+                <a:latin typeface="Verdana" panose="020B0604030504040204" pitchFamily="34" charset="0"/>
+                <a:ea typeface="Verdana" panose="020B0604030504040204" pitchFamily="34" charset="0"/>
+              </a:rPr>
+              <a:t>college-service-</a:t>
+            </a:r>
+            <a:r>
+              <a:rPr lang="en-US" sz="2000" dirty="0" err="1">
+                <a:solidFill>
+                  <a:srgbClr val="002060"/>
+                </a:solidFill>
+                <a:latin typeface="Verdana" panose="020B0604030504040204" pitchFamily="34" charset="0"/>
+                <a:ea typeface="Verdana" panose="020B0604030504040204" pitchFamily="34" charset="0"/>
+              </a:rPr>
+              <a:t>apimgw</a:t>
+            </a:r>
+            <a:endParaRPr lang="en-US" sz="2000" dirty="0">
               <a:solidFill>
-                <a:schemeClr val="accent5"/>
+                <a:srgbClr val="002060"/>
               </a:solidFill>
-              <a:effectLst>
-                <a:outerShdw blurRad="12700" dist="38100" dir="2700000" algn="tl" rotWithShape="0">
-                  <a:schemeClr val="accent5">
-                    <a:lumMod val="60000"/>
-                    <a:lumOff val="40000"/>
-                  </a:schemeClr>
-                </a:outerShdw>
-              </a:effectLst>
               <a:latin typeface="Verdana" panose="020B0604030504040204" pitchFamily="34" charset="0"/>
               <a:ea typeface="Verdana" panose="020B0604030504040204" pitchFamily="34" charset="0"/>
             </a:endParaRPr>
           </a:p>
           <a:p>
-            <a:pPr algn="ctr">
+            <a:pPr marL="800100" lvl="1" indent="-342900">
               <a:lnSpc>
-                <a:spcPct val="150000"/>
+                <a:spcPct val="200000"/>
               </a:lnSpc>
+              <a:buFont typeface="Wingdings" panose="05000000000000000000" pitchFamily="2" charset="2"/>
+              <a:buChar char="ü"/>
             </a:pPr>
             <a:r>
-              <a:rPr lang="en-US" sz="4800" b="1" dirty="0">
-                <a:ln w="9525">
-                  <a:solidFill>
-                    <a:schemeClr val="bg1"/>
-                  </a:solidFill>
-                  <a:prstDash val="solid"/>
-                </a:ln>
-                <a:solidFill>
-                  <a:schemeClr val="accent5"/>
-                </a:solidFill>
-                <a:effectLst>
-                  <a:outerShdw blurRad="12700" dist="38100" dir="2700000" algn="tl" rotWithShape="0">
-                    <a:schemeClr val="accent5">
-                      <a:lumMod val="60000"/>
-                      <a:lumOff val="40000"/>
-                    </a:schemeClr>
-                  </a:outerShdw>
-                </a:effectLst>
-                <a:latin typeface="Verdana" panose="020B0604030504040204" pitchFamily="34" charset="0"/>
-                <a:ea typeface="Verdana" panose="020B0604030504040204" pitchFamily="34" charset="0"/>
-              </a:rPr>
-              <a:t>Adding gRPC to </a:t>
-            </a:r>
-          </a:p>
-          <a:p>
-            <a:pPr algn="ctr">
-              <a:lnSpc>
-                <a:spcPct val="150000"/>
-              </a:lnSpc>
-            </a:pPr>
-            <a:r>
-              <a:rPr lang="en-US" sz="4800" b="1" dirty="0">
-                <a:ln w="9525">
-                  <a:solidFill>
-                    <a:schemeClr val="bg1"/>
-                  </a:solidFill>
-                  <a:prstDash val="solid"/>
-                </a:ln>
-                <a:solidFill>
-                  <a:schemeClr val="accent5"/>
-                </a:solidFill>
-                <a:effectLst>
-                  <a:outerShdw blurRad="12700" dist="38100" dir="2700000" algn="tl" rotWithShape="0">
-                    <a:schemeClr val="accent5">
-                      <a:lumMod val="60000"/>
-                      <a:lumOff val="40000"/>
-                    </a:schemeClr>
-                  </a:outerShdw>
-                </a:effectLst>
-                <a:latin typeface="Verdana" panose="020B0604030504040204" pitchFamily="34" charset="0"/>
-                <a:ea typeface="Verdana" panose="020B0604030504040204" pitchFamily="34" charset="0"/>
-              </a:rPr>
-              <a:t>existing </a:t>
-            </a:r>
-            <a:r>
-              <a:rPr lang="en-US" sz="4800" b="1" dirty="0" err="1">
-                <a:ln w="9525">
-                  <a:solidFill>
-                    <a:schemeClr val="bg1"/>
-                  </a:solidFill>
-                  <a:prstDash val="solid"/>
-                </a:ln>
-                <a:solidFill>
-                  <a:schemeClr val="accent5"/>
-                </a:solidFill>
-                <a:effectLst>
-                  <a:outerShdw blurRad="12700" dist="38100" dir="2700000" algn="tl" rotWithShape="0">
-                    <a:schemeClr val="accent5">
-                      <a:lumMod val="60000"/>
-                      <a:lumOff val="40000"/>
-                    </a:schemeClr>
-                  </a:outerShdw>
-                </a:effectLst>
-                <a:latin typeface="Verdana" panose="020B0604030504040204" pitchFamily="34" charset="0"/>
-                <a:ea typeface="Verdana" panose="020B0604030504040204" pitchFamily="34" charset="0"/>
-              </a:rPr>
-              <a:t>APS.Net</a:t>
-            </a:r>
-            <a:r>
-              <a:rPr lang="en-US" sz="4800" b="1" dirty="0">
-                <a:ln w="9525">
-                  <a:solidFill>
-                    <a:schemeClr val="bg1"/>
-                  </a:solidFill>
-                  <a:prstDash val="solid"/>
-                </a:ln>
-                <a:solidFill>
-                  <a:schemeClr val="accent5"/>
-                </a:solidFill>
-                <a:effectLst>
-                  <a:outerShdw blurRad="12700" dist="38100" dir="2700000" algn="tl" rotWithShape="0">
-                    <a:schemeClr val="accent5">
-                      <a:lumMod val="60000"/>
-                      <a:lumOff val="40000"/>
-                    </a:schemeClr>
-                  </a:outerShdw>
-                </a:effectLst>
-                <a:latin typeface="Verdana" panose="020B0604030504040204" pitchFamily="34" charset="0"/>
-                <a:ea typeface="Verdana" panose="020B0604030504040204" pitchFamily="34" charset="0"/>
-              </a:rPr>
-              <a:t> Core</a:t>
-            </a:r>
-            <a:endParaRPr lang="en-US" sz="4000" b="1" cap="none" spc="0" dirty="0">
-              <a:ln w="9525">
-                <a:solidFill>
-                  <a:schemeClr val="bg1"/>
-                </a:solidFill>
-                <a:prstDash val="solid"/>
-              </a:ln>
+              <a:rPr lang="en-US" sz="2000" dirty="0">
+                <a:solidFill>
+                  <a:srgbClr val="002060"/>
+                </a:solidFill>
+                <a:latin typeface="Verdana" panose="020B0604030504040204" pitchFamily="34" charset="0"/>
+                <a:ea typeface="Verdana" panose="020B0604030504040204" pitchFamily="34" charset="0"/>
+              </a:rPr>
+              <a:t>weather-forecast-</a:t>
+            </a:r>
+            <a:r>
+              <a:rPr lang="en-US" sz="2000" dirty="0" err="1">
+                <a:solidFill>
+                  <a:srgbClr val="002060"/>
+                </a:solidFill>
+                <a:latin typeface="Verdana" panose="020B0604030504040204" pitchFamily="34" charset="0"/>
+                <a:ea typeface="Verdana" panose="020B0604030504040204" pitchFamily="34" charset="0"/>
+              </a:rPr>
+              <a:t>apimgw</a:t>
+            </a:r>
+            <a:endParaRPr lang="en-US" sz="2000" dirty="0">
               <a:solidFill>
-                <a:schemeClr val="accent5"/>
+                <a:srgbClr val="002060"/>
               </a:solidFill>
-              <a:effectLst>
-                <a:outerShdw blurRad="12700" dist="38100" dir="2700000" algn="tl" rotWithShape="0">
-                  <a:schemeClr val="accent5">
-                    <a:lumMod val="60000"/>
-                    <a:lumOff val="40000"/>
-                  </a:schemeClr>
-                </a:outerShdw>
-              </a:effectLst>
               <a:latin typeface="Verdana" panose="020B0604030504040204" pitchFamily="34" charset="0"/>
               <a:ea typeface="Verdana" panose="020B0604030504040204" pitchFamily="34" charset="0"/>
             </a:endParaRPr>
           </a:p>
+          <a:p>
+            <a:pPr marL="171450" indent="-171450">
+              <a:lnSpc>
+                <a:spcPct val="200000"/>
+              </a:lnSpc>
+              <a:buFont typeface="Wingdings" panose="05000000000000000000" pitchFamily="2" charset="2"/>
+              <a:buChar char="Ø"/>
+            </a:pPr>
+            <a:r>
+              <a:rPr lang="en-US" sz="2000" dirty="0">
+                <a:solidFill>
+                  <a:srgbClr val="002060"/>
+                </a:solidFill>
+                <a:latin typeface="Verdana" panose="020B0604030504040204" pitchFamily="34" charset="0"/>
+                <a:ea typeface="Verdana" panose="020B0604030504040204" pitchFamily="34" charset="0"/>
+              </a:rPr>
+              <a:t> college-service-</a:t>
+            </a:r>
+            <a:r>
+              <a:rPr lang="en-US" sz="2000" dirty="0" err="1">
+                <a:solidFill>
+                  <a:srgbClr val="002060"/>
+                </a:solidFill>
+                <a:latin typeface="Verdana" panose="020B0604030504040204" pitchFamily="34" charset="0"/>
+                <a:ea typeface="Verdana" panose="020B0604030504040204" pitchFamily="34" charset="0"/>
+              </a:rPr>
+              <a:t>apimgw</a:t>
+            </a:r>
+            <a:r>
+              <a:rPr lang="en-US" sz="2000" dirty="0">
+                <a:solidFill>
+                  <a:srgbClr val="002060"/>
+                </a:solidFill>
+                <a:latin typeface="Verdana" panose="020B0604030504040204" pitchFamily="34" charset="0"/>
+                <a:ea typeface="Verdana" panose="020B0604030504040204" pitchFamily="34" charset="0"/>
+              </a:rPr>
+              <a:t> has been published. We will test using Postman.</a:t>
+            </a:r>
+          </a:p>
+          <a:p>
+            <a:pPr marL="171450" indent="-171450">
+              <a:lnSpc>
+                <a:spcPct val="200000"/>
+              </a:lnSpc>
+              <a:buFont typeface="Wingdings" panose="05000000000000000000" pitchFamily="2" charset="2"/>
+              <a:buChar char="Ø"/>
+            </a:pPr>
+            <a:r>
+              <a:rPr lang="en-US" sz="2000" dirty="0">
+                <a:solidFill>
+                  <a:srgbClr val="002060"/>
+                </a:solidFill>
+                <a:latin typeface="Verdana" panose="020B0604030504040204" pitchFamily="34" charset="0"/>
+                <a:ea typeface="Verdana" panose="020B0604030504040204" pitchFamily="34" charset="0"/>
+              </a:rPr>
+              <a:t> We will configure weather-forecast-</a:t>
+            </a:r>
+            <a:r>
+              <a:rPr lang="en-US" sz="2000" dirty="0" err="1">
+                <a:solidFill>
+                  <a:srgbClr val="002060"/>
+                </a:solidFill>
+                <a:latin typeface="Verdana" panose="020B0604030504040204" pitchFamily="34" charset="0"/>
+                <a:ea typeface="Verdana" panose="020B0604030504040204" pitchFamily="34" charset="0"/>
+              </a:rPr>
+              <a:t>apimgw</a:t>
+            </a:r>
+            <a:r>
+              <a:rPr lang="en-US" sz="2000" dirty="0">
+                <a:solidFill>
+                  <a:srgbClr val="002060"/>
+                </a:solidFill>
+                <a:latin typeface="Verdana" panose="020B0604030504040204" pitchFamily="34" charset="0"/>
+                <a:ea typeface="Verdana" panose="020B0604030504040204" pitchFamily="34" charset="0"/>
+              </a:rPr>
+              <a:t> now.</a:t>
+            </a:r>
+          </a:p>
+          <a:p>
+            <a:pPr marL="171450" indent="-171450">
+              <a:lnSpc>
+                <a:spcPct val="200000"/>
+              </a:lnSpc>
+              <a:buFont typeface="Wingdings" panose="05000000000000000000" pitchFamily="2" charset="2"/>
+              <a:buChar char="Ø"/>
+            </a:pPr>
+            <a:r>
+              <a:rPr lang="en-US" sz="2000" dirty="0">
+                <a:solidFill>
+                  <a:srgbClr val="002060"/>
+                </a:solidFill>
+                <a:latin typeface="Verdana" panose="020B0604030504040204" pitchFamily="34" charset="0"/>
+                <a:ea typeface="Verdana" panose="020B0604030504040204" pitchFamily="34" charset="0"/>
+              </a:rPr>
+              <a:t> Verify the Weather Forecasting APIM using Postman.</a:t>
+            </a:r>
+            <a:endParaRPr lang="en-IN" sz="2000" dirty="0">
+              <a:solidFill>
+                <a:srgbClr val="002060"/>
+              </a:solidFill>
+              <a:latin typeface="Verdana" panose="020B0604030504040204" pitchFamily="34" charset="0"/>
+              <a:ea typeface="Verdana" panose="020B0604030504040204" pitchFamily="34" charset="0"/>
+            </a:endParaRPr>
+          </a:p>
         </p:txBody>
       </p:sp>
     </p:spTree>
     <p:extLst>
       <p:ext uri="{BB962C8B-B14F-4D97-AF65-F5344CB8AC3E}">
-        <p14:creationId xmlns:p14="http://schemas.microsoft.com/office/powerpoint/2010/main" val="1391075928"/>
+        <p14:creationId xmlns:p14="http://schemas.microsoft.com/office/powerpoint/2010/main" val="308079843"/>
       </p:ext>
     </p:extLst>
   </p:cSld>
@@ -11046,7 +9208,7 @@
                 <a:latin typeface="Verdana" panose="020B0604030504040204" pitchFamily="34" charset="0"/>
                 <a:ea typeface="Verdana" panose="020B0604030504040204" pitchFamily="34" charset="0"/>
               </a:rPr>
-              <a:t>Protocol Buffers</a:t>
+              <a:t>Creating Azure API Management and adding the two Middle Tier Services</a:t>
             </a:r>
             <a:endParaRPr lang="en-IN" b="1" dirty="0">
               <a:latin typeface="Verdana" panose="020B0604030504040204" pitchFamily="34" charset="0"/>
@@ -11194,417 +9356,6 @@
       </p:sp>
       <p:sp>
         <p:nvSpPr>
-          <p:cNvPr id="10" name="TextBox 9">
-            <a:extLst>
-              <a:ext uri="{FF2B5EF4-FFF2-40B4-BE49-F238E27FC236}">
-                <a16:creationId xmlns:a16="http://schemas.microsoft.com/office/drawing/2014/main" id="{01677BED-4C67-48F6-8772-07696F9A1F04}"/>
-              </a:ext>
-            </a:extLst>
-          </p:cNvPr>
-          <p:cNvSpPr txBox="1"/>
-          <p:nvPr/>
-        </p:nvSpPr>
-        <p:spPr>
-          <a:xfrm>
-            <a:off x="80629" y="602214"/>
-            <a:ext cx="12037390" cy="4801314"/>
-          </a:xfrm>
-          <a:prstGeom prst="rect">
-            <a:avLst/>
-          </a:prstGeom>
-          <a:noFill/>
-        </p:spPr>
-        <p:txBody>
-          <a:bodyPr wrap="square" rtlCol="0">
-            <a:spAutoFit/>
-          </a:bodyPr>
-          <a:lstStyle/>
-          <a:p>
-            <a:pPr>
-              <a:lnSpc>
-                <a:spcPct val="150000"/>
-              </a:lnSpc>
-            </a:pPr>
-            <a:r>
-              <a:rPr lang="en-US" sz="1200" dirty="0">
-                <a:solidFill>
-                  <a:srgbClr val="002060"/>
-                </a:solidFill>
-                <a:latin typeface="Verdana" panose="020B0604030504040204" pitchFamily="34" charset="0"/>
-                <a:ea typeface="Verdana" panose="020B0604030504040204" pitchFamily="34" charset="0"/>
-              </a:rPr>
-              <a:t>Protocol Buffers is an interface language used to build contracts.</a:t>
-            </a:r>
-          </a:p>
-          <a:p>
-            <a:pPr>
-              <a:lnSpc>
-                <a:spcPct val="150000"/>
-              </a:lnSpc>
-            </a:pPr>
-            <a:r>
-              <a:rPr lang="en-US" sz="1200" dirty="0">
-                <a:solidFill>
-                  <a:srgbClr val="002060"/>
-                </a:solidFill>
-                <a:latin typeface="Verdana" panose="020B0604030504040204" pitchFamily="34" charset="0"/>
-                <a:ea typeface="Verdana" panose="020B0604030504040204" pitchFamily="34" charset="0"/>
-              </a:rPr>
-              <a:t>Tools are available for the most common programming languages to translate these </a:t>
-            </a:r>
-            <a:r>
-              <a:rPr lang="en-US" sz="1200" dirty="0" err="1">
-                <a:solidFill>
-                  <a:srgbClr val="002060"/>
-                </a:solidFill>
-                <a:latin typeface="Verdana" panose="020B0604030504040204" pitchFamily="34" charset="0"/>
-                <a:ea typeface="Verdana" panose="020B0604030504040204" pitchFamily="34" charset="0"/>
-              </a:rPr>
-              <a:t>Protobuf</a:t>
-            </a:r>
-            <a:r>
-              <a:rPr lang="en-US" sz="1200" dirty="0">
-                <a:solidFill>
-                  <a:srgbClr val="002060"/>
-                </a:solidFill>
-                <a:latin typeface="Verdana" panose="020B0604030504040204" pitchFamily="34" charset="0"/>
-                <a:ea typeface="Verdana" panose="020B0604030504040204" pitchFamily="34" charset="0"/>
-              </a:rPr>
-              <a:t> interfaces into code.</a:t>
-            </a:r>
-          </a:p>
-          <a:p>
-            <a:pPr>
-              <a:lnSpc>
-                <a:spcPct val="150000"/>
-              </a:lnSpc>
-            </a:pPr>
-            <a:r>
-              <a:rPr lang="en-US" sz="1200" dirty="0">
-                <a:solidFill>
-                  <a:srgbClr val="002060"/>
-                </a:solidFill>
-                <a:latin typeface="Verdana" panose="020B0604030504040204" pitchFamily="34" charset="0"/>
-                <a:ea typeface="Verdana" panose="020B0604030504040204" pitchFamily="34" charset="0"/>
-              </a:rPr>
-              <a:t>Interface Definition Language | Language-neutral | Platform-neutral | Serializable</a:t>
-            </a:r>
-          </a:p>
-          <a:p>
-            <a:endParaRPr lang="en-US" sz="1200" dirty="0">
-              <a:solidFill>
-                <a:srgbClr val="002060"/>
-              </a:solidFill>
-              <a:latin typeface="Verdana" panose="020B0604030504040204" pitchFamily="34" charset="0"/>
-              <a:ea typeface="Verdana" panose="020B0604030504040204" pitchFamily="34" charset="0"/>
-            </a:endParaRPr>
-          </a:p>
-          <a:p>
-            <a:r>
-              <a:rPr lang="en-US" sz="1200" dirty="0">
-                <a:solidFill>
-                  <a:srgbClr val="002060"/>
-                </a:solidFill>
-                <a:latin typeface="Verdana" panose="020B0604030504040204" pitchFamily="34" charset="0"/>
-                <a:ea typeface="Verdana" panose="020B0604030504040204" pitchFamily="34" charset="0"/>
-              </a:rPr>
-              <a:t>1. Version 3 (proto3)</a:t>
-            </a:r>
-          </a:p>
-          <a:p>
-            <a:r>
-              <a:rPr lang="en-US" sz="1200" dirty="0">
-                <a:solidFill>
-                  <a:srgbClr val="002060"/>
-                </a:solidFill>
-                <a:latin typeface="Verdana" panose="020B0604030504040204" pitchFamily="34" charset="0"/>
-                <a:ea typeface="Verdana" panose="020B0604030504040204" pitchFamily="34" charset="0"/>
-              </a:rPr>
-              <a:t>proto2 and proto3. In C#, generated classes will be placed in a namespace matching the package name if </a:t>
-            </a:r>
-            <a:r>
-              <a:rPr lang="en-US" sz="1200" dirty="0" err="1">
-                <a:solidFill>
-                  <a:srgbClr val="002060"/>
-                </a:solidFill>
-                <a:latin typeface="Verdana" panose="020B0604030504040204" pitchFamily="34" charset="0"/>
-                <a:ea typeface="Verdana" panose="020B0604030504040204" pitchFamily="34" charset="0"/>
-              </a:rPr>
-              <a:t>csharp_namespace</a:t>
-            </a:r>
-            <a:r>
-              <a:rPr lang="en-US" sz="1200" dirty="0">
-                <a:solidFill>
-                  <a:srgbClr val="002060"/>
-                </a:solidFill>
-                <a:latin typeface="Verdana" panose="020B0604030504040204" pitchFamily="34" charset="0"/>
-                <a:ea typeface="Verdana" panose="020B0604030504040204" pitchFamily="34" charset="0"/>
-              </a:rPr>
-              <a:t> is not specified.</a:t>
-            </a:r>
-          </a:p>
-          <a:p>
-            <a:endParaRPr lang="en-US" sz="1200" dirty="0">
-              <a:solidFill>
-                <a:srgbClr val="002060"/>
-              </a:solidFill>
-              <a:latin typeface="Verdana" panose="020B0604030504040204" pitchFamily="34" charset="0"/>
-              <a:ea typeface="Verdana" panose="020B0604030504040204" pitchFamily="34" charset="0"/>
-            </a:endParaRPr>
-          </a:p>
-          <a:p>
-            <a:r>
-              <a:rPr lang="en-US" sz="1200" dirty="0">
-                <a:solidFill>
-                  <a:srgbClr val="002060"/>
-                </a:solidFill>
-                <a:latin typeface="Verdana" panose="020B0604030504040204" pitchFamily="34" charset="0"/>
-                <a:ea typeface="Verdana" panose="020B0604030504040204" pitchFamily="34" charset="0"/>
-              </a:rPr>
-              <a:t>2. Defining A Message Type</a:t>
-            </a:r>
-          </a:p>
-          <a:p>
-            <a:endParaRPr lang="en-US" sz="1200" dirty="0">
-              <a:solidFill>
-                <a:srgbClr val="002060"/>
-              </a:solidFill>
-              <a:latin typeface="Verdana" panose="020B0604030504040204" pitchFamily="34" charset="0"/>
-              <a:ea typeface="Verdana" panose="020B0604030504040204" pitchFamily="34" charset="0"/>
-            </a:endParaRPr>
-          </a:p>
-          <a:p>
-            <a:r>
-              <a:rPr lang="en-US" sz="1200" dirty="0">
-                <a:solidFill>
-                  <a:srgbClr val="0070C0"/>
-                </a:solidFill>
-                <a:latin typeface="Verdana" panose="020B0604030504040204" pitchFamily="34" charset="0"/>
-                <a:ea typeface="Verdana" panose="020B0604030504040204" pitchFamily="34" charset="0"/>
-              </a:rPr>
-              <a:t>message </a:t>
-            </a:r>
-            <a:r>
-              <a:rPr lang="en-US" sz="1200" dirty="0" err="1">
-                <a:solidFill>
-                  <a:srgbClr val="0070C0"/>
-                </a:solidFill>
-                <a:latin typeface="Verdana" panose="020B0604030504040204" pitchFamily="34" charset="0"/>
-                <a:ea typeface="Verdana" panose="020B0604030504040204" pitchFamily="34" charset="0"/>
-              </a:rPr>
-              <a:t>SimpleRequest</a:t>
-            </a:r>
-            <a:r>
-              <a:rPr lang="en-US" sz="1200" dirty="0">
-                <a:solidFill>
-                  <a:srgbClr val="0070C0"/>
-                </a:solidFill>
-                <a:latin typeface="Verdana" panose="020B0604030504040204" pitchFamily="34" charset="0"/>
-                <a:ea typeface="Verdana" panose="020B0604030504040204" pitchFamily="34" charset="0"/>
-              </a:rPr>
-              <a:t> {</a:t>
-            </a:r>
-          </a:p>
-          <a:p>
-            <a:r>
-              <a:rPr lang="en-US" sz="1200" dirty="0">
-                <a:solidFill>
-                  <a:srgbClr val="0070C0"/>
-                </a:solidFill>
-                <a:latin typeface="Verdana" panose="020B0604030504040204" pitchFamily="34" charset="0"/>
-                <a:ea typeface="Verdana" panose="020B0604030504040204" pitchFamily="34" charset="0"/>
-              </a:rPr>
-              <a:t>  string </a:t>
-            </a:r>
-            <a:r>
-              <a:rPr lang="en-US" sz="1200" dirty="0" err="1">
-                <a:solidFill>
-                  <a:srgbClr val="0070C0"/>
-                </a:solidFill>
-                <a:latin typeface="Verdana" panose="020B0604030504040204" pitchFamily="34" charset="0"/>
-                <a:ea typeface="Verdana" panose="020B0604030504040204" pitchFamily="34" charset="0"/>
-              </a:rPr>
-              <a:t>userName</a:t>
-            </a:r>
-            <a:r>
-              <a:rPr lang="en-US" sz="1200" dirty="0">
-                <a:solidFill>
-                  <a:srgbClr val="0070C0"/>
-                </a:solidFill>
-                <a:latin typeface="Verdana" panose="020B0604030504040204" pitchFamily="34" charset="0"/>
-                <a:ea typeface="Verdana" panose="020B0604030504040204" pitchFamily="34" charset="0"/>
-              </a:rPr>
-              <a:t> = 1;</a:t>
-            </a:r>
-          </a:p>
-          <a:p>
-            <a:r>
-              <a:rPr lang="en-US" sz="1200" dirty="0">
-                <a:solidFill>
-                  <a:srgbClr val="0070C0"/>
-                </a:solidFill>
-                <a:latin typeface="Verdana" panose="020B0604030504040204" pitchFamily="34" charset="0"/>
-                <a:ea typeface="Verdana" panose="020B0604030504040204" pitchFamily="34" charset="0"/>
-              </a:rPr>
-              <a:t>  int32 </a:t>
-            </a:r>
-            <a:r>
-              <a:rPr lang="en-US" sz="1200" dirty="0" err="1">
-                <a:solidFill>
-                  <a:srgbClr val="0070C0"/>
-                </a:solidFill>
-                <a:latin typeface="Verdana" panose="020B0604030504040204" pitchFamily="34" charset="0"/>
-                <a:ea typeface="Verdana" panose="020B0604030504040204" pitchFamily="34" charset="0"/>
-              </a:rPr>
-              <a:t>userId</a:t>
-            </a:r>
-            <a:r>
-              <a:rPr lang="en-US" sz="1200" dirty="0">
-                <a:solidFill>
-                  <a:srgbClr val="0070C0"/>
-                </a:solidFill>
-                <a:latin typeface="Verdana" panose="020B0604030504040204" pitchFamily="34" charset="0"/>
-                <a:ea typeface="Verdana" panose="020B0604030504040204" pitchFamily="34" charset="0"/>
-              </a:rPr>
-              <a:t> = 2;</a:t>
-            </a:r>
-          </a:p>
-          <a:p>
-            <a:r>
-              <a:rPr lang="en-US" sz="1200" dirty="0">
-                <a:solidFill>
-                  <a:srgbClr val="0070C0"/>
-                </a:solidFill>
-                <a:latin typeface="Verdana" panose="020B0604030504040204" pitchFamily="34" charset="0"/>
-                <a:ea typeface="Verdana" panose="020B0604030504040204" pitchFamily="34" charset="0"/>
-              </a:rPr>
-              <a:t>}</a:t>
-            </a:r>
-          </a:p>
-          <a:p>
-            <a:endParaRPr lang="en-US" sz="1200" dirty="0">
-              <a:solidFill>
-                <a:srgbClr val="002060"/>
-              </a:solidFill>
-              <a:latin typeface="Verdana" panose="020B0604030504040204" pitchFamily="34" charset="0"/>
-              <a:ea typeface="Verdana" panose="020B0604030504040204" pitchFamily="34" charset="0"/>
-            </a:endParaRPr>
-          </a:p>
-          <a:p>
-            <a:pPr>
-              <a:lnSpc>
-                <a:spcPct val="150000"/>
-              </a:lnSpc>
-            </a:pPr>
-            <a:r>
-              <a:rPr lang="en-US" sz="1200" dirty="0">
-                <a:solidFill>
-                  <a:srgbClr val="002060"/>
-                </a:solidFill>
-                <a:latin typeface="Verdana" panose="020B0604030504040204" pitchFamily="34" charset="0"/>
-                <a:ea typeface="Verdana" panose="020B0604030504040204" pitchFamily="34" charset="0"/>
-              </a:rPr>
-              <a:t>The first line of the file specifies proto3 syntax: if you don't do this the protocol buffer compiler will assume proto2.</a:t>
-            </a:r>
-          </a:p>
-          <a:p>
-            <a:pPr>
-              <a:lnSpc>
-                <a:spcPct val="150000"/>
-              </a:lnSpc>
-            </a:pPr>
-            <a:r>
-              <a:rPr lang="en-US" sz="1200" dirty="0">
-                <a:solidFill>
-                  <a:srgbClr val="002060"/>
-                </a:solidFill>
-                <a:latin typeface="Verdana" panose="020B0604030504040204" pitchFamily="34" charset="0"/>
-                <a:ea typeface="Verdana" panose="020B0604030504040204" pitchFamily="34" charset="0"/>
-              </a:rPr>
-              <a:t>We are using scalar type for the fields.</a:t>
-            </a:r>
-          </a:p>
-          <a:p>
-            <a:pPr>
-              <a:lnSpc>
-                <a:spcPct val="150000"/>
-              </a:lnSpc>
-            </a:pPr>
-            <a:r>
-              <a:rPr lang="en-US" sz="1200" dirty="0">
-                <a:solidFill>
-                  <a:srgbClr val="002060"/>
-                </a:solidFill>
-                <a:latin typeface="Verdana" panose="020B0604030504040204" pitchFamily="34" charset="0"/>
-                <a:ea typeface="Verdana" panose="020B0604030504040204" pitchFamily="34" charset="0"/>
-              </a:rPr>
-              <a:t>Each field in the message definition has a unique number.</a:t>
-            </a:r>
-          </a:p>
-          <a:p>
-            <a:pPr>
-              <a:lnSpc>
-                <a:spcPct val="150000"/>
-              </a:lnSpc>
-            </a:pPr>
-            <a:r>
-              <a:rPr lang="en-US" sz="1200" dirty="0">
-                <a:solidFill>
-                  <a:srgbClr val="002060"/>
-                </a:solidFill>
-                <a:latin typeface="Verdana" panose="020B0604030504040204" pitchFamily="34" charset="0"/>
-                <a:ea typeface="Verdana" panose="020B0604030504040204" pitchFamily="34" charset="0"/>
-              </a:rPr>
-              <a:t>It is used to identify the fields in the message binary format, and should not be changed once your message type is in use.</a:t>
-            </a:r>
-          </a:p>
-          <a:p>
-            <a:pPr>
-              <a:lnSpc>
-                <a:spcPct val="150000"/>
-              </a:lnSpc>
-            </a:pPr>
-            <a:r>
-              <a:rPr lang="en-US" sz="1200" dirty="0">
-                <a:solidFill>
-                  <a:srgbClr val="002060"/>
-                </a:solidFill>
-                <a:latin typeface="Verdana" panose="020B0604030504040204" pitchFamily="34" charset="0"/>
-                <a:ea typeface="Verdana" panose="020B0604030504040204" pitchFamily="34" charset="0"/>
-              </a:rPr>
-              <a:t>We can define multiple message inside single .proto file.</a:t>
-            </a:r>
-          </a:p>
-          <a:p>
-            <a:pPr>
-              <a:lnSpc>
-                <a:spcPct val="150000"/>
-              </a:lnSpc>
-            </a:pPr>
-            <a:r>
-              <a:rPr lang="en-US" sz="1200" dirty="0">
-                <a:solidFill>
-                  <a:srgbClr val="002060"/>
-                </a:solidFill>
-                <a:latin typeface="Verdana" panose="020B0604030504040204" pitchFamily="34" charset="0"/>
-                <a:ea typeface="Verdana" panose="020B0604030504040204" pitchFamily="34" charset="0"/>
-              </a:rPr>
-              <a:t>Adding Comments // OR /* */</a:t>
-            </a:r>
-          </a:p>
-          <a:p>
-            <a:endParaRPr lang="en-US" sz="1200" dirty="0">
-              <a:solidFill>
-                <a:srgbClr val="002060"/>
-              </a:solidFill>
-              <a:latin typeface="Verdana" panose="020B0604030504040204" pitchFamily="34" charset="0"/>
-              <a:ea typeface="Verdana" panose="020B0604030504040204" pitchFamily="34" charset="0"/>
-            </a:endParaRPr>
-          </a:p>
-        </p:txBody>
-      </p:sp>
-      <p:sp>
-        <p:nvSpPr>
           <p:cNvPr id="12" name="Footer Placeholder 7">
             <a:extLst>
               <a:ext uri="{FF2B5EF4-FFF2-40B4-BE49-F238E27FC236}">
@@ -11739,10 +9490,206 @@
           </a:p>
         </p:txBody>
       </p:sp>
+      <p:sp>
+        <p:nvSpPr>
+          <p:cNvPr id="11" name="Rectangle 10">
+            <a:extLst>
+              <a:ext uri="{FF2B5EF4-FFF2-40B4-BE49-F238E27FC236}">
+                <a16:creationId xmlns:a16="http://schemas.microsoft.com/office/drawing/2014/main" id="{F60D9B38-5067-4841-9B4A-CE7786A2CB4A}"/>
+              </a:ext>
+            </a:extLst>
+          </p:cNvPr>
+          <p:cNvSpPr/>
+          <p:nvPr/>
+        </p:nvSpPr>
+        <p:spPr>
+          <a:xfrm>
+            <a:off x="234349" y="588106"/>
+            <a:ext cx="11687815" cy="5236690"/>
+          </a:xfrm>
+          <a:prstGeom prst="rect">
+            <a:avLst/>
+          </a:prstGeom>
+          <a:noFill/>
+        </p:spPr>
+        <p:txBody>
+          <a:bodyPr wrap="none" lIns="91440" tIns="45720" rIns="91440" bIns="45720">
+            <a:spAutoFit/>
+          </a:bodyPr>
+          <a:lstStyle/>
+          <a:p>
+            <a:pPr algn="ctr"/>
+            <a:r>
+              <a:rPr lang="en-US" sz="8800" b="1" cap="none" spc="0" dirty="0">
+                <a:ln w="9525">
+                  <a:solidFill>
+                    <a:schemeClr val="bg1"/>
+                  </a:solidFill>
+                  <a:prstDash val="solid"/>
+                </a:ln>
+                <a:solidFill>
+                  <a:schemeClr val="accent5"/>
+                </a:solidFill>
+                <a:effectLst>
+                  <a:outerShdw blurRad="12700" dist="38100" dir="2700000" algn="tl" rotWithShape="0">
+                    <a:schemeClr val="accent5">
+                      <a:lumMod val="60000"/>
+                      <a:lumOff val="40000"/>
+                    </a:schemeClr>
+                  </a:outerShdw>
+                </a:effectLst>
+                <a:latin typeface="Verdana" panose="020B0604030504040204" pitchFamily="34" charset="0"/>
+                <a:ea typeface="Verdana" panose="020B0604030504040204" pitchFamily="34" charset="0"/>
+              </a:rPr>
+              <a:t>Demo 2</a:t>
+            </a:r>
+          </a:p>
+          <a:p>
+            <a:pPr marL="1371600" indent="-1371600" algn="ctr">
+              <a:buAutoNum type="arabicPeriod"/>
+            </a:pPr>
+            <a:endParaRPr lang="en-US" sz="4000" b="1" cap="none" spc="0" dirty="0">
+              <a:ln w="9525">
+                <a:solidFill>
+                  <a:schemeClr val="bg1"/>
+                </a:solidFill>
+                <a:prstDash val="solid"/>
+              </a:ln>
+              <a:solidFill>
+                <a:schemeClr val="accent5"/>
+              </a:solidFill>
+              <a:effectLst>
+                <a:outerShdw blurRad="12700" dist="38100" dir="2700000" algn="tl" rotWithShape="0">
+                  <a:schemeClr val="accent5">
+                    <a:lumMod val="60000"/>
+                    <a:lumOff val="40000"/>
+                  </a:schemeClr>
+                </a:outerShdw>
+              </a:effectLst>
+              <a:latin typeface="Verdana" panose="020B0604030504040204" pitchFamily="34" charset="0"/>
+              <a:ea typeface="Verdana" panose="020B0604030504040204" pitchFamily="34" charset="0"/>
+            </a:endParaRPr>
+          </a:p>
+          <a:p>
+            <a:pPr algn="ctr">
+              <a:lnSpc>
+                <a:spcPct val="150000"/>
+              </a:lnSpc>
+            </a:pPr>
+            <a:r>
+              <a:rPr lang="en-US" sz="4800" b="1" dirty="0">
+                <a:ln w="9525">
+                  <a:solidFill>
+                    <a:schemeClr val="bg1"/>
+                  </a:solidFill>
+                  <a:prstDash val="solid"/>
+                </a:ln>
+                <a:solidFill>
+                  <a:schemeClr val="accent5"/>
+                </a:solidFill>
+                <a:effectLst>
+                  <a:outerShdw blurRad="12700" dist="38100" dir="2700000" algn="tl" rotWithShape="0">
+                    <a:schemeClr val="accent5">
+                      <a:lumMod val="60000"/>
+                      <a:lumOff val="40000"/>
+                    </a:schemeClr>
+                  </a:outerShdw>
+                </a:effectLst>
+                <a:latin typeface="Verdana" panose="020B0604030504040204" pitchFamily="34" charset="0"/>
+                <a:ea typeface="Verdana" panose="020B0604030504040204" pitchFamily="34" charset="0"/>
+              </a:rPr>
+              <a:t>Creating Azure API Management </a:t>
+            </a:r>
+          </a:p>
+          <a:p>
+            <a:pPr algn="ctr">
+              <a:lnSpc>
+                <a:spcPct val="150000"/>
+              </a:lnSpc>
+            </a:pPr>
+            <a:r>
+              <a:rPr lang="en-US" sz="4800" b="1" dirty="0">
+                <a:ln w="9525">
+                  <a:solidFill>
+                    <a:schemeClr val="bg1"/>
+                  </a:solidFill>
+                  <a:prstDash val="solid"/>
+                </a:ln>
+                <a:solidFill>
+                  <a:schemeClr val="accent5"/>
+                </a:solidFill>
+                <a:effectLst>
+                  <a:outerShdw blurRad="12700" dist="38100" dir="2700000" algn="tl" rotWithShape="0">
+                    <a:schemeClr val="accent5">
+                      <a:lumMod val="60000"/>
+                      <a:lumOff val="40000"/>
+                    </a:schemeClr>
+                  </a:outerShdw>
+                </a:effectLst>
+                <a:latin typeface="Verdana" panose="020B0604030504040204" pitchFamily="34" charset="0"/>
+                <a:ea typeface="Verdana" panose="020B0604030504040204" pitchFamily="34" charset="0"/>
+              </a:rPr>
+              <a:t>and adding </a:t>
+            </a:r>
+          </a:p>
+          <a:p>
+            <a:pPr algn="ctr">
+              <a:lnSpc>
+                <a:spcPct val="150000"/>
+              </a:lnSpc>
+            </a:pPr>
+            <a:r>
+              <a:rPr lang="en-US" sz="4800" b="1" dirty="0">
+                <a:ln w="9525">
+                  <a:solidFill>
+                    <a:schemeClr val="bg1"/>
+                  </a:solidFill>
+                  <a:prstDash val="solid"/>
+                </a:ln>
+                <a:solidFill>
+                  <a:schemeClr val="accent5"/>
+                </a:solidFill>
+                <a:effectLst>
+                  <a:outerShdw blurRad="12700" dist="38100" dir="2700000" algn="tl" rotWithShape="0">
+                    <a:schemeClr val="accent5">
+                      <a:lumMod val="60000"/>
+                      <a:lumOff val="40000"/>
+                    </a:schemeClr>
+                  </a:outerShdw>
+                </a:effectLst>
+                <a:latin typeface="Verdana" panose="020B0604030504040204" pitchFamily="34" charset="0"/>
+                <a:ea typeface="Verdana" panose="020B0604030504040204" pitchFamily="34" charset="0"/>
+              </a:rPr>
+              <a:t>One Middle Tier Services</a:t>
+            </a:r>
+            <a:endParaRPr lang="en-US" sz="4000" b="1" cap="none" spc="0" dirty="0">
+              <a:ln w="9525">
+                <a:solidFill>
+                  <a:schemeClr val="bg1"/>
+                </a:solidFill>
+                <a:prstDash val="solid"/>
+              </a:ln>
+              <a:solidFill>
+                <a:schemeClr val="accent5"/>
+              </a:solidFill>
+              <a:effectLst>
+                <a:outerShdw blurRad="12700" dist="38100" dir="2700000" algn="tl" rotWithShape="0">
+                  <a:schemeClr val="accent5">
+                    <a:lumMod val="60000"/>
+                    <a:lumOff val="40000"/>
+                  </a:schemeClr>
+                </a:outerShdw>
+              </a:effectLst>
+              <a:latin typeface="Verdana" panose="020B0604030504040204" pitchFamily="34" charset="0"/>
+              <a:ea typeface="Verdana" panose="020B0604030504040204" pitchFamily="34" charset="0"/>
+            </a:endParaRPr>
+          </a:p>
+        </p:txBody>
+      </p:sp>
     </p:spTree>
     <p:extLst>
       <p:ext uri="{BB962C8B-B14F-4D97-AF65-F5344CB8AC3E}">
-        <p14:creationId xmlns:p14="http://schemas.microsoft.com/office/powerpoint/2010/main" val="3321109480"/>
+        <p14:creationId xmlns:p14="http://schemas.microsoft.com/office/powerpoint/2010/main" val="1391075928"/>
       </p:ext>
     </p:extLst>
   </p:cSld>
@@ -11819,7 +9766,7 @@
                 <a:latin typeface="Verdana" panose="020B0604030504040204" pitchFamily="34" charset="0"/>
                 <a:ea typeface="Verdana" panose="020B0604030504040204" pitchFamily="34" charset="0"/>
               </a:rPr>
-              <a:t>Protocol Buffers</a:t>
+              <a:t>Adding Policies to Global, Product, Services and Operation Level</a:t>
             </a:r>
             <a:endParaRPr lang="en-IN" b="1" dirty="0">
               <a:latin typeface="Verdana" panose="020B0604030504040204" pitchFamily="34" charset="0"/>
@@ -11967,267 +9914,6 @@
       </p:sp>
       <p:sp>
         <p:nvSpPr>
-          <p:cNvPr id="10" name="TextBox 9">
-            <a:extLst>
-              <a:ext uri="{FF2B5EF4-FFF2-40B4-BE49-F238E27FC236}">
-                <a16:creationId xmlns:a16="http://schemas.microsoft.com/office/drawing/2014/main" id="{01677BED-4C67-48F6-8772-07696F9A1F04}"/>
-              </a:ext>
-            </a:extLst>
-          </p:cNvPr>
-          <p:cNvSpPr txBox="1"/>
-          <p:nvPr/>
-        </p:nvSpPr>
-        <p:spPr>
-          <a:xfrm>
-            <a:off x="80629" y="602214"/>
-            <a:ext cx="12037390" cy="4463914"/>
-          </a:xfrm>
-          <a:prstGeom prst="rect">
-            <a:avLst/>
-          </a:prstGeom>
-          <a:noFill/>
-        </p:spPr>
-        <p:txBody>
-          <a:bodyPr wrap="square" rtlCol="0">
-            <a:spAutoFit/>
-          </a:bodyPr>
-          <a:lstStyle/>
-          <a:p>
-            <a:r>
-              <a:rPr lang="en-US" sz="1200" dirty="0">
-                <a:solidFill>
-                  <a:srgbClr val="002060"/>
-                </a:solidFill>
-                <a:latin typeface="Verdana" panose="020B0604030504040204" pitchFamily="34" charset="0"/>
-                <a:ea typeface="Verdana" panose="020B0604030504040204" pitchFamily="34" charset="0"/>
-              </a:rPr>
-              <a:t>3. Scalar Value Types</a:t>
-            </a:r>
-          </a:p>
-          <a:p>
-            <a:endParaRPr lang="en-US" sz="1200" dirty="0">
-              <a:solidFill>
-                <a:srgbClr val="002060"/>
-              </a:solidFill>
-              <a:latin typeface="Verdana" panose="020B0604030504040204" pitchFamily="34" charset="0"/>
-              <a:ea typeface="Verdana" panose="020B0604030504040204" pitchFamily="34" charset="0"/>
-            </a:endParaRPr>
-          </a:p>
-          <a:p>
-            <a:pPr>
-              <a:lnSpc>
-                <a:spcPct val="200000"/>
-              </a:lnSpc>
-            </a:pPr>
-            <a:r>
-              <a:rPr lang="en-US" sz="1200" dirty="0">
-                <a:solidFill>
-                  <a:srgbClr val="002060"/>
-                </a:solidFill>
-                <a:latin typeface="Verdana" panose="020B0604030504040204" pitchFamily="34" charset="0"/>
-                <a:ea typeface="Verdana" panose="020B0604030504040204" pitchFamily="34" charset="0"/>
-              </a:rPr>
-              <a:t>.proto type</a:t>
-            </a:r>
-            <a:r>
-              <a:rPr lang="en-US" sz="1200">
-                <a:solidFill>
-                  <a:srgbClr val="002060"/>
-                </a:solidFill>
-                <a:latin typeface="Verdana" panose="020B0604030504040204" pitchFamily="34" charset="0"/>
-                <a:ea typeface="Verdana" panose="020B0604030504040204" pitchFamily="34" charset="0"/>
-              </a:rPr>
-              <a:t>		=</a:t>
-            </a:r>
-            <a:r>
-              <a:rPr lang="en-US" sz="1200" dirty="0">
-                <a:solidFill>
-                  <a:srgbClr val="002060"/>
-                </a:solidFill>
-                <a:latin typeface="Verdana" panose="020B0604030504040204" pitchFamily="34" charset="0"/>
-                <a:ea typeface="Verdana" panose="020B0604030504040204" pitchFamily="34" charset="0"/>
-              </a:rPr>
-              <a:t>	C# Type</a:t>
-            </a:r>
-          </a:p>
-          <a:p>
-            <a:pPr>
-              <a:lnSpc>
-                <a:spcPct val="200000"/>
-              </a:lnSpc>
-            </a:pPr>
-            <a:r>
-              <a:rPr lang="en-US" sz="1200" dirty="0">
-                <a:solidFill>
-                  <a:srgbClr val="002060"/>
-                </a:solidFill>
-                <a:latin typeface="Verdana" panose="020B0604030504040204" pitchFamily="34" charset="0"/>
-                <a:ea typeface="Verdana" panose="020B0604030504040204" pitchFamily="34" charset="0"/>
-              </a:rPr>
-              <a:t>double 		= 	double</a:t>
-            </a:r>
-          </a:p>
-          <a:p>
-            <a:pPr>
-              <a:lnSpc>
-                <a:spcPct val="200000"/>
-              </a:lnSpc>
-            </a:pPr>
-            <a:r>
-              <a:rPr lang="en-US" sz="1200" dirty="0">
-                <a:solidFill>
-                  <a:srgbClr val="002060"/>
-                </a:solidFill>
-                <a:latin typeface="Verdana" panose="020B0604030504040204" pitchFamily="34" charset="0"/>
-                <a:ea typeface="Verdana" panose="020B0604030504040204" pitchFamily="34" charset="0"/>
-              </a:rPr>
-              <a:t>float 		= 	float</a:t>
-            </a:r>
-          </a:p>
-          <a:p>
-            <a:pPr>
-              <a:lnSpc>
-                <a:spcPct val="200000"/>
-              </a:lnSpc>
-            </a:pPr>
-            <a:r>
-              <a:rPr lang="en-US" sz="1200" dirty="0">
-                <a:solidFill>
-                  <a:srgbClr val="002060"/>
-                </a:solidFill>
-                <a:latin typeface="Verdana" panose="020B0604030504040204" pitchFamily="34" charset="0"/>
-                <a:ea typeface="Verdana" panose="020B0604030504040204" pitchFamily="34" charset="0"/>
-              </a:rPr>
-              <a:t>int32 		= 	int</a:t>
-            </a:r>
-          </a:p>
-          <a:p>
-            <a:pPr>
-              <a:lnSpc>
-                <a:spcPct val="200000"/>
-              </a:lnSpc>
-            </a:pPr>
-            <a:r>
-              <a:rPr lang="en-US" sz="1200" dirty="0">
-                <a:solidFill>
-                  <a:srgbClr val="002060"/>
-                </a:solidFill>
-                <a:latin typeface="Verdana" panose="020B0604030504040204" pitchFamily="34" charset="0"/>
-                <a:ea typeface="Verdana" panose="020B0604030504040204" pitchFamily="34" charset="0"/>
-              </a:rPr>
-              <a:t>int64 		= 	long</a:t>
-            </a:r>
-          </a:p>
-          <a:p>
-            <a:pPr>
-              <a:lnSpc>
-                <a:spcPct val="200000"/>
-              </a:lnSpc>
-            </a:pPr>
-            <a:r>
-              <a:rPr lang="en-US" sz="1200" dirty="0">
-                <a:solidFill>
-                  <a:srgbClr val="002060"/>
-                </a:solidFill>
-                <a:latin typeface="Verdana" panose="020B0604030504040204" pitchFamily="34" charset="0"/>
-                <a:ea typeface="Verdana" panose="020B0604030504040204" pitchFamily="34" charset="0"/>
-              </a:rPr>
-              <a:t>bool 		= 	bool</a:t>
-            </a:r>
-          </a:p>
-          <a:p>
-            <a:pPr>
-              <a:lnSpc>
-                <a:spcPct val="200000"/>
-              </a:lnSpc>
-            </a:pPr>
-            <a:r>
-              <a:rPr lang="en-US" sz="1200" dirty="0">
-                <a:solidFill>
-                  <a:srgbClr val="002060"/>
-                </a:solidFill>
-                <a:latin typeface="Verdana" panose="020B0604030504040204" pitchFamily="34" charset="0"/>
-                <a:ea typeface="Verdana" panose="020B0604030504040204" pitchFamily="34" charset="0"/>
-              </a:rPr>
-              <a:t>string 		= 	string</a:t>
-            </a:r>
-          </a:p>
-          <a:p>
-            <a:endParaRPr lang="en-US" sz="1200" dirty="0">
-              <a:solidFill>
-                <a:srgbClr val="002060"/>
-              </a:solidFill>
-              <a:latin typeface="Verdana" panose="020B0604030504040204" pitchFamily="34" charset="0"/>
-              <a:ea typeface="Verdana" panose="020B0604030504040204" pitchFamily="34" charset="0"/>
-            </a:endParaRPr>
-          </a:p>
-          <a:p>
-            <a:r>
-              <a:rPr lang="en-US" sz="1200" dirty="0">
-                <a:solidFill>
-                  <a:srgbClr val="002060"/>
-                </a:solidFill>
-                <a:latin typeface="Verdana" panose="020B0604030504040204" pitchFamily="34" charset="0"/>
-                <a:ea typeface="Verdana" panose="020B0604030504040204" pitchFamily="34" charset="0"/>
-              </a:rPr>
-              <a:t>4. Default Values</a:t>
-            </a:r>
-          </a:p>
-          <a:p>
-            <a:pPr>
-              <a:lnSpc>
-                <a:spcPct val="200000"/>
-              </a:lnSpc>
-            </a:pPr>
-            <a:r>
-              <a:rPr lang="en-US" sz="1200" dirty="0">
-                <a:solidFill>
-                  <a:srgbClr val="002060"/>
-                </a:solidFill>
-                <a:latin typeface="Verdana" panose="020B0604030504040204" pitchFamily="34" charset="0"/>
-                <a:ea typeface="Verdana" panose="020B0604030504040204" pitchFamily="34" charset="0"/>
-              </a:rPr>
-              <a:t>strings = the default value is the empty string.</a:t>
-            </a:r>
-          </a:p>
-          <a:p>
-            <a:pPr>
-              <a:lnSpc>
-                <a:spcPct val="200000"/>
-              </a:lnSpc>
-            </a:pPr>
-            <a:r>
-              <a:rPr lang="en-US" sz="1200" dirty="0">
-                <a:solidFill>
-                  <a:srgbClr val="002060"/>
-                </a:solidFill>
-                <a:latin typeface="Verdana" panose="020B0604030504040204" pitchFamily="34" charset="0"/>
-                <a:ea typeface="Verdana" panose="020B0604030504040204" pitchFamily="34" charset="0"/>
-              </a:rPr>
-              <a:t>bools = the default value is false.</a:t>
-            </a:r>
-          </a:p>
-          <a:p>
-            <a:pPr>
-              <a:lnSpc>
-                <a:spcPct val="200000"/>
-              </a:lnSpc>
-            </a:pPr>
-            <a:r>
-              <a:rPr lang="en-US" sz="1200" dirty="0">
-                <a:solidFill>
-                  <a:srgbClr val="002060"/>
-                </a:solidFill>
-                <a:latin typeface="Verdana" panose="020B0604030504040204" pitchFamily="34" charset="0"/>
-                <a:ea typeface="Verdana" panose="020B0604030504040204" pitchFamily="34" charset="0"/>
-              </a:rPr>
-              <a:t>numeric = the default value is zero.</a:t>
-            </a:r>
-          </a:p>
-        </p:txBody>
-      </p:sp>
-      <p:sp>
-        <p:nvSpPr>
           <p:cNvPr id="12" name="Footer Placeholder 7">
             <a:extLst>
               <a:ext uri="{FF2B5EF4-FFF2-40B4-BE49-F238E27FC236}">
@@ -12362,10 +10048,179 @@
           </a:p>
         </p:txBody>
       </p:sp>
+      <p:sp>
+        <p:nvSpPr>
+          <p:cNvPr id="11" name="TextBox 10">
+            <a:extLst>
+              <a:ext uri="{FF2B5EF4-FFF2-40B4-BE49-F238E27FC236}">
+                <a16:creationId xmlns:a16="http://schemas.microsoft.com/office/drawing/2014/main" id="{13E2DF1E-6C2C-406F-BEFA-709E8A507357}"/>
+              </a:ext>
+            </a:extLst>
+          </p:cNvPr>
+          <p:cNvSpPr txBox="1"/>
+          <p:nvPr/>
+        </p:nvSpPr>
+        <p:spPr>
+          <a:xfrm>
+            <a:off x="80629" y="602214"/>
+            <a:ext cx="12037390" cy="3069366"/>
+          </a:xfrm>
+          <a:prstGeom prst="rect">
+            <a:avLst/>
+          </a:prstGeom>
+          <a:noFill/>
+        </p:spPr>
+        <p:txBody>
+          <a:bodyPr wrap="square" rtlCol="0">
+            <a:spAutoFit/>
+          </a:bodyPr>
+          <a:lstStyle/>
+          <a:p>
+            <a:pPr>
+              <a:lnSpc>
+                <a:spcPct val="200000"/>
+              </a:lnSpc>
+            </a:pPr>
+            <a:r>
+              <a:rPr lang="en-US" sz="2000" dirty="0">
+                <a:solidFill>
+                  <a:srgbClr val="002060"/>
+                </a:solidFill>
+                <a:latin typeface="Verdana" panose="020B0604030504040204" pitchFamily="34" charset="0"/>
+                <a:ea typeface="Verdana" panose="020B0604030504040204" pitchFamily="34" charset="0"/>
+              </a:rPr>
+              <a:t>Configuring Policies using Azure Portal</a:t>
+            </a:r>
+          </a:p>
+          <a:p>
+            <a:pPr marL="171450" indent="-171450">
+              <a:lnSpc>
+                <a:spcPct val="200000"/>
+              </a:lnSpc>
+              <a:buFont typeface="Wingdings" panose="05000000000000000000" pitchFamily="2" charset="2"/>
+              <a:buChar char="Ø"/>
+            </a:pPr>
+            <a:r>
+              <a:rPr lang="en-US" sz="2000" dirty="0">
+                <a:solidFill>
+                  <a:srgbClr val="002060"/>
+                </a:solidFill>
+                <a:latin typeface="Verdana" panose="020B0604030504040204" pitchFamily="34" charset="0"/>
+                <a:ea typeface="Verdana" panose="020B0604030504040204" pitchFamily="34" charset="0"/>
+              </a:rPr>
+              <a:t> Verify the Policy created for college-service-</a:t>
+            </a:r>
+            <a:r>
+              <a:rPr lang="en-US" sz="2000" dirty="0" err="1">
+                <a:solidFill>
+                  <a:srgbClr val="002060"/>
+                </a:solidFill>
+                <a:latin typeface="Verdana" panose="020B0604030504040204" pitchFamily="34" charset="0"/>
+                <a:ea typeface="Verdana" panose="020B0604030504040204" pitchFamily="34" charset="0"/>
+              </a:rPr>
+              <a:t>apimgw</a:t>
+            </a:r>
+            <a:r>
+              <a:rPr lang="en-US" sz="2000" dirty="0">
+                <a:solidFill>
+                  <a:srgbClr val="002060"/>
+                </a:solidFill>
+                <a:latin typeface="Verdana" panose="020B0604030504040204" pitchFamily="34" charset="0"/>
+                <a:ea typeface="Verdana" panose="020B0604030504040204" pitchFamily="34" charset="0"/>
+              </a:rPr>
+              <a:t>. Rate Limit.</a:t>
+            </a:r>
+          </a:p>
+          <a:p>
+            <a:pPr marL="171450" indent="-171450">
+              <a:lnSpc>
+                <a:spcPct val="200000"/>
+              </a:lnSpc>
+              <a:buFont typeface="Wingdings" panose="05000000000000000000" pitchFamily="2" charset="2"/>
+              <a:buChar char="Ø"/>
+            </a:pPr>
+            <a:r>
+              <a:rPr lang="en-US" sz="2000" dirty="0">
+                <a:solidFill>
+                  <a:srgbClr val="002060"/>
+                </a:solidFill>
+                <a:latin typeface="Verdana" panose="020B0604030504040204" pitchFamily="34" charset="0"/>
+                <a:ea typeface="Verdana" panose="020B0604030504040204" pitchFamily="34" charset="0"/>
+              </a:rPr>
+              <a:t> We will test using Postman.</a:t>
+            </a:r>
+          </a:p>
+          <a:p>
+            <a:pPr marL="171450" indent="-171450">
+              <a:lnSpc>
+                <a:spcPct val="200000"/>
+              </a:lnSpc>
+              <a:buFont typeface="Wingdings" panose="05000000000000000000" pitchFamily="2" charset="2"/>
+              <a:buChar char="Ø"/>
+            </a:pPr>
+            <a:r>
+              <a:rPr lang="en-US" sz="2000" dirty="0">
+                <a:solidFill>
+                  <a:srgbClr val="002060"/>
+                </a:solidFill>
+                <a:latin typeface="Verdana" panose="020B0604030504040204" pitchFamily="34" charset="0"/>
+                <a:ea typeface="Verdana" panose="020B0604030504040204" pitchFamily="34" charset="0"/>
+              </a:rPr>
+              <a:t> We will configure for weather-forecast-</a:t>
+            </a:r>
+            <a:r>
+              <a:rPr lang="en-US" sz="2000" dirty="0" err="1">
+                <a:solidFill>
+                  <a:srgbClr val="002060"/>
+                </a:solidFill>
+                <a:latin typeface="Verdana" panose="020B0604030504040204" pitchFamily="34" charset="0"/>
+                <a:ea typeface="Verdana" panose="020B0604030504040204" pitchFamily="34" charset="0"/>
+              </a:rPr>
+              <a:t>apimgw</a:t>
+            </a:r>
+            <a:r>
+              <a:rPr lang="en-US" sz="2000" dirty="0">
+                <a:solidFill>
+                  <a:srgbClr val="002060"/>
+                </a:solidFill>
+                <a:latin typeface="Verdana" panose="020B0604030504040204" pitchFamily="34" charset="0"/>
+                <a:ea typeface="Verdana" panose="020B0604030504040204" pitchFamily="34" charset="0"/>
+              </a:rPr>
+              <a:t> now.</a:t>
+            </a:r>
+          </a:p>
+          <a:p>
+            <a:pPr marL="171450" indent="-171450">
+              <a:lnSpc>
+                <a:spcPct val="200000"/>
+              </a:lnSpc>
+              <a:buFont typeface="Wingdings" panose="05000000000000000000" pitchFamily="2" charset="2"/>
+              <a:buChar char="Ø"/>
+            </a:pPr>
+            <a:r>
+              <a:rPr lang="en-US" sz="2000" dirty="0">
+                <a:solidFill>
+                  <a:srgbClr val="002060"/>
+                </a:solidFill>
+                <a:latin typeface="Verdana" panose="020B0604030504040204" pitchFamily="34" charset="0"/>
+                <a:ea typeface="Verdana" panose="020B0604030504040204" pitchFamily="34" charset="0"/>
+              </a:rPr>
+              <a:t> Verify the Weather Forecasting APIM using Postman.</a:t>
+            </a:r>
+            <a:endParaRPr lang="en-IN" sz="2000" dirty="0">
+              <a:solidFill>
+                <a:srgbClr val="002060"/>
+              </a:solidFill>
+              <a:latin typeface="Verdana" panose="020B0604030504040204" pitchFamily="34" charset="0"/>
+              <a:ea typeface="Verdana" panose="020B0604030504040204" pitchFamily="34" charset="0"/>
+            </a:endParaRPr>
+          </a:p>
+        </p:txBody>
+      </p:sp>
     </p:spTree>
     <p:extLst>
       <p:ext uri="{BB962C8B-B14F-4D97-AF65-F5344CB8AC3E}">
-        <p14:creationId xmlns:p14="http://schemas.microsoft.com/office/powerpoint/2010/main" val="342732080"/>
+        <p14:creationId xmlns:p14="http://schemas.microsoft.com/office/powerpoint/2010/main" val="3321109480"/>
       </p:ext>
     </p:extLst>
   </p:cSld>
@@ -12437,6 +10292,13 @@
           <a:lstStyle/>
           <a:p>
             <a:pPr algn="ctr"/>
+            <a:r>
+              <a:rPr lang="en-US" b="1" dirty="0">
+                <a:latin typeface="Verdana" panose="020B0604030504040204" pitchFamily="34" charset="0"/>
+                <a:ea typeface="Verdana" panose="020B0604030504040204" pitchFamily="34" charset="0"/>
+              </a:rPr>
+              <a:t>Adding Policies to Global, Product, Services and Operation Level</a:t>
+            </a:r>
             <a:endParaRPr lang="en-IN" b="1" dirty="0">
               <a:latin typeface="Verdana" panose="020B0604030504040204" pitchFamily="34" charset="0"/>
               <a:ea typeface="Verdana" panose="020B0604030504040204" pitchFamily="34" charset="0"/>
@@ -12731,8 +10593,8 @@
         </p:nvSpPr>
         <p:spPr>
           <a:xfrm>
-            <a:off x="2430461" y="588106"/>
-            <a:ext cx="7295588" cy="3020699"/>
+            <a:off x="1479881" y="588106"/>
+            <a:ext cx="9196748" cy="5236690"/>
           </a:xfrm>
           <a:prstGeom prst="rect">
             <a:avLst/>
@@ -12768,7 +10630,7 @@
                 <a:latin typeface="Verdana" panose="020B0604030504040204" pitchFamily="34" charset="0"/>
                 <a:ea typeface="Verdana" panose="020B0604030504040204" pitchFamily="34" charset="0"/>
               </a:rPr>
-              <a:t>Demo 1</a:t>
+              <a:t>Demo 3</a:t>
             </a:r>
           </a:p>
           <a:p>
@@ -12804,7 +10666,7 @@
               </a:lnSpc>
             </a:pPr>
             <a:r>
-              <a:rPr lang="en-US" sz="4800" b="1" cap="none" spc="0" dirty="0">
+              <a:rPr lang="en-US" sz="4800" b="1" dirty="0">
                 <a:ln w="9525">
                   <a:solidFill>
                     <a:schemeClr val="bg1"/>
@@ -12825,8 +10687,91 @@
                 <a:latin typeface="Verdana" panose="020B0604030504040204" pitchFamily="34" charset="0"/>
                 <a:ea typeface="Verdana" panose="020B0604030504040204" pitchFamily="34" charset="0"/>
               </a:rPr>
-              <a:t>Simple gRPC Service</a:t>
-            </a:r>
+              <a:t>Adding Policies to Global, </a:t>
+            </a:r>
+          </a:p>
+          <a:p>
+            <a:pPr algn="ctr">
+              <a:lnSpc>
+                <a:spcPct val="150000"/>
+              </a:lnSpc>
+            </a:pPr>
+            <a:r>
+              <a:rPr lang="en-US" sz="4800" b="1" dirty="0">
+                <a:ln w="9525">
+                  <a:solidFill>
+                    <a:schemeClr val="bg1"/>
+                  </a:solidFill>
+                  <a:prstDash val="solid"/>
+                </a:ln>
+                <a:solidFill>
+                  <a:schemeClr val="accent5"/>
+                </a:solidFill>
+                <a:effectLst>
+                  <a:outerShdw blurRad="12700" dist="38100" dir="2700000" algn="tl" rotWithShape="0">
+                    <a:schemeClr val="accent5">
+                      <a:lumMod val="60000"/>
+                      <a:lumOff val="40000"/>
+                    </a:schemeClr>
+                  </a:outerShdw>
+                </a:effectLst>
+                <a:latin typeface="Verdana" panose="020B0604030504040204" pitchFamily="34" charset="0"/>
+                <a:ea typeface="Verdana" panose="020B0604030504040204" pitchFamily="34" charset="0"/>
+              </a:rPr>
+              <a:t>Product, Services </a:t>
+            </a:r>
+          </a:p>
+          <a:p>
+            <a:pPr algn="ctr">
+              <a:lnSpc>
+                <a:spcPct val="150000"/>
+              </a:lnSpc>
+            </a:pPr>
+            <a:r>
+              <a:rPr lang="en-US" sz="4800" b="1" dirty="0">
+                <a:ln w="9525">
+                  <a:solidFill>
+                    <a:schemeClr val="bg1"/>
+                  </a:solidFill>
+                  <a:prstDash val="solid"/>
+                </a:ln>
+                <a:solidFill>
+                  <a:schemeClr val="accent5"/>
+                </a:solidFill>
+                <a:effectLst>
+                  <a:outerShdw blurRad="12700" dist="38100" dir="2700000" algn="tl" rotWithShape="0">
+                    <a:schemeClr val="accent5">
+                      <a:lumMod val="60000"/>
+                      <a:lumOff val="40000"/>
+                    </a:schemeClr>
+                  </a:outerShdw>
+                </a:effectLst>
+                <a:latin typeface="Verdana" panose="020B0604030504040204" pitchFamily="34" charset="0"/>
+                <a:ea typeface="Verdana" panose="020B0604030504040204" pitchFamily="34" charset="0"/>
+              </a:rPr>
+              <a:t>and Operation Level</a:t>
+            </a:r>
+            <a:endParaRPr lang="en-US" sz="4800" b="1" cap="none" spc="0" dirty="0">
+              <a:ln w="9525">
+                <a:solidFill>
+                  <a:schemeClr val="bg1"/>
+                </a:solidFill>
+                <a:prstDash val="solid"/>
+              </a:ln>
+              <a:solidFill>
+                <a:schemeClr val="accent5"/>
+              </a:solidFill>
+              <a:effectLst>
+                <a:outerShdw blurRad="12700" dist="38100" dir="2700000" algn="tl" rotWithShape="0">
+                  <a:schemeClr val="accent5">
+                    <a:lumMod val="60000"/>
+                    <a:lumOff val="40000"/>
+                  </a:schemeClr>
+                </a:outerShdw>
+              </a:effectLst>
+              <a:latin typeface="Verdana" panose="020B0604030504040204" pitchFamily="34" charset="0"/>
+              <a:ea typeface="Verdana" panose="020B0604030504040204" pitchFamily="34" charset="0"/>
+            </a:endParaRPr>
           </a:p>
         </p:txBody>
       </p:sp>
